--- a/Week04/Buttons.pptx
+++ b/Week04/Buttons.pptx
@@ -9,16 +9,16 @@
   </p:notesMasterIdLst>
   <p:sldIdLst>
     <p:sldId id="258" r:id="rId2"/>
-    <p:sldId id="307" r:id="rId3"/>
-    <p:sldId id="308" r:id="rId4"/>
-    <p:sldId id="306" r:id="rId5"/>
-    <p:sldId id="297" r:id="rId6"/>
-    <p:sldId id="309" r:id="rId7"/>
-    <p:sldId id="310" r:id="rId8"/>
-    <p:sldId id="311" r:id="rId9"/>
-    <p:sldId id="313" r:id="rId10"/>
-    <p:sldId id="312" r:id="rId11"/>
-    <p:sldId id="314" r:id="rId12"/>
+    <p:sldId id="297" r:id="rId3"/>
+    <p:sldId id="309" r:id="rId4"/>
+    <p:sldId id="310" r:id="rId5"/>
+    <p:sldId id="316" r:id="rId6"/>
+    <p:sldId id="311" r:id="rId7"/>
+    <p:sldId id="313" r:id="rId8"/>
+    <p:sldId id="315" r:id="rId9"/>
+    <p:sldId id="312" r:id="rId10"/>
+    <p:sldId id="314" r:id="rId11"/>
+    <p:sldId id="317" r:id="rId12"/>
   </p:sldIdLst>
   <p:sldSz cx="12192000" cy="6858000"/>
   <p:notesSz cx="6858000" cy="9144000"/>
@@ -218,7 +218,7 @@
           <a:p>
             <a:fld id="{19104133-B5B0-4351-8158-4F0E5EB1E2BF}" type="datetimeFigureOut">
               <a:rPr lang="en-US" smtClean="0"/>
-              <a:t>3/25/2020</a:t>
+              <a:t>9/6/2022</a:t>
             </a:fld>
             <a:endParaRPr lang="en-US"/>
           </a:p>
@@ -282,38 +282,37 @@
           <a:p>
             <a:pPr lvl="0"/>
             <a:r>
-              <a:rPr lang="en-US" smtClean="0"/>
+              <a:rPr lang="en-US"/>
               <a:t>Edit Master text styles</a:t>
             </a:r>
           </a:p>
           <a:p>
             <a:pPr lvl="1"/>
             <a:r>
-              <a:rPr lang="en-US" smtClean="0"/>
+              <a:rPr lang="en-US"/>
               <a:t>Second level</a:t>
             </a:r>
           </a:p>
           <a:p>
             <a:pPr lvl="2"/>
             <a:r>
-              <a:rPr lang="en-US" smtClean="0"/>
+              <a:rPr lang="en-US"/>
               <a:t>Third level</a:t>
             </a:r>
           </a:p>
           <a:p>
             <a:pPr lvl="3"/>
             <a:r>
-              <a:rPr lang="en-US" smtClean="0"/>
+              <a:rPr lang="en-US"/>
               <a:t>Fourth level</a:t>
             </a:r>
           </a:p>
           <a:p>
             <a:pPr lvl="4"/>
             <a:r>
-              <a:rPr lang="en-US" smtClean="0"/>
+              <a:rPr lang="en-US"/>
               <a:t>Fifth level</a:t>
             </a:r>
-            <a:endParaRPr lang="en-US"/>
           </a:p>
         </p:txBody>
       </p:sp>
@@ -615,23 +614,195 @@
           <a:lstStyle/>
           <a:p>
             <a:r>
-              <a:rPr lang="en-US" dirty="0" smtClean="0"/>
-              <a:t>Explain</a:t>
+              <a:rPr lang="en-US" dirty="0"/>
+              <a:t>For the </a:t>
             </a:r>
             <a:r>
-              <a:rPr lang="en-US" baseline="0" dirty="0" smtClean="0"/>
-              <a:t> a little bit of background on functions.</a:t>
+              <a:rPr lang="en-US" dirty="0" err="1"/>
+              <a:t>Repl</a:t>
             </a:r>
-          </a:p>
-          <a:p>
-            <a:endParaRPr lang="en-US" baseline="0" dirty="0" smtClean="0"/>
-          </a:p>
-          <a:p>
             <a:r>
-              <a:rPr lang="en-US" i="1" baseline="0" dirty="0" smtClean="0"/>
-              <a:t>Note that the goal here is not to make the students understand functions. They only need to understand enough to use functions for their webpages.</a:t>
+              <a:rPr lang="en-US" dirty="0"/>
+              <a:t>,</a:t>
             </a:r>
-            <a:endParaRPr lang="en-US" i="1" dirty="0"/>
+            <a:r>
+              <a:rPr lang="en-US" baseline="0" dirty="0"/>
+              <a:t> note the following in the </a:t>
+            </a:r>
+            <a:r>
+              <a:rPr lang="en-US" b="1" baseline="0" dirty="0"/>
+              <a:t>index.html</a:t>
+            </a:r>
+            <a:r>
+              <a:rPr lang="en-US" b="0" baseline="0" dirty="0"/>
+              <a:t> file:</a:t>
+            </a:r>
+            <a:endParaRPr lang="en-US" baseline="0" dirty="0"/>
+          </a:p>
+          <a:p>
+            <a:pPr marL="171450" indent="-171450">
+              <a:buFontTx/>
+              <a:buChar char="-"/>
+            </a:pPr>
+            <a:r>
+              <a:rPr lang="en-US" baseline="0" dirty="0"/>
+              <a:t>The </a:t>
+            </a:r>
+            <a:r>
+              <a:rPr lang="en-US" b="1" baseline="0" dirty="0"/>
+              <a:t>script</a:t>
+            </a:r>
+            <a:r>
+              <a:rPr lang="en-US" b="0" baseline="0" dirty="0"/>
+              <a:t> tag has the proper </a:t>
+            </a:r>
+            <a:r>
+              <a:rPr lang="en-US" b="1" baseline="0" dirty="0" err="1"/>
+              <a:t>src</a:t>
+            </a:r>
+            <a:r>
+              <a:rPr lang="en-US" b="0" baseline="0" dirty="0"/>
+              <a:t> attribute pointing to </a:t>
+            </a:r>
+            <a:r>
+              <a:rPr lang="en-US" b="1" baseline="0" dirty="0"/>
+              <a:t>script.js</a:t>
+            </a:r>
+            <a:endParaRPr lang="en-US" b="0" baseline="0" dirty="0"/>
+          </a:p>
+          <a:p>
+            <a:pPr marL="171450" indent="-171450">
+              <a:buFontTx/>
+              <a:buChar char="-"/>
+            </a:pPr>
+            <a:r>
+              <a:rPr lang="en-US" b="0" baseline="0" dirty="0"/>
+              <a:t>The </a:t>
+            </a:r>
+            <a:r>
+              <a:rPr lang="en-US" b="1" baseline="0" dirty="0"/>
+              <a:t>button</a:t>
+            </a:r>
+            <a:r>
+              <a:rPr lang="en-US" b="0" baseline="0" dirty="0"/>
+              <a:t> tag has text of “Greet”</a:t>
+            </a:r>
+          </a:p>
+          <a:p>
+            <a:pPr marL="171450" indent="-171450">
+              <a:buFontTx/>
+              <a:buChar char="-"/>
+            </a:pPr>
+            <a:r>
+              <a:rPr lang="en-US" b="0" baseline="0" dirty="0"/>
+              <a:t>The </a:t>
+            </a:r>
+            <a:r>
+              <a:rPr lang="en-US" b="1" baseline="0" dirty="0"/>
+              <a:t>button</a:t>
+            </a:r>
+            <a:r>
+              <a:rPr lang="en-US" b="0" baseline="0" dirty="0"/>
+              <a:t> tag has the proper </a:t>
+            </a:r>
+            <a:r>
+              <a:rPr lang="en-US" b="1" baseline="0" dirty="0" err="1"/>
+              <a:t>onclick</a:t>
+            </a:r>
+            <a:r>
+              <a:rPr lang="en-US" b="0" baseline="0" dirty="0"/>
+              <a:t> attribute calling the </a:t>
+            </a:r>
+            <a:r>
+              <a:rPr lang="en-US" b="1" baseline="0" dirty="0" err="1"/>
+              <a:t>sayHello</a:t>
+            </a:r>
+            <a:r>
+              <a:rPr lang="en-US" b="0" baseline="0" dirty="0"/>
+              <a:t> function</a:t>
+            </a:r>
+          </a:p>
+          <a:p>
+            <a:pPr marL="171450" indent="-171450">
+              <a:buFontTx/>
+              <a:buChar char="-"/>
+            </a:pPr>
+            <a:endParaRPr lang="en-US" b="0" baseline="0" dirty="0"/>
+          </a:p>
+          <a:p>
+            <a:pPr marL="0" indent="0">
+              <a:buFontTx/>
+              <a:buNone/>
+            </a:pPr>
+            <a:r>
+              <a:rPr lang="en-US" b="0" baseline="0" dirty="0"/>
+              <a:t>Furthermore, note the following in the </a:t>
+            </a:r>
+            <a:r>
+              <a:rPr lang="en-US" b="1" baseline="0" dirty="0"/>
+              <a:t>script.js</a:t>
+            </a:r>
+            <a:r>
+              <a:rPr lang="en-US" b="0" baseline="0" dirty="0"/>
+              <a:t> file:</a:t>
+            </a:r>
+          </a:p>
+          <a:p>
+            <a:pPr marL="171450" indent="-171450">
+              <a:buFontTx/>
+              <a:buChar char="-"/>
+            </a:pPr>
+            <a:r>
+              <a:rPr lang="en-US" b="0" baseline="0" dirty="0"/>
+              <a:t>The function name is </a:t>
+            </a:r>
+            <a:r>
+              <a:rPr lang="en-US" b="1" baseline="0" dirty="0" err="1"/>
+              <a:t>sayHello</a:t>
+            </a:r>
+            <a:endParaRPr lang="en-US" b="0" baseline="0" dirty="0"/>
+          </a:p>
+          <a:p>
+            <a:pPr marL="171450" indent="-171450">
+              <a:buFontTx/>
+              <a:buChar char="-"/>
+            </a:pPr>
+            <a:r>
+              <a:rPr lang="en-US" b="0" baseline="0" dirty="0"/>
+              <a:t>There are two</a:t>
+            </a:r>
+            <a:r>
+              <a:rPr lang="en-US" b="1" baseline="0" dirty="0"/>
+              <a:t> alert</a:t>
+            </a:r>
+            <a:r>
+              <a:rPr lang="en-US" b="0" baseline="0" dirty="0"/>
+              <a:t> statements in the body of the function</a:t>
+            </a:r>
+          </a:p>
+          <a:p>
+            <a:pPr marL="0" indent="0">
+              <a:buFontTx/>
+              <a:buNone/>
+            </a:pPr>
+            <a:endParaRPr lang="en-US" b="0" baseline="0" dirty="0"/>
+          </a:p>
+          <a:p>
+            <a:pPr marL="0" indent="0">
+              <a:buFontTx/>
+              <a:buNone/>
+            </a:pPr>
+            <a:r>
+              <a:rPr lang="en-US" b="0" baseline="0" dirty="0"/>
+              <a:t>Throughout, note the syntax of each piece of the code.</a:t>
+            </a:r>
+          </a:p>
+          <a:p>
+            <a:pPr marL="171450" indent="-171450">
+              <a:buFontTx/>
+              <a:buChar char="-"/>
+            </a:pPr>
+            <a:endParaRPr lang="en-US" baseline="0" dirty="0"/>
           </a:p>
         </p:txBody>
       </p:sp>
@@ -653,283 +824,6 @@
             <a:fld id="{DEC8F7F9-57EC-49CF-9FCD-2B781E4B449F}" type="slidenum">
               <a:rPr lang="en-US" smtClean="0"/>
               <a:t>10</a:t>
-            </a:fld>
-            <a:endParaRPr lang="en-US"/>
-          </a:p>
-        </p:txBody>
-      </p:sp>
-    </p:spTree>
-    <p:extLst>
-      <p:ext uri="{BB962C8B-B14F-4D97-AF65-F5344CB8AC3E}">
-        <p14:creationId xmlns:p14="http://schemas.microsoft.com/office/powerpoint/2010/main" val="2236715725"/>
-      </p:ext>
-    </p:extLst>
-  </p:cSld>
-  <p:clrMapOvr>
-    <a:masterClrMapping/>
-  </p:clrMapOvr>
-</p:notes>
-</file>
-
-<file path=ppt/notesSlides/notesSlide11.xml><?xml version="1.0" encoding="utf-8"?>
-<p:notes xmlns:a="http://schemas.openxmlformats.org/drawingml/2006/main" xmlns:r="http://schemas.openxmlformats.org/officeDocument/2006/relationships" xmlns:p="http://schemas.openxmlformats.org/presentationml/2006/main">
-  <p:cSld>
-    <p:spTree>
-      <p:nvGrpSpPr>
-        <p:cNvPr id="1" name=""/>
-        <p:cNvGrpSpPr/>
-        <p:nvPr/>
-      </p:nvGrpSpPr>
-      <p:grpSpPr>
-        <a:xfrm>
-          <a:off x="0" y="0"/>
-          <a:ext cx="0" cy="0"/>
-          <a:chOff x="0" y="0"/>
-          <a:chExt cx="0" cy="0"/>
-        </a:xfrm>
-      </p:grpSpPr>
-      <p:sp>
-        <p:nvSpPr>
-          <p:cNvPr id="2" name="Slide Image Placeholder 1"/>
-          <p:cNvSpPr>
-            <a:spLocks noGrp="1" noRot="1" noChangeAspect="1"/>
-          </p:cNvSpPr>
-          <p:nvPr>
-            <p:ph type="sldImg"/>
-          </p:nvPr>
-        </p:nvSpPr>
-        <p:spPr/>
-      </p:sp>
-      <p:sp>
-        <p:nvSpPr>
-          <p:cNvPr id="3" name="Notes Placeholder 2"/>
-          <p:cNvSpPr>
-            <a:spLocks noGrp="1"/>
-          </p:cNvSpPr>
-          <p:nvPr>
-            <p:ph type="body" idx="1"/>
-          </p:nvPr>
-        </p:nvSpPr>
-        <p:spPr/>
-        <p:txBody>
-          <a:bodyPr/>
-          <a:lstStyle/>
-          <a:p>
-            <a:r>
-              <a:rPr lang="en-US" dirty="0" smtClean="0"/>
-              <a:t>For the </a:t>
-            </a:r>
-            <a:r>
-              <a:rPr lang="en-US" dirty="0" err="1" smtClean="0"/>
-              <a:t>Repl</a:t>
-            </a:r>
-            <a:r>
-              <a:rPr lang="en-US" dirty="0" smtClean="0"/>
-              <a:t>,</a:t>
-            </a:r>
-            <a:r>
-              <a:rPr lang="en-US" baseline="0" dirty="0" smtClean="0"/>
-              <a:t> </a:t>
-            </a:r>
-            <a:r>
-              <a:rPr lang="en-US" baseline="0" dirty="0" smtClean="0"/>
-              <a:t>note the following in the </a:t>
-            </a:r>
-            <a:r>
-              <a:rPr lang="en-US" b="1" baseline="0" dirty="0" smtClean="0"/>
-              <a:t>index.html</a:t>
-            </a:r>
-            <a:r>
-              <a:rPr lang="en-US" b="0" baseline="0" dirty="0" smtClean="0"/>
-              <a:t> file:</a:t>
-            </a:r>
-            <a:endParaRPr lang="en-US" baseline="0" dirty="0" smtClean="0"/>
-          </a:p>
-          <a:p>
-            <a:pPr marL="171450" indent="-171450">
-              <a:buFontTx/>
-              <a:buChar char="-"/>
-            </a:pPr>
-            <a:r>
-              <a:rPr lang="en-US" baseline="0" dirty="0" smtClean="0"/>
-              <a:t>The </a:t>
-            </a:r>
-            <a:r>
-              <a:rPr lang="en-US" b="1" baseline="0" dirty="0" smtClean="0"/>
-              <a:t>script</a:t>
-            </a:r>
-            <a:r>
-              <a:rPr lang="en-US" b="0" baseline="0" dirty="0" smtClean="0"/>
-              <a:t> tag has the proper </a:t>
-            </a:r>
-            <a:r>
-              <a:rPr lang="en-US" b="1" baseline="0" dirty="0" err="1" smtClean="0"/>
-              <a:t>src</a:t>
-            </a:r>
-            <a:r>
-              <a:rPr lang="en-US" b="0" baseline="0" dirty="0" smtClean="0"/>
-              <a:t> attribute pointing to </a:t>
-            </a:r>
-            <a:r>
-              <a:rPr lang="en-US" b="1" baseline="0" dirty="0" smtClean="0"/>
-              <a:t>script.js</a:t>
-            </a:r>
-            <a:endParaRPr lang="en-US" b="0" baseline="0" dirty="0" smtClean="0"/>
-          </a:p>
-          <a:p>
-            <a:pPr marL="171450" indent="-171450">
-              <a:buFontTx/>
-              <a:buChar char="-"/>
-            </a:pPr>
-            <a:r>
-              <a:rPr lang="en-US" b="0" baseline="0" dirty="0" smtClean="0"/>
-              <a:t>The </a:t>
-            </a:r>
-            <a:r>
-              <a:rPr lang="en-US" b="1" baseline="0" dirty="0" smtClean="0"/>
-              <a:t>button</a:t>
-            </a:r>
-            <a:r>
-              <a:rPr lang="en-US" b="0" baseline="0" dirty="0" smtClean="0"/>
-              <a:t> tag has text of “Greet”</a:t>
-            </a:r>
-          </a:p>
-          <a:p>
-            <a:pPr marL="171450" indent="-171450">
-              <a:buFontTx/>
-              <a:buChar char="-"/>
-            </a:pPr>
-            <a:r>
-              <a:rPr lang="en-US" b="0" baseline="0" dirty="0" smtClean="0"/>
-              <a:t>The </a:t>
-            </a:r>
-            <a:r>
-              <a:rPr lang="en-US" b="1" baseline="0" dirty="0" smtClean="0"/>
-              <a:t>button</a:t>
-            </a:r>
-            <a:r>
-              <a:rPr lang="en-US" b="0" baseline="0" dirty="0" smtClean="0"/>
-              <a:t> tag has the proper </a:t>
-            </a:r>
-            <a:r>
-              <a:rPr lang="en-US" b="1" baseline="0" dirty="0" err="1" smtClean="0"/>
-              <a:t>onclick</a:t>
-            </a:r>
-            <a:r>
-              <a:rPr lang="en-US" b="0" baseline="0" dirty="0" smtClean="0"/>
-              <a:t> attribute calling the </a:t>
-            </a:r>
-            <a:r>
-              <a:rPr lang="en-US" b="1" baseline="0" dirty="0" err="1" smtClean="0"/>
-              <a:t>sayHello</a:t>
-            </a:r>
-            <a:r>
-              <a:rPr lang="en-US" b="0" baseline="0" dirty="0" smtClean="0"/>
-              <a:t> function</a:t>
-            </a:r>
-          </a:p>
-          <a:p>
-            <a:pPr marL="171450" indent="-171450">
-              <a:buFontTx/>
-              <a:buChar char="-"/>
-            </a:pPr>
-            <a:endParaRPr lang="en-US" b="0" baseline="0" dirty="0" smtClean="0"/>
-          </a:p>
-          <a:p>
-            <a:pPr marL="0" indent="0">
-              <a:buFontTx/>
-              <a:buNone/>
-            </a:pPr>
-            <a:r>
-              <a:rPr lang="en-US" b="0" baseline="0" dirty="0" smtClean="0"/>
-              <a:t>Furthermore, note the following in the </a:t>
-            </a:r>
-            <a:r>
-              <a:rPr lang="en-US" b="1" baseline="0" dirty="0" smtClean="0"/>
-              <a:t>script.js</a:t>
-            </a:r>
-            <a:r>
-              <a:rPr lang="en-US" b="0" baseline="0" dirty="0" smtClean="0"/>
-              <a:t> file:</a:t>
-            </a:r>
-          </a:p>
-          <a:p>
-            <a:pPr marL="171450" indent="-171450">
-              <a:buFontTx/>
-              <a:buChar char="-"/>
-            </a:pPr>
-            <a:r>
-              <a:rPr lang="en-US" b="0" baseline="0" dirty="0" smtClean="0"/>
-              <a:t>The function name is </a:t>
-            </a:r>
-            <a:r>
-              <a:rPr lang="en-US" b="1" baseline="0" dirty="0" err="1" smtClean="0"/>
-              <a:t>sayHello</a:t>
-            </a:r>
-            <a:endParaRPr lang="en-US" b="0" baseline="0" dirty="0" smtClean="0"/>
-          </a:p>
-          <a:p>
-            <a:pPr marL="171450" indent="-171450">
-              <a:buFontTx/>
-              <a:buChar char="-"/>
-            </a:pPr>
-            <a:r>
-              <a:rPr lang="en-US" b="0" baseline="0" dirty="0" smtClean="0"/>
-              <a:t>There are two</a:t>
-            </a:r>
-            <a:r>
-              <a:rPr lang="en-US" b="1" baseline="0" dirty="0" smtClean="0"/>
-              <a:t> alert</a:t>
-            </a:r>
-            <a:r>
-              <a:rPr lang="en-US" b="0" baseline="0" dirty="0" smtClean="0"/>
-              <a:t> statements in the body of the function</a:t>
-            </a:r>
-          </a:p>
-          <a:p>
-            <a:pPr marL="0" indent="0">
-              <a:buFontTx/>
-              <a:buNone/>
-            </a:pPr>
-            <a:endParaRPr lang="en-US" b="0" baseline="0" dirty="0" smtClean="0"/>
-          </a:p>
-          <a:p>
-            <a:pPr marL="0" indent="0">
-              <a:buFontTx/>
-              <a:buNone/>
-            </a:pPr>
-            <a:r>
-              <a:rPr lang="en-US" b="0" baseline="0" dirty="0" smtClean="0"/>
-              <a:t>Throughout, note the syntax of each piece of the code.</a:t>
-            </a:r>
-          </a:p>
-          <a:p>
-            <a:pPr marL="171450" indent="-171450">
-              <a:buFontTx/>
-              <a:buChar char="-"/>
-            </a:pPr>
-            <a:endParaRPr lang="en-US" baseline="0" dirty="0" smtClean="0"/>
-          </a:p>
-        </p:txBody>
-      </p:sp>
-      <p:sp>
-        <p:nvSpPr>
-          <p:cNvPr id="4" name="Slide Number Placeholder 3"/>
-          <p:cNvSpPr>
-            <a:spLocks noGrp="1"/>
-          </p:cNvSpPr>
-          <p:nvPr>
-            <p:ph type="sldNum" sz="quarter" idx="10"/>
-          </p:nvPr>
-        </p:nvSpPr>
-        <p:spPr/>
-        <p:txBody>
-          <a:bodyPr/>
-          <a:lstStyle/>
-          <a:p>
-            <a:fld id="{DEC8F7F9-57EC-49CF-9FCD-2B781E4B449F}" type="slidenum">
-              <a:rPr lang="en-US" smtClean="0"/>
-              <a:t>11</a:t>
             </a:fld>
             <a:endParaRPr lang="en-US"/>
           </a:p>
@@ -993,22 +887,14 @@
           <a:lstStyle/>
           <a:p>
             <a:r>
-              <a:rPr lang="en-US" dirty="0" smtClean="0"/>
-              <a:t>Ask the</a:t>
+              <a:rPr lang="en-US" dirty="0"/>
+              <a:t>Now we are going to talk about buttons on</a:t>
             </a:r>
             <a:r>
-              <a:rPr lang="en-US" baseline="0" dirty="0" smtClean="0"/>
-              <a:t> students why it might make sense to keep JavaScript separate from HTML.</a:t>
+              <a:rPr lang="en-US" baseline="0" dirty="0"/>
+              <a:t> webpages.</a:t>
             </a:r>
-          </a:p>
-          <a:p>
-            <a:endParaRPr lang="en-US" baseline="0" dirty="0" smtClean="0"/>
-          </a:p>
-          <a:p>
-            <a:r>
-              <a:rPr lang="en-US" baseline="0" dirty="0" smtClean="0"/>
-              <a:t>Ask for other types of files separate from HTML (like CSS, images)</a:t>
-            </a:r>
+            <a:endParaRPr lang="en-US" dirty="0"/>
           </a:p>
         </p:txBody>
       </p:sp>
@@ -1038,7 +924,7 @@
     </p:spTree>
     <p:extLst>
       <p:ext uri="{BB962C8B-B14F-4D97-AF65-F5344CB8AC3E}">
-        <p14:creationId xmlns:p14="http://schemas.microsoft.com/office/powerpoint/2010/main" val="1342542637"/>
+        <p14:creationId xmlns:p14="http://schemas.microsoft.com/office/powerpoint/2010/main" val="1313367541"/>
       </p:ext>
     </p:extLst>
   </p:cSld>
@@ -1093,37 +979,12 @@
           <a:lstStyle/>
           <a:p>
             <a:r>
-              <a:rPr lang="en-US" dirty="0" smtClean="0"/>
-              <a:t>The </a:t>
+              <a:rPr lang="en-US" dirty="0"/>
+              <a:t>Ask the students to think about</a:t>
             </a:r>
             <a:r>
-              <a:rPr lang="en-US" b="1" dirty="0" smtClean="0"/>
-              <a:t>script</a:t>
-            </a:r>
-            <a:r>
-              <a:rPr lang="en-US" dirty="0" smtClean="0"/>
-              <a:t> tag is still used, but instead of putting JavaScript code </a:t>
-            </a:r>
-            <a:r>
-              <a:rPr lang="en-US" i="1" dirty="0" smtClean="0"/>
-              <a:t>within</a:t>
-            </a:r>
-            <a:r>
-              <a:rPr lang="en-US" i="0" dirty="0" smtClean="0"/>
-              <a:t> the tag, it is referenced via another file.</a:t>
-            </a:r>
-          </a:p>
-          <a:p>
-            <a:endParaRPr lang="en-US" i="0" dirty="0" smtClean="0"/>
-          </a:p>
-          <a:p>
-            <a:r>
-              <a:rPr lang="en-US" i="0" dirty="0" smtClean="0"/>
-              <a:t>Go</a:t>
-            </a:r>
-            <a:r>
-              <a:rPr lang="en-US" i="0" baseline="0" dirty="0" smtClean="0"/>
-              <a:t> over the important parts of this code:</a:t>
+              <a:rPr lang="en-US" baseline="0" dirty="0"/>
+              <a:t> what buttons they have seen on webpages.</a:t>
             </a:r>
           </a:p>
           <a:p>
@@ -1132,16 +993,8 @@
               <a:buChar char="-"/>
             </a:pPr>
             <a:r>
-              <a:rPr lang="en-US" i="0" baseline="0" dirty="0" smtClean="0"/>
-              <a:t>The </a:t>
-            </a:r>
-            <a:r>
-              <a:rPr lang="en-US" b="1" i="0" baseline="0" dirty="0" smtClean="0"/>
-              <a:t>script</a:t>
-            </a:r>
-            <a:r>
-              <a:rPr lang="en-US" i="0" baseline="0" dirty="0" smtClean="0"/>
-              <a:t> tag</a:t>
+              <a:rPr lang="en-US" baseline="0" dirty="0"/>
+              <a:t>Subscribe button</a:t>
             </a:r>
           </a:p>
           <a:p>
@@ -1150,16 +1003,8 @@
               <a:buChar char="-"/>
             </a:pPr>
             <a:r>
-              <a:rPr lang="en-US" i="0" baseline="0" dirty="0" smtClean="0"/>
-              <a:t>The </a:t>
-            </a:r>
-            <a:r>
-              <a:rPr lang="en-US" b="1" i="0" baseline="0" dirty="0" err="1" smtClean="0"/>
-              <a:t>src</a:t>
-            </a:r>
-            <a:r>
-              <a:rPr lang="en-US" b="0" i="0" baseline="0" dirty="0" smtClean="0"/>
-              <a:t> attribute, pointing to…</a:t>
+              <a:rPr lang="en-US" baseline="0" dirty="0"/>
+              <a:t>Like button</a:t>
             </a:r>
           </a:p>
           <a:p>
@@ -1168,35 +1013,22 @@
               <a:buChar char="-"/>
             </a:pPr>
             <a:r>
-              <a:rPr lang="en-US" b="0" i="0" baseline="0" dirty="0" smtClean="0"/>
-              <a:t>The filename (</a:t>
+              <a:rPr lang="en-US" baseline="0" dirty="0"/>
+              <a:t>Others?</a:t>
             </a:r>
-            <a:r>
-              <a:rPr lang="en-US" b="1" i="0" baseline="0" dirty="0" smtClean="0"/>
-              <a:t>Code.js</a:t>
-            </a:r>
-            <a:r>
-              <a:rPr lang="en-US" b="0" i="0" baseline="0" dirty="0" smtClean="0"/>
-              <a:t> in this example)</a:t>
-            </a:r>
-          </a:p>
-          <a:p>
-            <a:pPr marL="628650" lvl="1" indent="-171450">
+          </a:p>
+          <a:p>
+            <a:pPr marL="171450" indent="-171450">
               <a:buFontTx/>
               <a:buChar char="-"/>
             </a:pPr>
-            <a:r>
-              <a:rPr lang="en-US" b="0" i="0" baseline="0" dirty="0" smtClean="0"/>
-              <a:t>Assume </a:t>
-            </a:r>
-            <a:r>
-              <a:rPr lang="en-US" b="1" i="0" baseline="0" dirty="0" smtClean="0"/>
-              <a:t>Code.js</a:t>
-            </a:r>
-            <a:r>
-              <a:rPr lang="en-US" b="0" i="0" baseline="0" dirty="0" smtClean="0"/>
-              <a:t> is a file containing some JavaScript code</a:t>
-            </a:r>
+            <a:endParaRPr lang="en-US" baseline="0" dirty="0"/>
+          </a:p>
+          <a:p>
+            <a:pPr marL="0" indent="0">
+              <a:buFontTx/>
+              <a:buNone/>
+            </a:pPr>
             <a:endParaRPr lang="en-US" dirty="0"/>
           </a:p>
         </p:txBody>
@@ -1227,7 +1059,7 @@
     </p:spTree>
     <p:extLst>
       <p:ext uri="{BB962C8B-B14F-4D97-AF65-F5344CB8AC3E}">
-        <p14:creationId xmlns:p14="http://schemas.microsoft.com/office/powerpoint/2010/main" val="4118824269"/>
+        <p14:creationId xmlns:p14="http://schemas.microsoft.com/office/powerpoint/2010/main" val="4084477265"/>
       </p:ext>
     </p:extLst>
   </p:cSld>
@@ -1282,50 +1114,113 @@
           <a:lstStyle/>
           <a:p>
             <a:r>
-              <a:rPr lang="en-US" dirty="0" smtClean="0"/>
-              <a:t>For the </a:t>
+              <a:rPr lang="en-US" dirty="0"/>
+              <a:t>Show the syntax for creating a button in the HTML. Note each part of the syntax:</a:t>
+            </a:r>
+          </a:p>
+          <a:p>
+            <a:pPr marL="171450" indent="-171450">
+              <a:buFontTx/>
+              <a:buChar char="-"/>
+            </a:pPr>
+            <a:r>
+              <a:rPr lang="en-US" b="1" dirty="0"/>
+              <a:t>button</a:t>
             </a:r>
             <a:r>
-              <a:rPr lang="en-US" dirty="0" err="1" smtClean="0"/>
-              <a:t>Repl</a:t>
+              <a:rPr lang="en-US" b="0" dirty="0"/>
+              <a:t> tag (open/close)</a:t>
+            </a:r>
+          </a:p>
+          <a:p>
+            <a:pPr marL="171450" indent="-171450">
+              <a:buFontTx/>
+              <a:buChar char="-"/>
+            </a:pPr>
+            <a:r>
+              <a:rPr lang="en-US" b="1" dirty="0" err="1"/>
+              <a:t>onclick</a:t>
             </a:r>
             <a:r>
-              <a:rPr lang="en-US" dirty="0" smtClean="0"/>
-              <a:t>,</a:t>
+              <a:rPr lang="en-US" b="0" baseline="0" dirty="0"/>
+              <a:t> attribute</a:t>
+            </a:r>
+          </a:p>
+          <a:p>
+            <a:pPr marL="171450" indent="-171450">
+              <a:buFontTx/>
+              <a:buChar char="-"/>
+            </a:pPr>
+            <a:r>
+              <a:rPr lang="en-US" b="1" baseline="0" dirty="0" err="1"/>
+              <a:t>buttonClick</a:t>
             </a:r>
             <a:r>
-              <a:rPr lang="en-US" baseline="0" dirty="0" smtClean="0"/>
-              <a:t> </a:t>
+              <a:rPr lang="en-US" b="1" baseline="0" dirty="0"/>
+              <a:t>()</a:t>
             </a:r>
             <a:r>
-              <a:rPr lang="en-US" baseline="0" dirty="0" smtClean="0"/>
-              <a:t>add the </a:t>
+              <a:rPr lang="en-US" b="0" baseline="0" dirty="0"/>
+              <a:t> function call (we will explain this more later)</a:t>
             </a:r>
+          </a:p>
+          <a:p>
+            <a:pPr marL="171450" indent="-171450">
+              <a:buFontTx/>
+              <a:buChar char="-"/>
+            </a:pPr>
             <a:r>
-              <a:rPr lang="en-US" b="1" baseline="0" dirty="0" err="1" smtClean="0"/>
-              <a:t>src</a:t>
+              <a:rPr lang="en-US" b="0" baseline="0" dirty="0"/>
+              <a:t>Actual text inside the button</a:t>
             </a:r>
+          </a:p>
+          <a:p>
+            <a:pPr marL="171450" indent="-171450">
+              <a:buFontTx/>
+              <a:buChar char="-"/>
+            </a:pPr>
+            <a:endParaRPr lang="en-US" b="0" baseline="0" dirty="0"/>
+          </a:p>
+          <a:p>
+            <a:pPr marL="0" indent="0">
+              <a:buFontTx/>
+              <a:buNone/>
+            </a:pPr>
             <a:r>
-              <a:rPr lang="en-US" b="0" baseline="0" dirty="0" smtClean="0"/>
-              <a:t> attribute to the </a:t>
+              <a:rPr lang="en-US" b="0" baseline="0" dirty="0"/>
+              <a:t>All of this code will create a simple HTML button that says “Send”</a:t>
             </a:r>
+          </a:p>
+          <a:p>
+            <a:pPr marL="0" indent="0">
+              <a:buFontTx/>
+              <a:buNone/>
+            </a:pPr>
+            <a:endParaRPr lang="en-US" b="0" baseline="0" dirty="0"/>
+          </a:p>
+          <a:p>
+            <a:pPr marL="0" indent="0">
+              <a:buFontTx/>
+              <a:buNone/>
+            </a:pPr>
             <a:r>
-              <a:rPr lang="en-US" b="1" baseline="0" dirty="0" smtClean="0"/>
-              <a:t>script</a:t>
+              <a:rPr lang="en-US" b="1" i="1" baseline="0" dirty="0"/>
+              <a:t>But how does the button know what to do when it is clicked?</a:t>
             </a:r>
-            <a:r>
-              <a:rPr lang="en-US" b="0" baseline="0" dirty="0" smtClean="0"/>
-              <a:t> tag with a value of </a:t>
-            </a:r>
-            <a:r>
-              <a:rPr lang="en-US" b="1" baseline="0" dirty="0" smtClean="0"/>
-              <a:t>Code.js</a:t>
-            </a:r>
-            <a:r>
-              <a:rPr lang="en-US" b="0" baseline="0" dirty="0" smtClean="0"/>
-              <a:t>. This will show how separate JS files work.</a:t>
-            </a:r>
-            <a:endParaRPr lang="en-US" baseline="0" dirty="0" smtClean="0"/>
+            <a:endParaRPr lang="en-US" b="0" i="1" baseline="0" dirty="0"/>
+          </a:p>
+          <a:p>
+            <a:pPr marL="0" indent="0">
+              <a:buFontTx/>
+              <a:buNone/>
+            </a:pPr>
+            <a:endParaRPr lang="en-US" b="1" i="1" dirty="0"/>
+          </a:p>
+          <a:p>
+            <a:endParaRPr lang="en-US" dirty="0"/>
+          </a:p>
+          <a:p>
+            <a:endParaRPr lang="en-US" dirty="0"/>
           </a:p>
         </p:txBody>
       </p:sp>
@@ -1355,7 +1250,7 @@
     </p:spTree>
     <p:extLst>
       <p:ext uri="{BB962C8B-B14F-4D97-AF65-F5344CB8AC3E}">
-        <p14:creationId xmlns:p14="http://schemas.microsoft.com/office/powerpoint/2010/main" val="4123238520"/>
+        <p14:creationId xmlns:p14="http://schemas.microsoft.com/office/powerpoint/2010/main" val="864833397"/>
       </p:ext>
     </p:extLst>
   </p:cSld>
@@ -1410,14 +1305,9 @@
           <a:lstStyle/>
           <a:p>
             <a:r>
-              <a:rPr lang="en-US" dirty="0" smtClean="0"/>
-              <a:t>Now we are going to talk about buttons on</a:t>
+              <a:rPr lang="en-US" dirty="0"/>
+              <a:t>Now we are going to talk about how functions enable buttons to run (execute) JavaScript code</a:t>
             </a:r>
-            <a:r>
-              <a:rPr lang="en-US" baseline="0" dirty="0" smtClean="0"/>
-              <a:t> webpages.</a:t>
-            </a:r>
-            <a:endParaRPr lang="en-US" dirty="0"/>
           </a:p>
         </p:txBody>
       </p:sp>
@@ -1447,7 +1337,7 @@
     </p:spTree>
     <p:extLst>
       <p:ext uri="{BB962C8B-B14F-4D97-AF65-F5344CB8AC3E}">
-        <p14:creationId xmlns:p14="http://schemas.microsoft.com/office/powerpoint/2010/main" val="1313367541"/>
+        <p14:creationId xmlns:p14="http://schemas.microsoft.com/office/powerpoint/2010/main" val="1049990577"/>
       </p:ext>
     </p:extLst>
   </p:cSld>
@@ -1502,56 +1392,47 @@
           <a:lstStyle/>
           <a:p>
             <a:r>
-              <a:rPr lang="en-US" dirty="0" smtClean="0"/>
-              <a:t>Ask the students to think about</a:t>
+              <a:rPr lang="en-US" dirty="0"/>
+              <a:t>So we have a button in HTML, but how do we make it actually do something?</a:t>
+            </a:r>
+          </a:p>
+          <a:p>
+            <a:endParaRPr lang="en-US" dirty="0"/>
+          </a:p>
+          <a:p>
+            <a:r>
+              <a:rPr lang="en-US" dirty="0"/>
+              <a:t>Add the code in the </a:t>
             </a:r>
             <a:r>
-              <a:rPr lang="en-US" baseline="0" dirty="0" smtClean="0"/>
-              <a:t> what buttons they have seen on webpages.</a:t>
+              <a:rPr lang="en-US" b="1" dirty="0"/>
+              <a:t>.</a:t>
             </a:r>
-          </a:p>
-          <a:p>
-            <a:pPr marL="171450" indent="-171450">
-              <a:buFontTx/>
-              <a:buChar char="-"/>
-            </a:pPr>
             <a:r>
-              <a:rPr lang="en-US" baseline="0" dirty="0" smtClean="0"/>
-              <a:t>Subscribe button</a:t>
+              <a:rPr lang="en-US" b="1" dirty="0" err="1"/>
+              <a:t>js</a:t>
             </a:r>
-          </a:p>
-          <a:p>
-            <a:pPr marL="171450" indent="-171450">
-              <a:buFontTx/>
-              <a:buChar char="-"/>
-            </a:pPr>
             <a:r>
-              <a:rPr lang="en-US" baseline="0" dirty="0" smtClean="0"/>
-              <a:t>Like button</a:t>
+              <a:rPr lang="en-US" b="0" baseline="0" dirty="0"/>
+              <a:t> to make the button do something when clicked. All of the code within the square brackets will run whenever the user clicks the button. The “Send” button will display a message of “You clicked!” when clicked.</a:t>
             </a:r>
           </a:p>
           <a:p>
-            <a:pPr marL="171450" indent="-171450">
-              <a:buFontTx/>
-              <a:buChar char="-"/>
-            </a:pPr>
+            <a:endParaRPr lang="en-US" b="0" baseline="0" dirty="0"/>
+          </a:p>
+          <a:p>
             <a:r>
-              <a:rPr lang="en-US" baseline="0" dirty="0" smtClean="0"/>
-              <a:t>Others?</a:t>
+              <a:rPr lang="en-US" b="0" baseline="0" dirty="0"/>
+              <a:t>Note that the function name has to match the function call in the </a:t>
             </a:r>
-          </a:p>
-          <a:p>
-            <a:pPr marL="171450" indent="-171450">
-              <a:buFontTx/>
-              <a:buChar char="-"/>
-            </a:pPr>
-            <a:endParaRPr lang="en-US" baseline="0" dirty="0" smtClean="0"/>
-          </a:p>
-          <a:p>
-            <a:pPr marL="0" indent="0">
-              <a:buFontTx/>
-              <a:buNone/>
-            </a:pPr>
+            <a:r>
+              <a:rPr lang="en-US" b="0" baseline="0" dirty="0" err="1"/>
+              <a:t>onclick</a:t>
+            </a:r>
+            <a:r>
+              <a:rPr lang="en-US" b="0" baseline="0" dirty="0"/>
+              <a:t>.</a:t>
+            </a:r>
             <a:endParaRPr lang="en-US" dirty="0"/>
           </a:p>
         </p:txBody>
@@ -1582,7 +1463,7 @@
     </p:spTree>
     <p:extLst>
       <p:ext uri="{BB962C8B-B14F-4D97-AF65-F5344CB8AC3E}">
-        <p14:creationId xmlns:p14="http://schemas.microsoft.com/office/powerpoint/2010/main" val="4084477265"/>
+        <p14:creationId xmlns:p14="http://schemas.microsoft.com/office/powerpoint/2010/main" val="997305451"/>
       </p:ext>
     </p:extLst>
   </p:cSld>
@@ -1637,113 +1518,30 @@
           <a:lstStyle/>
           <a:p>
             <a:r>
-              <a:rPr lang="en-US" dirty="0" smtClean="0"/>
-              <a:t>Show the syntax for creating a button in the HTML. Note each part of the syntax:</a:t>
-            </a:r>
-          </a:p>
-          <a:p>
-            <a:pPr marL="171450" indent="-171450">
-              <a:buFontTx/>
-              <a:buChar char="-"/>
-            </a:pPr>
-            <a:r>
-              <a:rPr lang="en-US" b="1" dirty="0" smtClean="0"/>
-              <a:t>button</a:t>
+              <a:rPr lang="en-US" dirty="0"/>
+              <a:t>Go through all of the syntax needed</a:t>
             </a:r>
             <a:r>
-              <a:rPr lang="en-US" b="0" dirty="0" smtClean="0"/>
-              <a:t> tag (open/close)</a:t>
+              <a:rPr lang="en-US" baseline="0" dirty="0"/>
+              <a:t> to define a function.  Students should remember these five parts of the function definition.</a:t>
             </a:r>
           </a:p>
           <a:p>
-            <a:pPr marL="171450" indent="-171450">
-              <a:buFontTx/>
-              <a:buChar char="-"/>
-            </a:pPr>
+            <a:endParaRPr lang="en-US" baseline="0" dirty="0"/>
+          </a:p>
+          <a:p>
             <a:r>
-              <a:rPr lang="en-US" b="1" dirty="0" err="1" smtClean="0"/>
-              <a:t>onclick</a:t>
+              <a:rPr lang="en-US" baseline="0" dirty="0"/>
+              <a:t>One analogy for </a:t>
             </a:r>
             <a:r>
-              <a:rPr lang="en-US" b="0" baseline="0" dirty="0" smtClean="0"/>
-              <a:t> attribute</a:t>
-            </a:r>
-          </a:p>
-          <a:p>
-            <a:pPr marL="171450" indent="-171450">
-              <a:buFontTx/>
-              <a:buChar char="-"/>
-            </a:pPr>
-            <a:r>
-              <a:rPr lang="en-US" b="1" baseline="0" dirty="0" err="1" smtClean="0"/>
-              <a:t>buttonClick</a:t>
+              <a:rPr lang="en-US" i="1" baseline="0" dirty="0"/>
+              <a:t>defining</a:t>
             </a:r>
             <a:r>
-              <a:rPr lang="en-US" b="1" baseline="0" dirty="0" smtClean="0"/>
-              <a:t>()</a:t>
+              <a:rPr lang="en-US" baseline="0" dirty="0"/>
+              <a:t> a function is that it’s like teaching a dog a trick. You show the dog everything you want them to do when you say “Roll over.”</a:t>
             </a:r>
-            <a:r>
-              <a:rPr lang="en-US" b="0" baseline="0" dirty="0" smtClean="0"/>
-              <a:t> function call (we will explain this more later)</a:t>
-            </a:r>
-          </a:p>
-          <a:p>
-            <a:pPr marL="171450" indent="-171450">
-              <a:buFontTx/>
-              <a:buChar char="-"/>
-            </a:pPr>
-            <a:r>
-              <a:rPr lang="en-US" b="0" baseline="0" dirty="0" smtClean="0"/>
-              <a:t>Actual text inside the button</a:t>
-            </a:r>
-          </a:p>
-          <a:p>
-            <a:pPr marL="171450" indent="-171450">
-              <a:buFontTx/>
-              <a:buChar char="-"/>
-            </a:pPr>
-            <a:endParaRPr lang="en-US" b="0" baseline="0" dirty="0" smtClean="0"/>
-          </a:p>
-          <a:p>
-            <a:pPr marL="0" indent="0">
-              <a:buFontTx/>
-              <a:buNone/>
-            </a:pPr>
-            <a:r>
-              <a:rPr lang="en-US" b="0" baseline="0" dirty="0" smtClean="0"/>
-              <a:t>All of this code will create a simple HTML button that says “Send”</a:t>
-            </a:r>
-          </a:p>
-          <a:p>
-            <a:pPr marL="0" indent="0">
-              <a:buFontTx/>
-              <a:buNone/>
-            </a:pPr>
-            <a:endParaRPr lang="en-US" b="0" baseline="0" dirty="0" smtClean="0"/>
-          </a:p>
-          <a:p>
-            <a:pPr marL="0" indent="0">
-              <a:buFontTx/>
-              <a:buNone/>
-            </a:pPr>
-            <a:r>
-              <a:rPr lang="en-US" b="1" i="1" baseline="0" dirty="0" smtClean="0"/>
-              <a:t>But how does the button know what to do when it is clicked?</a:t>
-            </a:r>
-            <a:endParaRPr lang="en-US" b="0" i="1" baseline="0" dirty="0" smtClean="0"/>
-          </a:p>
-          <a:p>
-            <a:pPr marL="0" indent="0">
-              <a:buFontTx/>
-              <a:buNone/>
-            </a:pPr>
-            <a:endParaRPr lang="en-US" b="1" i="1" dirty="0" smtClean="0"/>
-          </a:p>
-          <a:p>
-            <a:endParaRPr lang="en-US" dirty="0" smtClean="0"/>
-          </a:p>
-          <a:p>
-            <a:endParaRPr lang="en-US" dirty="0"/>
           </a:p>
         </p:txBody>
       </p:sp>
@@ -1773,7 +1571,7 @@
     </p:spTree>
     <p:extLst>
       <p:ext uri="{BB962C8B-B14F-4D97-AF65-F5344CB8AC3E}">
-        <p14:creationId xmlns:p14="http://schemas.microsoft.com/office/powerpoint/2010/main" val="864833397"/>
+        <p14:creationId xmlns:p14="http://schemas.microsoft.com/office/powerpoint/2010/main" val="1756461097"/>
       </p:ext>
     </p:extLst>
   </p:cSld>
@@ -1828,47 +1626,29 @@
           <a:lstStyle/>
           <a:p>
             <a:r>
-              <a:rPr lang="en-US" dirty="0" smtClean="0"/>
-              <a:t>So we have a button in HTML, but how do we make it actually do something?</a:t>
-            </a:r>
-          </a:p>
-          <a:p>
-            <a:endParaRPr lang="en-US" dirty="0" smtClean="0"/>
-          </a:p>
-          <a:p>
-            <a:r>
-              <a:rPr lang="en-US" dirty="0" smtClean="0"/>
-              <a:t>Add the code in the </a:t>
+              <a:rPr lang="en-US" dirty="0"/>
+              <a:t>Now, to call a function, it looks like this: all that’s needed is the function name, and parentheses. </a:t>
             </a:r>
             <a:r>
-              <a:rPr lang="en-US" b="1" dirty="0" smtClean="0"/>
-              <a:t>.</a:t>
+              <a:rPr lang="en-US" i="1" baseline="0" dirty="0"/>
+              <a:t>Calling</a:t>
             </a:r>
             <a:r>
-              <a:rPr lang="en-US" b="1" dirty="0" err="1" smtClean="0"/>
-              <a:t>js</a:t>
+              <a:rPr lang="en-US" i="0" baseline="0" dirty="0"/>
+              <a:t> a function is like commanding the dog to do the trick you taught them!</a:t>
             </a:r>
+          </a:p>
+          <a:p>
+            <a:endParaRPr lang="en-US" i="0" baseline="0" dirty="0"/>
+          </a:p>
+          <a:p>
             <a:r>
-              <a:rPr lang="en-US" b="0" baseline="0" dirty="0" smtClean="0"/>
-              <a:t> to make the button do something when clicked. All of the code within the square brackets will run whenever the user clicks the button. The “Send” button will display a message of “You clicked!” when clicked.</a:t>
+              <a:rPr lang="en-US" i="0" baseline="0" dirty="0"/>
+              <a:t>Note: function arguments are also needed, but they are not covered at this point</a:t>
             </a:r>
-          </a:p>
-          <a:p>
-            <a:endParaRPr lang="en-US" b="0" baseline="0" dirty="0" smtClean="0"/>
-          </a:p>
-          <a:p>
-            <a:r>
-              <a:rPr lang="en-US" b="0" baseline="0" dirty="0" smtClean="0"/>
-              <a:t>Note that the function name has to match the function call in the </a:t>
-            </a:r>
-            <a:r>
-              <a:rPr lang="en-US" b="0" baseline="0" dirty="0" err="1" smtClean="0"/>
-              <a:t>onclick</a:t>
-            </a:r>
-            <a:r>
-              <a:rPr lang="en-US" b="0" baseline="0" dirty="0" smtClean="0"/>
-              <a:t>.</a:t>
-            </a:r>
+            <a:endParaRPr lang="en-US" baseline="0" dirty="0"/>
+          </a:p>
+          <a:p>
             <a:endParaRPr lang="en-US" dirty="0"/>
           </a:p>
         </p:txBody>
@@ -1899,7 +1679,7 @@
     </p:spTree>
     <p:extLst>
       <p:ext uri="{BB962C8B-B14F-4D97-AF65-F5344CB8AC3E}">
-        <p14:creationId xmlns:p14="http://schemas.microsoft.com/office/powerpoint/2010/main" val="997305451"/>
+        <p14:creationId xmlns:p14="http://schemas.microsoft.com/office/powerpoint/2010/main" val="332878096"/>
       </p:ext>
     </p:extLst>
   </p:cSld>
@@ -1954,42 +1734,23 @@
           <a:lstStyle/>
           <a:p>
             <a:r>
-              <a:rPr lang="en-US" dirty="0" smtClean="0"/>
-              <a:t>Go through all of the syntax needed</a:t>
+              <a:rPr lang="en-US" dirty="0"/>
+              <a:t>Explain</a:t>
             </a:r>
             <a:r>
-              <a:rPr lang="en-US" baseline="0" dirty="0" smtClean="0"/>
-              <a:t> to define a function.  Students should remember these five parts of the function definition.</a:t>
+              <a:rPr lang="en-US" baseline="0" dirty="0"/>
+              <a:t> a little bit of background on functions.</a:t>
             </a:r>
           </a:p>
           <a:p>
-            <a:endParaRPr lang="en-US" baseline="0" dirty="0" smtClean="0"/>
+            <a:endParaRPr lang="en-US" baseline="0" dirty="0"/>
           </a:p>
           <a:p>
             <a:r>
-              <a:rPr lang="en-US" baseline="0" dirty="0" smtClean="0"/>
-              <a:t>One analogy for </a:t>
+              <a:rPr lang="en-US" i="1" baseline="0" dirty="0"/>
+              <a:t>Note that the goal here is not to make the students understand functions. They only need to understand enough to use functions for their webpages.</a:t>
             </a:r>
-            <a:r>
-              <a:rPr lang="en-US" i="1" baseline="0" dirty="0" smtClean="0"/>
-              <a:t>defining</a:t>
-            </a:r>
-            <a:r>
-              <a:rPr lang="en-US" baseline="0" dirty="0" smtClean="0"/>
-              <a:t> a function is that it’s like teaching a dog a trick. You show the dog everything you want them to do when you say “Roll over.” </a:t>
-            </a:r>
-            <a:r>
-              <a:rPr lang="en-US" i="1" baseline="0" dirty="0" smtClean="0"/>
-              <a:t>Calling</a:t>
-            </a:r>
-            <a:r>
-              <a:rPr lang="en-US" i="0" baseline="0" dirty="0" smtClean="0"/>
-              <a:t> a function is like commanding the dog to do the trick you taught them!</a:t>
-            </a:r>
-            <a:endParaRPr lang="en-US" baseline="0" dirty="0" smtClean="0"/>
-          </a:p>
-          <a:p>
-            <a:endParaRPr lang="en-US" dirty="0"/>
+            <a:endParaRPr lang="en-US" i="1" dirty="0"/>
           </a:p>
         </p:txBody>
       </p:sp>
@@ -2019,7 +1780,7 @@
     </p:spTree>
     <p:extLst>
       <p:ext uri="{BB962C8B-B14F-4D97-AF65-F5344CB8AC3E}">
-        <p14:creationId xmlns:p14="http://schemas.microsoft.com/office/powerpoint/2010/main" val="1756461097"/>
+        <p14:creationId xmlns:p14="http://schemas.microsoft.com/office/powerpoint/2010/main" val="2236715725"/>
       </p:ext>
     </p:extLst>
   </p:cSld>
@@ -2169,15 +1930,7 @@
           <a:p>
             <a:r>
               <a:rPr lang="en-US" dirty="0"/>
-              <a:t>Click to edit Master </a:t>
-            </a:r>
-            <a:r>
-              <a:rPr lang="en-US" dirty="0" smtClean="0"/>
-              <a:t>subtitle </a:t>
-            </a:r>
-            <a:r>
-              <a:rPr lang="en-US" dirty="0"/>
-              <a:t>style</a:t>
+              <a:t>Click to edit Master subtitle style</a:t>
             </a:r>
           </a:p>
         </p:txBody>
@@ -2219,7 +1972,7 @@
             <a:fld id="{1C2D31DE-C454-491C-B5C3-F097855E3DF7}" type="datetime4">
               <a:rPr lang="en-US" smtClean="0"/>
               <a:pPr/>
-              <a:t>March 25, 2020</a:t>
+              <a:t>September 6, 2022</a:t>
             </a:fld>
             <a:endParaRPr lang="en-US" dirty="0"/>
           </a:p>
@@ -5293,17 +5046,16 @@
           <a:p>
             <a:pPr lvl="0"/>
             <a:r>
-              <a:rPr lang="en-US" dirty="0" smtClean="0"/>
+              <a:rPr lang="en-US" dirty="0"/>
               <a:t>Presenter Name</a:t>
             </a:r>
             <a:br>
-              <a:rPr lang="en-US" dirty="0" smtClean="0"/>
+              <a:rPr lang="en-US" dirty="0"/>
             </a:br>
             <a:r>
-              <a:rPr lang="en-US" dirty="0" smtClean="0"/>
+              <a:rPr lang="en-US" dirty="0"/>
               <a:t>Presenter Title</a:t>
             </a:r>
-            <a:endParaRPr lang="en-US" dirty="0"/>
           </a:p>
         </p:txBody>
       </p:sp>
@@ -5320,13 +5072,6 @@
   <p:transition>
     <p:fade/>
   </p:transition>
-  <p:timing>
-    <p:tnLst>
-      <p:par>
-        <p:cTn id="1" dur="indefinite" restart="never" nodeType="tmRoot"/>
-      </p:par>
-    </p:tnLst>
-  </p:timing>
   <p:hf sldNum="0" hdr="0" ftr="0"/>
 </p:sldLayout>
 </file>
@@ -5619,7 +5364,7 @@
           <a:p>
             <a:fld id="{5958763E-B898-436D-883D-03711491D54A}" type="datetimeFigureOut">
               <a:rPr lang="en-US" smtClean="0"/>
-              <a:t>3/25/2020</a:t>
+              <a:t>9/6/2022</a:t>
             </a:fld>
             <a:endParaRPr lang="en-US"/>
           </a:p>
@@ -5692,13 +5437,6 @@
   <p:transition>
     <p:fade/>
   </p:transition>
-  <p:timing>
-    <p:tnLst>
-      <p:par>
-        <p:cTn id="1" dur="indefinite" restart="never" nodeType="tmRoot"/>
-      </p:par>
-    </p:tnLst>
-  </p:timing>
 </p:sldLayout>
 </file>
 
@@ -5747,10 +5485,9 @@
           </a:lstStyle>
           <a:p>
             <a:r>
-              <a:rPr lang="en-US" dirty="0" smtClean="0"/>
+              <a:rPr lang="en-US" dirty="0"/>
               <a:t>Click icon to add picture</a:t>
             </a:r>
-            <a:endParaRPr lang="en-US" dirty="0"/>
           </a:p>
         </p:txBody>
       </p:sp>
@@ -5820,7 +5557,7 @@
           <a:p>
             <a:fld id="{5958763E-B898-436D-883D-03711491D54A}" type="datetimeFigureOut">
               <a:rPr lang="en-US" smtClean="0"/>
-              <a:t>3/25/2020</a:t>
+              <a:t>9/6/2022</a:t>
             </a:fld>
             <a:endParaRPr lang="en-US"/>
           </a:p>
@@ -5893,13 +5630,6 @@
   <p:transition>
     <p:fade/>
   </p:transition>
-  <p:timing>
-    <p:tnLst>
-      <p:par>
-        <p:cTn id="1" dur="indefinite" restart="never" nodeType="tmRoot"/>
-      </p:par>
-    </p:tnLst>
-  </p:timing>
 </p:sldLayout>
 </file>
 
@@ -6077,7 +5807,7 @@
           <a:p>
             <a:fld id="{5958763E-B898-436D-883D-03711491D54A}" type="datetimeFigureOut">
               <a:rPr lang="en-US" smtClean="0"/>
-              <a:t>3/25/2020</a:t>
+              <a:t>9/6/2022</a:t>
             </a:fld>
             <a:endParaRPr lang="en-US"/>
           </a:p>
@@ -6150,13 +5880,6 @@
   <p:transition>
     <p:fade/>
   </p:transition>
-  <p:timing>
-    <p:tnLst>
-      <p:par>
-        <p:cTn id="1" dur="indefinite" restart="never" nodeType="tmRoot"/>
-      </p:par>
-    </p:tnLst>
-  </p:timing>
 </p:sldLayout>
 </file>
 
@@ -6432,7 +6155,7 @@
           <a:p>
             <a:fld id="{5958763E-B898-436D-883D-03711491D54A}" type="datetimeFigureOut">
               <a:rPr lang="en-US" smtClean="0"/>
-              <a:t>3/25/2020</a:t>
+              <a:t>9/6/2022</a:t>
             </a:fld>
             <a:endParaRPr lang="en-US"/>
           </a:p>
@@ -6493,13 +6216,6 @@
   <p:transition>
     <p:fade/>
   </p:transition>
-  <p:timing>
-    <p:tnLst>
-      <p:par>
-        <p:cTn id="1" dur="indefinite" restart="never" nodeType="tmRoot"/>
-      </p:par>
-    </p:tnLst>
-  </p:timing>
 </p:sldLayout>
 </file>
 
@@ -6855,7 +6571,7 @@
           <a:p>
             <a:fld id="{5958763E-B898-436D-883D-03711491D54A}" type="datetimeFigureOut">
               <a:rPr lang="en-US" smtClean="0"/>
-              <a:t>3/25/2020</a:t>
+              <a:t>9/6/2022</a:t>
             </a:fld>
             <a:endParaRPr lang="en-US"/>
           </a:p>
@@ -6916,13 +6632,6 @@
   <p:transition>
     <p:fade/>
   </p:transition>
-  <p:timing>
-    <p:tnLst>
-      <p:par>
-        <p:cTn id="1" dur="indefinite" restart="never" nodeType="tmRoot"/>
-      </p:par>
-    </p:tnLst>
-  </p:timing>
 </p:sldLayout>
 </file>
 
@@ -7363,7 +7072,7 @@
           <a:p>
             <a:fld id="{5958763E-B898-436D-883D-03711491D54A}" type="datetimeFigureOut">
               <a:rPr lang="en-US" smtClean="0"/>
-              <a:t>3/25/2020</a:t>
+              <a:t>9/6/2022</a:t>
             </a:fld>
             <a:endParaRPr lang="en-US"/>
           </a:p>
@@ -7424,13 +7133,6 @@
   <p:transition>
     <p:fade/>
   </p:transition>
-  <p:timing>
-    <p:tnLst>
-      <p:par>
-        <p:cTn id="1" dur="indefinite" restart="never" nodeType="tmRoot"/>
-      </p:par>
-    </p:tnLst>
-  </p:timing>
 </p:sldLayout>
 </file>
 
@@ -7821,7 +7523,7 @@
           <a:p>
             <a:fld id="{5958763E-B898-436D-883D-03711491D54A}" type="datetimeFigureOut">
               <a:rPr lang="en-US" smtClean="0"/>
-              <a:t>3/25/2020</a:t>
+              <a:t>9/6/2022</a:t>
             </a:fld>
             <a:endParaRPr lang="en-US"/>
           </a:p>
@@ -7882,13 +7584,6 @@
   <p:transition>
     <p:fade/>
   </p:transition>
-  <p:timing>
-    <p:tnLst>
-      <p:par>
-        <p:cTn id="1" dur="indefinite" restart="never" nodeType="tmRoot"/>
-      </p:par>
-    </p:tnLst>
-  </p:timing>
 </p:sldLayout>
 </file>
 
@@ -8439,7 +8134,7 @@
           <a:p>
             <a:fld id="{5958763E-B898-436D-883D-03711491D54A}" type="datetimeFigureOut">
               <a:rPr lang="en-US" smtClean="0"/>
-              <a:t>3/25/2020</a:t>
+              <a:t>9/6/2022</a:t>
             </a:fld>
             <a:endParaRPr lang="en-US"/>
           </a:p>
@@ -8500,13 +8195,6 @@
   <p:transition>
     <p:fade/>
   </p:transition>
-  <p:timing>
-    <p:tnLst>
-      <p:par>
-        <p:cTn id="1" dur="indefinite" restart="never" nodeType="tmRoot"/>
-      </p:par>
-    </p:tnLst>
-  </p:timing>
 </p:sldLayout>
 </file>
 
@@ -9217,7 +8905,7 @@
           <a:p>
             <a:fld id="{5958763E-B898-436D-883D-03711491D54A}" type="datetimeFigureOut">
               <a:rPr lang="en-US" smtClean="0"/>
-              <a:t>3/25/2020</a:t>
+              <a:t>9/6/2022</a:t>
             </a:fld>
             <a:endParaRPr lang="en-US"/>
           </a:p>
@@ -9278,13 +8966,6 @@
   <p:transition>
     <p:fade/>
   </p:transition>
-  <p:timing>
-    <p:tnLst>
-      <p:par>
-        <p:cTn id="1" dur="indefinite" restart="never" nodeType="tmRoot"/>
-      </p:par>
-    </p:tnLst>
-  </p:timing>
 </p:sldLayout>
 </file>
 
@@ -9328,7 +9009,7 @@
           <a:p>
             <a:fld id="{5958763E-B898-436D-883D-03711491D54A}" type="datetimeFigureOut">
               <a:rPr lang="en-US" smtClean="0"/>
-              <a:t>3/25/2020</a:t>
+              <a:t>9/6/2022</a:t>
             </a:fld>
             <a:endParaRPr lang="en-US"/>
           </a:p>
@@ -9401,13 +9082,6 @@
   <p:transition>
     <p:fade/>
   </p:transition>
-  <p:timing>
-    <p:tnLst>
-      <p:par>
-        <p:cTn id="1" dur="indefinite" restart="never" nodeType="tmRoot"/>
-      </p:par>
-    </p:tnLst>
-  </p:timing>
 </p:sldLayout>
 </file>
 
@@ -9487,7 +9161,7 @@
                 <a:spcPct val="0"/>
               </a:spcAft>
             </a:pPr>
-            <a:endParaRPr lang="en-US" sz="2400" dirty="0" err="1" smtClean="0">
+            <a:endParaRPr lang="en-US" sz="2400" dirty="0" err="1">
               <a:gradFill>
                 <a:gsLst>
                   <a:gs pos="0">
@@ -9620,15 +9294,7 @@
           <a:p>
             <a:r>
               <a:rPr lang="en-US" dirty="0"/>
-              <a:t>Click to edit Master </a:t>
-            </a:r>
-            <a:r>
-              <a:rPr lang="en-US" dirty="0" smtClean="0"/>
-              <a:t>subtitle </a:t>
-            </a:r>
-            <a:r>
-              <a:rPr lang="en-US" dirty="0"/>
-              <a:t>style</a:t>
+              <a:t>Click to edit Master subtitle style</a:t>
             </a:r>
           </a:p>
         </p:txBody>
@@ -9670,7 +9336,7 @@
             <a:fld id="{1C2D31DE-C454-491C-B5C3-F097855E3DF7}" type="datetime4">
               <a:rPr lang="en-US" smtClean="0"/>
               <a:pPr/>
-              <a:t>March 25, 2020</a:t>
+              <a:t>September 6, 2022</a:t>
             </a:fld>
             <a:endParaRPr lang="en-US" dirty="0"/>
           </a:p>
@@ -12744,17 +12410,16 @@
           <a:p>
             <a:pPr lvl="0"/>
             <a:r>
-              <a:rPr lang="en-US" dirty="0" smtClean="0"/>
+              <a:rPr lang="en-US" dirty="0"/>
               <a:t>Presenter Name</a:t>
             </a:r>
             <a:br>
-              <a:rPr lang="en-US" dirty="0" smtClean="0"/>
+              <a:rPr lang="en-US" dirty="0"/>
             </a:br>
             <a:r>
-              <a:rPr lang="en-US" dirty="0" smtClean="0"/>
+              <a:rPr lang="en-US" dirty="0"/>
               <a:t>Presenter Title</a:t>
             </a:r>
-            <a:endParaRPr lang="en-US" dirty="0"/>
           </a:p>
         </p:txBody>
       </p:sp>
@@ -12771,13 +12436,6 @@
   <p:transition>
     <p:fade/>
   </p:transition>
-  <p:timing>
-    <p:tnLst>
-      <p:par>
-        <p:cTn id="1" dur="indefinite" restart="never" nodeType="tmRoot"/>
-      </p:par>
-    </p:tnLst>
-  </p:timing>
   <p:hf sldNum="0" hdr="0" ftr="0"/>
 </p:sldLayout>
 </file>
@@ -12830,7 +12488,7 @@
           <a:p>
             <a:fld id="{5958763E-B898-436D-883D-03711491D54A}" type="datetimeFigureOut">
               <a:rPr lang="en-US" smtClean="0"/>
-              <a:t>3/25/2020</a:t>
+              <a:t>9/6/2022</a:t>
             </a:fld>
             <a:endParaRPr lang="en-US"/>
           </a:p>
@@ -12903,13 +12561,6 @@
   <p:transition>
     <p:fade/>
   </p:transition>
-  <p:timing>
-    <p:tnLst>
-      <p:par>
-        <p:cTn id="1" dur="indefinite" restart="never" nodeType="tmRoot"/>
-      </p:par>
-    </p:tnLst>
-  </p:timing>
 </p:sldLayout>
 </file>
 
@@ -12961,7 +12612,7 @@
           <a:p>
             <a:fld id="{5958763E-B898-436D-883D-03711491D54A}" type="datetimeFigureOut">
               <a:rPr lang="en-US" smtClean="0"/>
-              <a:t>3/25/2020</a:t>
+              <a:t>9/6/2022</a:t>
             </a:fld>
             <a:endParaRPr lang="en-US"/>
           </a:p>
@@ -13034,13 +12685,6 @@
   <p:transition>
     <p:fade/>
   </p:transition>
-  <p:timing>
-    <p:tnLst>
-      <p:par>
-        <p:cTn id="1" dur="indefinite" restart="never" nodeType="tmRoot"/>
-      </p:par>
-    </p:tnLst>
-  </p:timing>
 </p:sldLayout>
 </file>
 
@@ -13092,7 +12736,7 @@
           <a:p>
             <a:fld id="{5958763E-B898-436D-883D-03711491D54A}" type="datetimeFigureOut">
               <a:rPr lang="en-US" smtClean="0"/>
-              <a:t>3/25/2020</a:t>
+              <a:t>9/6/2022</a:t>
             </a:fld>
             <a:endParaRPr lang="en-US"/>
           </a:p>
@@ -13165,13 +12809,6 @@
   <p:transition>
     <p:fade/>
   </p:transition>
-  <p:timing>
-    <p:tnLst>
-      <p:par>
-        <p:cTn id="1" dur="indefinite" restart="never" nodeType="tmRoot"/>
-      </p:par>
-    </p:tnLst>
-  </p:timing>
 </p:sldLayout>
 </file>
 
@@ -13223,7 +12860,7 @@
           <a:p>
             <a:fld id="{5958763E-B898-436D-883D-03711491D54A}" type="datetimeFigureOut">
               <a:rPr lang="en-US" smtClean="0"/>
-              <a:t>3/25/2020</a:t>
+              <a:t>9/6/2022</a:t>
             </a:fld>
             <a:endParaRPr lang="en-US"/>
           </a:p>
@@ -13296,13 +12933,6 @@
   <p:transition>
     <p:fade/>
   </p:transition>
-  <p:timing>
-    <p:tnLst>
-      <p:par>
-        <p:cTn id="1" dur="indefinite" restart="never" nodeType="tmRoot"/>
-      </p:par>
-    </p:tnLst>
-  </p:timing>
 </p:sldLayout>
 </file>
 
@@ -13354,7 +12984,7 @@
           <a:p>
             <a:fld id="{5958763E-B898-436D-883D-03711491D54A}" type="datetimeFigureOut">
               <a:rPr lang="en-US" smtClean="0"/>
-              <a:t>3/25/2020</a:t>
+              <a:t>9/6/2022</a:t>
             </a:fld>
             <a:endParaRPr lang="en-US"/>
           </a:p>
@@ -13427,13 +13057,6 @@
   <p:transition>
     <p:fade/>
   </p:transition>
-  <p:timing>
-    <p:tnLst>
-      <p:par>
-        <p:cTn id="1" dur="indefinite" restart="never" nodeType="tmRoot"/>
-      </p:par>
-    </p:tnLst>
-  </p:timing>
 </p:sldLayout>
 </file>
 
@@ -13485,7 +13108,7 @@
           <a:p>
             <a:fld id="{5958763E-B898-436D-883D-03711491D54A}" type="datetimeFigureOut">
               <a:rPr lang="en-US" smtClean="0"/>
-              <a:t>3/25/2020</a:t>
+              <a:t>9/6/2022</a:t>
             </a:fld>
             <a:endParaRPr lang="en-US"/>
           </a:p>
@@ -13558,13 +13181,6 @@
   <p:transition>
     <p:fade/>
   </p:transition>
-  <p:timing>
-    <p:tnLst>
-      <p:par>
-        <p:cTn id="1" dur="indefinite" restart="never" nodeType="tmRoot"/>
-      </p:par>
-    </p:tnLst>
-  </p:timing>
 </p:sldLayout>
 </file>
 
@@ -13616,7 +13232,7 @@
           <a:p>
             <a:fld id="{5958763E-B898-436D-883D-03711491D54A}" type="datetimeFigureOut">
               <a:rPr lang="en-US" smtClean="0"/>
-              <a:t>3/25/2020</a:t>
+              <a:t>9/6/2022</a:t>
             </a:fld>
             <a:endParaRPr lang="en-US"/>
           </a:p>
@@ -13689,13 +13305,6 @@
   <p:transition>
     <p:fade/>
   </p:transition>
-  <p:timing>
-    <p:tnLst>
-      <p:par>
-        <p:cTn id="1" dur="indefinite" restart="never" nodeType="tmRoot"/>
-      </p:par>
-    </p:tnLst>
-  </p:timing>
 </p:sldLayout>
 </file>
 
@@ -13747,7 +13356,7 @@
           <a:p>
             <a:fld id="{5958763E-B898-436D-883D-03711491D54A}" type="datetimeFigureOut">
               <a:rPr lang="en-US" smtClean="0"/>
-              <a:t>3/25/2020</a:t>
+              <a:t>9/6/2022</a:t>
             </a:fld>
             <a:endParaRPr lang="en-US"/>
           </a:p>
@@ -13820,13 +13429,6 @@
   <p:transition>
     <p:fade/>
   </p:transition>
-  <p:timing>
-    <p:tnLst>
-      <p:par>
-        <p:cTn id="1" dur="indefinite" restart="never" nodeType="tmRoot"/>
-      </p:par>
-    </p:tnLst>
-  </p:timing>
 </p:sldLayout>
 </file>
 
@@ -13887,7 +13489,7 @@
           <a:p>
             <a:fld id="{5958763E-B898-436D-883D-03711491D54A}" type="datetimeFigureOut">
               <a:rPr lang="en-US" smtClean="0"/>
-              <a:t>3/25/2020</a:t>
+              <a:t>9/6/2022</a:t>
             </a:fld>
             <a:endParaRPr lang="en-US"/>
           </a:p>
@@ -13960,13 +13562,6 @@
   <p:transition>
     <p:fade/>
   </p:transition>
-  <p:timing>
-    <p:tnLst>
-      <p:par>
-        <p:cTn id="1" dur="indefinite" restart="never" nodeType="tmRoot"/>
-      </p:par>
-    </p:tnLst>
-  </p:timing>
 </p:sldLayout>
 </file>
 
@@ -16968,13 +16563,6 @@
   <p:transition>
     <p:fade/>
   </p:transition>
-  <p:timing>
-    <p:tnLst>
-      <p:par>
-        <p:cTn id="1" dur="indefinite" restart="never" nodeType="tmRoot"/>
-      </p:par>
-    </p:tnLst>
-  </p:timing>
 </p:sldLayout>
 </file>
 
@@ -17062,7 +16650,7 @@
                 <a:spcPct val="0"/>
               </a:spcAft>
             </a:pPr>
-            <a:endParaRPr lang="en-US" sz="2400" dirty="0" err="1" smtClean="0">
+            <a:endParaRPr lang="en-US" sz="2400" dirty="0" err="1">
               <a:gradFill>
                 <a:gsLst>
                   <a:gs pos="0">
@@ -17198,15 +16786,7 @@
           <a:p>
             <a:r>
               <a:rPr lang="en-US" dirty="0"/>
-              <a:t>Click to edit Master </a:t>
-            </a:r>
-            <a:r>
-              <a:rPr lang="en-US" dirty="0" smtClean="0"/>
-              <a:t>subtitle </a:t>
-            </a:r>
-            <a:r>
-              <a:rPr lang="en-US" dirty="0"/>
-              <a:t>style</a:t>
+              <a:t>Click to edit Master subtitle style</a:t>
             </a:r>
           </a:p>
         </p:txBody>
@@ -17248,7 +16828,7 @@
             <a:fld id="{1C2D31DE-C454-491C-B5C3-F097855E3DF7}" type="datetime4">
               <a:rPr lang="en-US" smtClean="0"/>
               <a:pPr/>
-              <a:t>March 25, 2020</a:t>
+              <a:t>September 6, 2022</a:t>
             </a:fld>
             <a:endParaRPr lang="en-US" dirty="0"/>
           </a:p>
@@ -20330,17 +19910,16 @@
           <a:p>
             <a:pPr lvl="0"/>
             <a:r>
-              <a:rPr lang="en-US" dirty="0" smtClean="0"/>
+              <a:rPr lang="en-US" dirty="0"/>
               <a:t>Presenter Name</a:t>
             </a:r>
             <a:br>
-              <a:rPr lang="en-US" dirty="0" smtClean="0"/>
+              <a:rPr lang="en-US" dirty="0"/>
             </a:br>
             <a:r>
-              <a:rPr lang="en-US" dirty="0" smtClean="0"/>
+              <a:rPr lang="en-US" dirty="0"/>
               <a:t>Presenter Title</a:t>
             </a:r>
-            <a:endParaRPr lang="en-US" dirty="0"/>
           </a:p>
         </p:txBody>
       </p:sp>
@@ -20357,13 +19936,6 @@
   <p:transition>
     <p:fade/>
   </p:transition>
-  <p:timing>
-    <p:tnLst>
-      <p:par>
-        <p:cTn id="1" dur="indefinite" restart="never" nodeType="tmRoot"/>
-      </p:par>
-    </p:tnLst>
-  </p:timing>
   <p:hf sldNum="0" hdr="0" ftr="0"/>
 </p:sldLayout>
 </file>
@@ -27873,10 +27445,9 @@
           <a:p>
             <a:pPr lvl="0"/>
             <a:r>
-              <a:rPr lang="en-US" dirty="0" smtClean="0"/>
+              <a:rPr lang="en-US" dirty="0"/>
               <a:t>&lt;Call to action&gt;</a:t>
             </a:r>
-            <a:endParaRPr lang="en-US" dirty="0"/>
           </a:p>
         </p:txBody>
       </p:sp>
@@ -29493,7 +29064,7 @@
           <a:p>
             <a:fld id="{5958763E-B898-436D-883D-03711491D54A}" type="datetimeFigureOut">
               <a:rPr lang="en-US" smtClean="0"/>
-              <a:t>3/25/2020</a:t>
+              <a:t>9/6/2022</a:t>
             </a:fld>
             <a:endParaRPr lang="en-US"/>
           </a:p>
@@ -29620,7 +29191,7 @@
                 <a:spcPct val="0"/>
               </a:spcAft>
             </a:pPr>
-            <a:endParaRPr lang="en-US" sz="2400" dirty="0" err="1" smtClean="0">
+            <a:endParaRPr lang="en-US" sz="2400" dirty="0" err="1">
               <a:gradFill>
                 <a:gsLst>
                   <a:gs pos="0">
@@ -29651,13 +29222,6 @@
   <p:transition>
     <p:fade/>
   </p:transition>
-  <p:timing>
-    <p:tnLst>
-      <p:par>
-        <p:cTn id="1" dur="indefinite" restart="never" nodeType="tmRoot"/>
-      </p:par>
-    </p:tnLst>
-  </p:timing>
 </p:sldLayout>
 </file>
 
@@ -29902,7 +29466,7 @@
           <a:p>
             <a:fld id="{5958763E-B898-436D-883D-03711491D54A}" type="datetimeFigureOut">
               <a:rPr lang="en-US" smtClean="0"/>
-              <a:t>3/25/2020</a:t>
+              <a:t>9/6/2022</a:t>
             </a:fld>
             <a:endParaRPr lang="en-US"/>
           </a:p>
@@ -29975,13 +29539,6 @@
   <p:transition>
     <p:fade/>
   </p:transition>
-  <p:timing>
-    <p:tnLst>
-      <p:par>
-        <p:cTn id="1" dur="indefinite" restart="never" nodeType="tmRoot"/>
-      </p:par>
-    </p:tnLst>
-  </p:timing>
 </p:sldLayout>
 </file>
 
@@ -30203,7 +29760,7 @@
           <a:p>
             <a:fld id="{5958763E-B898-436D-883D-03711491D54A}" type="datetimeFigureOut">
               <a:rPr lang="en-US" smtClean="0"/>
-              <a:t>3/25/2020</a:t>
+              <a:t>9/6/2022</a:t>
             </a:fld>
             <a:endParaRPr lang="en-US"/>
           </a:p>
@@ -30276,13 +29833,6 @@
   <p:transition>
     <p:fade/>
   </p:transition>
-  <p:timing>
-    <p:tnLst>
-      <p:par>
-        <p:cTn id="1" dur="indefinite" restart="never" nodeType="tmRoot"/>
-      </p:par>
-    </p:tnLst>
-  </p:timing>
 </p:sldLayout>
 </file>
 
@@ -30411,7 +29961,7 @@
           <a:p>
             <a:fld id="{5958763E-B898-436D-883D-03711491D54A}" type="datetimeFigureOut">
               <a:rPr lang="en-US" smtClean="0"/>
-              <a:t>3/25/2020</a:t>
+              <a:t>9/6/2022</a:t>
             </a:fld>
             <a:endParaRPr lang="en-US"/>
           </a:p>
@@ -30534,13 +30084,6 @@
   <p:transition>
     <p:fade/>
   </p:transition>
-  <p:timing>
-    <p:tnLst>
-      <p:par>
-        <p:cTn id="1" dur="indefinite" restart="never" nodeType="tmRoot"/>
-      </p:par>
-    </p:tnLst>
-  </p:timing>
 </p:sldLayout>
 </file>
 
@@ -30679,7 +30222,7 @@
           <a:p>
             <a:fld id="{5958763E-B898-436D-883D-03711491D54A}" type="datetimeFigureOut">
               <a:rPr lang="en-US" smtClean="0"/>
-              <a:t>3/25/2020</a:t>
+              <a:t>9/6/2022</a:t>
             </a:fld>
             <a:endParaRPr lang="en-US"/>
           </a:p>
@@ -30806,13 +30349,6 @@
   <p:transition>
     <p:fade/>
   </p:transition>
-  <p:timing>
-    <p:tnLst>
-      <p:par>
-        <p:cTn id="1" dur="indefinite" restart="never" nodeType="tmRoot"/>
-      </p:par>
-    </p:tnLst>
-  </p:timing>
 </p:sldLayout>
 </file>
 
@@ -30974,7 +30510,7 @@
                 <a:spcPct val="0"/>
               </a:spcAft>
             </a:pPr>
-            <a:endParaRPr lang="en-US" sz="2400" dirty="0" err="1" smtClean="0">
+            <a:endParaRPr lang="en-US" sz="2400" dirty="0" err="1">
               <a:gradFill>
                 <a:gsLst>
                   <a:gs pos="0">
@@ -31025,10 +30561,9 @@
           </a:lstStyle>
           <a:p>
             <a:r>
-              <a:rPr lang="en-US" dirty="0" smtClean="0"/>
+              <a:rPr lang="en-US" dirty="0"/>
               <a:t>Type “Agenda”</a:t>
             </a:r>
-            <a:endParaRPr lang="en-US" dirty="0"/>
           </a:p>
         </p:txBody>
       </p:sp>
@@ -31152,24 +30687,23 @@
           <a:p>
             <a:pPr lvl="0"/>
             <a:r>
-              <a:rPr lang="en-US" dirty="0" smtClean="0"/>
+              <a:rPr lang="en-US" dirty="0"/>
               <a:t>Item 1</a:t>
             </a:r>
           </a:p>
           <a:p>
             <a:pPr lvl="0"/>
             <a:r>
-              <a:rPr lang="en-US" dirty="0" smtClean="0"/>
+              <a:rPr lang="en-US" dirty="0"/>
               <a:t>Item 2</a:t>
             </a:r>
           </a:p>
           <a:p>
             <a:pPr lvl="0"/>
             <a:r>
-              <a:rPr lang="en-US" dirty="0" smtClean="0"/>
+              <a:rPr lang="en-US" dirty="0"/>
               <a:t>Item 3</a:t>
             </a:r>
-            <a:endParaRPr lang="en-US" dirty="0"/>
           </a:p>
         </p:txBody>
       </p:sp>
@@ -31196,7 +30730,7 @@
           <a:p>
             <a:fld id="{5958763E-B898-436D-883D-03711491D54A}" type="datetimeFigureOut">
               <a:rPr lang="en-US" smtClean="0"/>
-              <a:t>3/25/2020</a:t>
+              <a:t>9/6/2022</a:t>
             </a:fld>
             <a:endParaRPr lang="en-US"/>
           </a:p>
@@ -31303,13 +30837,6 @@
   <p:transition>
     <p:fade/>
   </p:transition>
-  <p:timing>
-    <p:tnLst>
-      <p:par>
-        <p:cTn id="1" dur="indefinite" restart="never" nodeType="tmRoot"/>
-      </p:par>
-    </p:tnLst>
-  </p:timing>
 </p:sldLayout>
 </file>
 
@@ -31471,7 +30998,7 @@
                 <a:spcPct val="0"/>
               </a:spcAft>
             </a:pPr>
-            <a:endParaRPr lang="en-US" sz="2400" dirty="0" err="1" smtClean="0">
+            <a:endParaRPr lang="en-US" sz="2400" dirty="0" err="1">
               <a:gradFill>
                 <a:gsLst>
                   <a:gs pos="0">
@@ -31524,10 +31051,9 @@
           </a:lstStyle>
           <a:p>
             <a:r>
-              <a:rPr lang="en-US" dirty="0" smtClean="0"/>
+              <a:rPr lang="en-US" dirty="0"/>
               <a:t>Notable Quote</a:t>
             </a:r>
-            <a:endParaRPr lang="en-US" dirty="0"/>
           </a:p>
         </p:txBody>
       </p:sp>
@@ -31654,10 +31180,9 @@
           <a:p>
             <a:pPr lvl="0"/>
             <a:r>
-              <a:rPr lang="en-US" dirty="0" smtClean="0"/>
+              <a:rPr lang="en-US" dirty="0"/>
               <a:t>– Attribution</a:t>
             </a:r>
-            <a:endParaRPr lang="en-US" dirty="0"/>
           </a:p>
         </p:txBody>
       </p:sp>
@@ -31684,7 +31209,7 @@
           <a:p>
             <a:fld id="{5958763E-B898-436D-883D-03711491D54A}" type="datetimeFigureOut">
               <a:rPr lang="en-US" smtClean="0"/>
-              <a:t>3/25/2020</a:t>
+              <a:t>9/6/2022</a:t>
             </a:fld>
             <a:endParaRPr lang="en-US"/>
           </a:p>
@@ -32432,13 +31957,6 @@
   <p:transition>
     <p:fade/>
   </p:transition>
-  <p:timing>
-    <p:tnLst>
-      <p:par>
-        <p:cTn id="1" dur="indefinite" restart="never" nodeType="tmRoot"/>
-      </p:par>
-    </p:tnLst>
-  </p:timing>
 </p:sldLayout>
 </file>
 
@@ -32510,7 +32028,7 @@
           <a:p>
             <a:fld id="{5958763E-B898-436D-883D-03711491D54A}" type="datetimeFigureOut">
               <a:rPr lang="en-US" smtClean="0"/>
-              <a:t>3/25/2020</a:t>
+              <a:t>9/6/2022</a:t>
             </a:fld>
             <a:endParaRPr lang="en-US"/>
           </a:p>
@@ -32583,13 +32101,6 @@
   <p:transition>
     <p:fade/>
   </p:transition>
-  <p:timing>
-    <p:tnLst>
-      <p:par>
-        <p:cTn id="1" dur="indefinite" restart="never" nodeType="tmRoot"/>
-      </p:par>
-    </p:tnLst>
-  </p:timing>
 </p:sldLayout>
 </file>
 
@@ -32718,7 +32229,7 @@
           <a:p>
             <a:fld id="{5958763E-B898-436D-883D-03711491D54A}" type="datetimeFigureOut">
               <a:rPr lang="en-US" smtClean="0"/>
-              <a:t>3/25/2020</a:t>
+              <a:t>9/6/2022</a:t>
             </a:fld>
             <a:endParaRPr lang="en-US"/>
           </a:p>
@@ -32841,13 +32352,6 @@
   <p:transition>
     <p:fade/>
   </p:transition>
-  <p:timing>
-    <p:tnLst>
-      <p:par>
-        <p:cTn id="1" dur="indefinite" restart="never" nodeType="tmRoot"/>
-      </p:par>
-    </p:tnLst>
-  </p:timing>
 </p:sldLayout>
 </file>
 
@@ -33060,7 +32564,7 @@
           <a:p>
             <a:fld id="{5958763E-B898-436D-883D-03711491D54A}" type="datetimeFigureOut">
               <a:rPr lang="en-US" smtClean="0"/>
-              <a:t>3/25/2020</a:t>
+              <a:t>9/6/2022</a:t>
             </a:fld>
             <a:endParaRPr lang="en-US"/>
           </a:p>
@@ -33133,13 +32637,6 @@
   <p:transition>
     <p:fade/>
   </p:transition>
-  <p:timing>
-    <p:tnLst>
-      <p:par>
-        <p:cTn id="1" dur="indefinite" restart="never" nodeType="tmRoot"/>
-      </p:par>
-    </p:tnLst>
-  </p:timing>
 </p:sldLayout>
 </file>
 
@@ -33297,7 +32794,7 @@
           <a:p>
             <a:fld id="{5958763E-B898-436D-883D-03711491D54A}" type="datetimeFigureOut">
               <a:rPr lang="en-US" smtClean="0"/>
-              <a:t>3/25/2020</a:t>
+              <a:t>9/6/2022</a:t>
             </a:fld>
             <a:endParaRPr lang="en-US"/>
           </a:p>
@@ -33370,13 +32867,6 @@
   <p:transition>
     <p:fade/>
   </p:transition>
-  <p:timing>
-    <p:tnLst>
-      <p:par>
-        <p:cTn id="1" dur="indefinite" restart="never" nodeType="tmRoot"/>
-      </p:par>
-    </p:tnLst>
-  </p:timing>
 </p:sldLayout>
 </file>
 
@@ -33548,7 +33038,7 @@
           <a:p>
             <a:fld id="{5958763E-B898-436D-883D-03711491D54A}" type="datetimeFigureOut">
               <a:rPr lang="en-US" smtClean="0"/>
-              <a:t>3/25/2020</a:t>
+              <a:t>9/6/2022</a:t>
             </a:fld>
             <a:endParaRPr lang="en-US"/>
           </a:p>
@@ -33694,13 +33184,6 @@
   <p:transition>
     <p:fade/>
   </p:transition>
-  <p:timing>
-    <p:tnLst>
-      <p:par>
-        <p:cTn id="1" dur="indefinite" restart="never" nodeType="tmRoot"/>
-      </p:par>
-    </p:tnLst>
-  </p:timing>
   <p:txStyles>
     <p:titleStyle>
       <a:lvl1pPr algn="l" defTabSz="914400" rtl="0" eaLnBrk="1" latinLnBrk="0" hangingPunct="1">
@@ -34005,7 +33488,7 @@
       </a:lvl9pPr>
     </p:otherStyle>
   </p:txStyles>
-  <p:extLst mod="1">
+  <p:extLst>
     <p:ext uri="{27BBF7A9-308A-43DC-89C8-2F10F3537804}">
       <p15:sldGuideLst xmlns:p15="http://schemas.microsoft.com/office/powerpoint/2012/main">
         <p15:guide id="1" orient="horz" pos="2160" userDrawn="1">
@@ -34084,10 +33567,9 @@
           <a:lstStyle/>
           <a:p>
             <a:r>
-              <a:rPr lang="en-US" sz="6600" dirty="0" smtClean="0"/>
-              <a:t>JS Files &amp; Buttons</a:t>
+              <a:rPr lang="en-US" sz="6600" dirty="0"/>
+              <a:t>Buttons &amp; Functions</a:t>
             </a:r>
-            <a:endParaRPr lang="en-US" sz="6600" dirty="0"/>
           </a:p>
         </p:txBody>
       </p:sp>
@@ -34112,11 +33594,11 @@
           <a:lstStyle/>
           <a:p>
             <a:r>
-              <a:rPr lang="en-US" dirty="0" smtClean="0"/>
+              <a:rPr lang="en-US" dirty="0"/>
               <a:t>Hy-Tech Club: </a:t>
             </a:r>
             <a:r>
-              <a:rPr lang="en-US" smtClean="0"/>
+              <a:rPr lang="en-US"/>
               <a:t>Web 102</a:t>
             </a:r>
             <a:endParaRPr lang="en-US" dirty="0"/>
@@ -37104,508 +36586,10 @@
   <p:transition>
     <p:fade/>
   </p:transition>
-  <p:timing>
-    <p:tnLst>
-      <p:par>
-        <p:cTn id="1" dur="indefinite" restart="never" nodeType="tmRoot"/>
-      </p:par>
-    </p:tnLst>
-  </p:timing>
 </p:sld>
 </file>
 
 <file path=ppt/slides/slide10.xml><?xml version="1.0" encoding="utf-8"?>
-<p:sld xmlns:a="http://schemas.openxmlformats.org/drawingml/2006/main" xmlns:r="http://schemas.openxmlformats.org/officeDocument/2006/relationships" xmlns:p="http://schemas.openxmlformats.org/presentationml/2006/main">
-  <p:cSld>
-    <p:spTree>
-      <p:nvGrpSpPr>
-        <p:cNvPr id="1" name=""/>
-        <p:cNvGrpSpPr/>
-        <p:nvPr/>
-      </p:nvGrpSpPr>
-      <p:grpSpPr>
-        <a:xfrm>
-          <a:off x="0" y="0"/>
-          <a:ext cx="0" cy="0"/>
-          <a:chOff x="0" y="0"/>
-          <a:chExt cx="0" cy="0"/>
-        </a:xfrm>
-      </p:grpSpPr>
-      <p:sp>
-        <p:nvSpPr>
-          <p:cNvPr id="2" name="Title 1"/>
-          <p:cNvSpPr>
-            <a:spLocks noGrp="1"/>
-          </p:cNvSpPr>
-          <p:nvPr>
-            <p:ph type="title"/>
-          </p:nvPr>
-        </p:nvSpPr>
-        <p:spPr/>
-        <p:txBody>
-          <a:bodyPr/>
-          <a:lstStyle/>
-          <a:p>
-            <a:r>
-              <a:rPr lang="en-US" dirty="0" smtClean="0"/>
-              <a:t>Functions recap</a:t>
-            </a:r>
-            <a:endParaRPr lang="en-US" dirty="0"/>
-          </a:p>
-        </p:txBody>
-      </p:sp>
-      <p:sp>
-        <p:nvSpPr>
-          <p:cNvPr id="3" name="Content Placeholder 2"/>
-          <p:cNvSpPr>
-            <a:spLocks noGrp="1"/>
-          </p:cNvSpPr>
-          <p:nvPr>
-            <p:ph idx="1"/>
-          </p:nvPr>
-        </p:nvSpPr>
-        <p:spPr/>
-        <p:txBody>
-          <a:bodyPr/>
-          <a:lstStyle/>
-          <a:p>
-            <a:endParaRPr lang="en-US" dirty="0" smtClean="0"/>
-          </a:p>
-          <a:p>
-            <a:r>
-              <a:rPr lang="en-US" dirty="0" smtClean="0"/>
-              <a:t>When a button is clicked, it </a:t>
-            </a:r>
-            <a:r>
-              <a:rPr lang="en-US" i="1" dirty="0" smtClean="0"/>
-              <a:t>calls</a:t>
-            </a:r>
-            <a:r>
-              <a:rPr lang="en-US" dirty="0" smtClean="0"/>
-              <a:t> a </a:t>
-            </a:r>
-            <a:r>
-              <a:rPr lang="en-US" b="1" dirty="0" smtClean="0"/>
-              <a:t>function</a:t>
-            </a:r>
-            <a:endParaRPr lang="en-US" dirty="0"/>
-          </a:p>
-          <a:p>
-            <a:r>
-              <a:rPr lang="en-US" dirty="0"/>
-              <a:t>Functions run specific blocks of code when </a:t>
-            </a:r>
-            <a:r>
-              <a:rPr lang="en-US" dirty="0" smtClean="0"/>
-              <a:t>called</a:t>
-            </a:r>
-          </a:p>
-          <a:p>
-            <a:endParaRPr lang="en-US" b="1" dirty="0"/>
-          </a:p>
-          <a:p>
-            <a:r>
-              <a:rPr lang="en-US" dirty="0"/>
-              <a:t>Functions can be </a:t>
-            </a:r>
-            <a:r>
-              <a:rPr lang="en-US" i="1" dirty="0"/>
-              <a:t>defined</a:t>
-            </a:r>
-            <a:r>
-              <a:rPr lang="en-US" dirty="0"/>
-              <a:t> in a </a:t>
-            </a:r>
-            <a:r>
-              <a:rPr lang="en-US" b="1" dirty="0"/>
-              <a:t>.</a:t>
-            </a:r>
-            <a:r>
-              <a:rPr lang="en-US" b="1" dirty="0" err="1"/>
-              <a:t>js</a:t>
-            </a:r>
-            <a:r>
-              <a:rPr lang="en-US" dirty="0"/>
-              <a:t> </a:t>
-            </a:r>
-            <a:r>
-              <a:rPr lang="en-US" dirty="0" smtClean="0"/>
-              <a:t>file</a:t>
-            </a:r>
-          </a:p>
-          <a:p>
-            <a:r>
-              <a:rPr lang="en-US" dirty="0" smtClean="0"/>
-              <a:t>The function name in the definition must match the function call</a:t>
-            </a:r>
-          </a:p>
-          <a:p>
-            <a:endParaRPr lang="en-US" dirty="0"/>
-          </a:p>
-          <a:p>
-            <a:r>
-              <a:rPr lang="en-US" dirty="0" smtClean="0"/>
-              <a:t>Functions can be difficult to understand – it takes a lot of practice!</a:t>
-            </a:r>
-            <a:endParaRPr lang="en-US" dirty="0"/>
-          </a:p>
-        </p:txBody>
-      </p:sp>
-    </p:spTree>
-    <p:extLst>
-      <p:ext uri="{BB962C8B-B14F-4D97-AF65-F5344CB8AC3E}">
-        <p14:creationId xmlns:p14="http://schemas.microsoft.com/office/powerpoint/2010/main" val="26363434"/>
-      </p:ext>
-    </p:extLst>
-  </p:cSld>
-  <p:clrMapOvr>
-    <a:masterClrMapping/>
-  </p:clrMapOvr>
-  <p:transition>
-    <p:fade/>
-  </p:transition>
-  <p:timing>
-    <p:tnLst>
-      <p:par>
-        <p:cTn id="1" dur="indefinite" restart="never" nodeType="tmRoot">
-          <p:childTnLst>
-            <p:seq concurrent="1" nextAc="seek">
-              <p:cTn id="2" dur="indefinite" nodeType="mainSeq">
-                <p:childTnLst>
-                  <p:par>
-                    <p:cTn id="3" fill="hold">
-                      <p:stCondLst>
-                        <p:cond delay="indefinite"/>
-                      </p:stCondLst>
-                      <p:childTnLst>
-                        <p:par>
-                          <p:cTn id="4" fill="hold">
-                            <p:stCondLst>
-                              <p:cond delay="0"/>
-                            </p:stCondLst>
-                            <p:childTnLst>
-                              <p:par>
-                                <p:cTn id="5" presetID="10" presetClass="entr" presetSubtype="0" fill="hold" grpId="0" nodeType="clickEffect">
-                                  <p:stCondLst>
-                                    <p:cond delay="0"/>
-                                  </p:stCondLst>
-                                  <p:childTnLst>
-                                    <p:set>
-                                      <p:cBhvr>
-                                        <p:cTn id="6" dur="1" fill="hold">
-                                          <p:stCondLst>
-                                            <p:cond delay="0"/>
-                                          </p:stCondLst>
-                                        </p:cTn>
-                                        <p:tgtEl>
-                                          <p:spTgt spid="3">
-                                            <p:txEl>
-                                              <p:pRg st="1" end="1"/>
-                                            </p:txEl>
-                                          </p:spTgt>
-                                        </p:tgtEl>
-                                        <p:attrNameLst>
-                                          <p:attrName>style.visibility</p:attrName>
-                                        </p:attrNameLst>
-                                      </p:cBhvr>
-                                      <p:to>
-                                        <p:strVal val="visible"/>
-                                      </p:to>
-                                    </p:set>
-                                    <p:animEffect transition="in" filter="fade">
-                                      <p:cBhvr>
-                                        <p:cTn id="7" dur="500"/>
-                                        <p:tgtEl>
-                                          <p:spTgt spid="3">
-                                            <p:txEl>
-                                              <p:pRg st="1" end="1"/>
-                                            </p:txEl>
-                                          </p:spTgt>
-                                        </p:tgtEl>
-                                      </p:cBhvr>
-                                    </p:animEffect>
-                                  </p:childTnLst>
-                                </p:cTn>
-                              </p:par>
-                            </p:childTnLst>
-                          </p:cTn>
-                        </p:par>
-                      </p:childTnLst>
-                    </p:cTn>
-                  </p:par>
-                  <p:par>
-                    <p:cTn id="8" fill="hold">
-                      <p:stCondLst>
-                        <p:cond delay="indefinite"/>
-                      </p:stCondLst>
-                      <p:childTnLst>
-                        <p:par>
-                          <p:cTn id="9" fill="hold">
-                            <p:stCondLst>
-                              <p:cond delay="0"/>
-                            </p:stCondLst>
-                            <p:childTnLst>
-                              <p:par>
-                                <p:cTn id="10" presetID="10" presetClass="entr" presetSubtype="0" fill="hold" grpId="0" nodeType="clickEffect">
-                                  <p:stCondLst>
-                                    <p:cond delay="0"/>
-                                  </p:stCondLst>
-                                  <p:childTnLst>
-                                    <p:set>
-                                      <p:cBhvr>
-                                        <p:cTn id="11" dur="1" fill="hold">
-                                          <p:stCondLst>
-                                            <p:cond delay="0"/>
-                                          </p:stCondLst>
-                                        </p:cTn>
-                                        <p:tgtEl>
-                                          <p:spTgt spid="3">
-                                            <p:txEl>
-                                              <p:pRg st="2" end="2"/>
-                                            </p:txEl>
-                                          </p:spTgt>
-                                        </p:tgtEl>
-                                        <p:attrNameLst>
-                                          <p:attrName>style.visibility</p:attrName>
-                                        </p:attrNameLst>
-                                      </p:cBhvr>
-                                      <p:to>
-                                        <p:strVal val="visible"/>
-                                      </p:to>
-                                    </p:set>
-                                    <p:animEffect transition="in" filter="fade">
-                                      <p:cBhvr>
-                                        <p:cTn id="12" dur="500"/>
-                                        <p:tgtEl>
-                                          <p:spTgt spid="3">
-                                            <p:txEl>
-                                              <p:pRg st="2" end="2"/>
-                                            </p:txEl>
-                                          </p:spTgt>
-                                        </p:tgtEl>
-                                      </p:cBhvr>
-                                    </p:animEffect>
-                                  </p:childTnLst>
-                                </p:cTn>
-                              </p:par>
-                            </p:childTnLst>
-                          </p:cTn>
-                        </p:par>
-                      </p:childTnLst>
-                    </p:cTn>
-                  </p:par>
-                  <p:par>
-                    <p:cTn id="13" fill="hold">
-                      <p:stCondLst>
-                        <p:cond delay="indefinite"/>
-                      </p:stCondLst>
-                      <p:childTnLst>
-                        <p:par>
-                          <p:cTn id="14" fill="hold">
-                            <p:stCondLst>
-                              <p:cond delay="0"/>
-                            </p:stCondLst>
-                            <p:childTnLst>
-                              <p:par>
-                                <p:cTn id="15" presetID="10" presetClass="entr" presetSubtype="0" fill="hold" grpId="0" nodeType="clickEffect">
-                                  <p:stCondLst>
-                                    <p:cond delay="0"/>
-                                  </p:stCondLst>
-                                  <p:childTnLst>
-                                    <p:set>
-                                      <p:cBhvr>
-                                        <p:cTn id="16" dur="1" fill="hold">
-                                          <p:stCondLst>
-                                            <p:cond delay="0"/>
-                                          </p:stCondLst>
-                                        </p:cTn>
-                                        <p:tgtEl>
-                                          <p:spTgt spid="3">
-                                            <p:txEl>
-                                              <p:pRg st="4" end="4"/>
-                                            </p:txEl>
-                                          </p:spTgt>
-                                        </p:tgtEl>
-                                        <p:attrNameLst>
-                                          <p:attrName>style.visibility</p:attrName>
-                                        </p:attrNameLst>
-                                      </p:cBhvr>
-                                      <p:to>
-                                        <p:strVal val="visible"/>
-                                      </p:to>
-                                    </p:set>
-                                    <p:animEffect transition="in" filter="fade">
-                                      <p:cBhvr>
-                                        <p:cTn id="17" dur="500"/>
-                                        <p:tgtEl>
-                                          <p:spTgt spid="3">
-                                            <p:txEl>
-                                              <p:pRg st="4" end="4"/>
-                                            </p:txEl>
-                                          </p:spTgt>
-                                        </p:tgtEl>
-                                      </p:cBhvr>
-                                    </p:animEffect>
-                                  </p:childTnLst>
-                                </p:cTn>
-                              </p:par>
-                            </p:childTnLst>
-                          </p:cTn>
-                        </p:par>
-                      </p:childTnLst>
-                    </p:cTn>
-                  </p:par>
-                  <p:par>
-                    <p:cTn id="18" fill="hold">
-                      <p:stCondLst>
-                        <p:cond delay="indefinite"/>
-                      </p:stCondLst>
-                      <p:childTnLst>
-                        <p:par>
-                          <p:cTn id="19" fill="hold">
-                            <p:stCondLst>
-                              <p:cond delay="0"/>
-                            </p:stCondLst>
-                            <p:childTnLst>
-                              <p:par>
-                                <p:cTn id="20" presetID="10" presetClass="entr" presetSubtype="0" fill="hold" grpId="0" nodeType="clickEffect">
-                                  <p:stCondLst>
-                                    <p:cond delay="0"/>
-                                  </p:stCondLst>
-                                  <p:childTnLst>
-                                    <p:set>
-                                      <p:cBhvr>
-                                        <p:cTn id="21" dur="1" fill="hold">
-                                          <p:stCondLst>
-                                            <p:cond delay="0"/>
-                                          </p:stCondLst>
-                                        </p:cTn>
-                                        <p:tgtEl>
-                                          <p:spTgt spid="3">
-                                            <p:txEl>
-                                              <p:pRg st="5" end="5"/>
-                                            </p:txEl>
-                                          </p:spTgt>
-                                        </p:tgtEl>
-                                        <p:attrNameLst>
-                                          <p:attrName>style.visibility</p:attrName>
-                                        </p:attrNameLst>
-                                      </p:cBhvr>
-                                      <p:to>
-                                        <p:strVal val="visible"/>
-                                      </p:to>
-                                    </p:set>
-                                    <p:animEffect transition="in" filter="fade">
-                                      <p:cBhvr>
-                                        <p:cTn id="22" dur="500"/>
-                                        <p:tgtEl>
-                                          <p:spTgt spid="3">
-                                            <p:txEl>
-                                              <p:pRg st="5" end="5"/>
-                                            </p:txEl>
-                                          </p:spTgt>
-                                        </p:tgtEl>
-                                      </p:cBhvr>
-                                    </p:animEffect>
-                                  </p:childTnLst>
-                                </p:cTn>
-                              </p:par>
-                            </p:childTnLst>
-                          </p:cTn>
-                        </p:par>
-                      </p:childTnLst>
-                    </p:cTn>
-                  </p:par>
-                  <p:par>
-                    <p:cTn id="23" fill="hold">
-                      <p:stCondLst>
-                        <p:cond delay="indefinite"/>
-                      </p:stCondLst>
-                      <p:childTnLst>
-                        <p:par>
-                          <p:cTn id="24" fill="hold">
-                            <p:stCondLst>
-                              <p:cond delay="0"/>
-                            </p:stCondLst>
-                            <p:childTnLst>
-                              <p:par>
-                                <p:cTn id="25" presetID="10" presetClass="entr" presetSubtype="0" fill="hold" grpId="0" nodeType="clickEffect">
-                                  <p:stCondLst>
-                                    <p:cond delay="0"/>
-                                  </p:stCondLst>
-                                  <p:childTnLst>
-                                    <p:set>
-                                      <p:cBhvr>
-                                        <p:cTn id="26" dur="1" fill="hold">
-                                          <p:stCondLst>
-                                            <p:cond delay="0"/>
-                                          </p:stCondLst>
-                                        </p:cTn>
-                                        <p:tgtEl>
-                                          <p:spTgt spid="3">
-                                            <p:txEl>
-                                              <p:pRg st="7" end="7"/>
-                                            </p:txEl>
-                                          </p:spTgt>
-                                        </p:tgtEl>
-                                        <p:attrNameLst>
-                                          <p:attrName>style.visibility</p:attrName>
-                                        </p:attrNameLst>
-                                      </p:cBhvr>
-                                      <p:to>
-                                        <p:strVal val="visible"/>
-                                      </p:to>
-                                    </p:set>
-                                    <p:animEffect transition="in" filter="fade">
-                                      <p:cBhvr>
-                                        <p:cTn id="27" dur="500"/>
-                                        <p:tgtEl>
-                                          <p:spTgt spid="3">
-                                            <p:txEl>
-                                              <p:pRg st="7" end="7"/>
-                                            </p:txEl>
-                                          </p:spTgt>
-                                        </p:tgtEl>
-                                      </p:cBhvr>
-                                    </p:animEffect>
-                                  </p:childTnLst>
-                                </p:cTn>
-                              </p:par>
-                            </p:childTnLst>
-                          </p:cTn>
-                        </p:par>
-                      </p:childTnLst>
-                    </p:cTn>
-                  </p:par>
-                </p:childTnLst>
-              </p:cTn>
-              <p:prevCondLst>
-                <p:cond evt="onPrev" delay="0">
-                  <p:tgtEl>
-                    <p:sldTgt/>
-                  </p:tgtEl>
-                </p:cond>
-              </p:prevCondLst>
-              <p:nextCondLst>
-                <p:cond evt="onNext" delay="0">
-                  <p:tgtEl>
-                    <p:sldTgt/>
-                  </p:tgtEl>
-                </p:cond>
-              </p:nextCondLst>
-            </p:seq>
-          </p:childTnLst>
-        </p:cTn>
-      </p:par>
-    </p:tnLst>
-    <p:bldLst>
-      <p:bldP spid="3" grpId="0" build="p"/>
-    </p:bldLst>
-  </p:timing>
-</p:sld>
-</file>
-
-<file path=ppt/slides/slide11.xml><?xml version="1.0" encoding="utf-8"?>
 <p:sld xmlns:a="http://schemas.openxmlformats.org/drawingml/2006/main" xmlns:r="http://schemas.openxmlformats.org/officeDocument/2006/relationships" xmlns:p="http://schemas.openxmlformats.org/presentationml/2006/main">
   <p:cSld>
     <p:bg>
@@ -37648,10 +36632,9 @@
           <a:lstStyle/>
           <a:p>
             <a:r>
-              <a:rPr lang="en-US" dirty="0" smtClean="0"/>
+              <a:rPr lang="en-US" dirty="0"/>
               <a:t>Button example</a:t>
             </a:r>
-            <a:endParaRPr lang="en-US" dirty="0"/>
           </a:p>
         </p:txBody>
       </p:sp>
@@ -37679,7 +36662,7 @@
               <a:rPr lang="en-US" sz="11500" dirty="0">
                 <a:hlinkClick r:id="rId3"/>
               </a:rPr>
-              <a:t>https://repl.it/repls/ReliableDearDebugger</a:t>
+              <a:t>https://replit.com/@HylandOutreach/ButtonExample</a:t>
             </a:r>
             <a:endParaRPr lang="en-US" sz="16600" dirty="0"/>
           </a:p>
@@ -37698,13 +36681,67 @@
   <p:transition>
     <p:fade/>
   </p:transition>
-  <p:timing>
-    <p:tnLst>
-      <p:par>
-        <p:cTn id="1" dur="indefinite" restart="never" nodeType="tmRoot"/>
-      </p:par>
-    </p:tnLst>
-  </p:timing>
+</p:sld>
+</file>
+
+<file path=ppt/slides/slide11.xml><?xml version="1.0" encoding="utf-8"?>
+<p:sld xmlns:a="http://schemas.openxmlformats.org/drawingml/2006/main" xmlns:r="http://schemas.openxmlformats.org/officeDocument/2006/relationships" xmlns:p="http://schemas.openxmlformats.org/presentationml/2006/main">
+  <p:cSld>
+    <p:spTree>
+      <p:nvGrpSpPr>
+        <p:cNvPr id="1" name=""/>
+        <p:cNvGrpSpPr/>
+        <p:nvPr/>
+      </p:nvGrpSpPr>
+      <p:grpSpPr>
+        <a:xfrm>
+          <a:off x="0" y="0"/>
+          <a:ext cx="0" cy="0"/>
+          <a:chOff x="0" y="0"/>
+          <a:chExt cx="0" cy="0"/>
+        </a:xfrm>
+      </p:grpSpPr>
+      <p:sp>
+        <p:nvSpPr>
+          <p:cNvPr id="2" name="Text Placeholder 1">
+            <a:extLst>
+              <a:ext uri="{FF2B5EF4-FFF2-40B4-BE49-F238E27FC236}">
+                <a16:creationId xmlns:a16="http://schemas.microsoft.com/office/drawing/2014/main" id="{628E08D6-2404-4D03-BF52-69A2898BBB30}"/>
+              </a:ext>
+            </a:extLst>
+          </p:cNvPr>
+          <p:cNvSpPr>
+            <a:spLocks noGrp="1"/>
+          </p:cNvSpPr>
+          <p:nvPr>
+            <p:ph type="body" sz="quarter" idx="10"/>
+          </p:nvPr>
+        </p:nvSpPr>
+        <p:spPr/>
+        <p:txBody>
+          <a:bodyPr/>
+          <a:lstStyle/>
+          <a:p>
+            <a:r>
+              <a:rPr lang="en-US" dirty="0"/>
+              <a:t>Questions?</a:t>
+            </a:r>
+          </a:p>
+        </p:txBody>
+      </p:sp>
+    </p:spTree>
+    <p:extLst>
+      <p:ext uri="{BB962C8B-B14F-4D97-AF65-F5344CB8AC3E}">
+        <p14:creationId xmlns:p14="http://schemas.microsoft.com/office/powerpoint/2010/main" val="2496860735"/>
+      </p:ext>
+    </p:extLst>
+  </p:cSld>
+  <p:clrMapOvr>
+    <a:masterClrMapping/>
+  </p:clrMapOvr>
+  <p:transition>
+    <p:fade/>
+  </p:transition>
 </p:sld>
 </file>
 
@@ -37740,1046 +36777,11 @@
           <a:bodyPr/>
           <a:lstStyle/>
           <a:p>
-            <a:r>
-              <a:rPr lang="en-US" dirty="0" smtClean="0"/>
-              <a:t>Why create separate </a:t>
-            </a:r>
-            <a:r>
-              <a:rPr lang="en-US" sz="4000" cap="none" dirty="0" smtClean="0">
-                <a:solidFill>
-                  <a:schemeClr val="accent1">
-                    <a:lumMod val="40000"/>
-                    <a:lumOff val="60000"/>
-                  </a:schemeClr>
-                </a:solidFill>
-                <a:latin typeface="Consolas" panose="020B0609020204030204" pitchFamily="49" charset="0"/>
-              </a:rPr>
-              <a:t>.</a:t>
-            </a:r>
-            <a:r>
-              <a:rPr lang="en-US" sz="4000" cap="none" dirty="0" err="1" smtClean="0">
-                <a:solidFill>
-                  <a:schemeClr val="accent1">
-                    <a:lumMod val="40000"/>
-                    <a:lumOff val="60000"/>
-                  </a:schemeClr>
-                </a:solidFill>
-                <a:latin typeface="Consolas" panose="020B0609020204030204" pitchFamily="49" charset="0"/>
-              </a:rPr>
-              <a:t>js</a:t>
-            </a:r>
-            <a:r>
-              <a:rPr lang="en-US" sz="4000" cap="none" dirty="0" smtClean="0">
-                <a:solidFill>
-                  <a:schemeClr val="accent1">
-                    <a:lumMod val="40000"/>
-                    <a:lumOff val="60000"/>
-                  </a:schemeClr>
-                </a:solidFill>
-                <a:latin typeface="Consolas" panose="020B0609020204030204" pitchFamily="49" charset="0"/>
-              </a:rPr>
-              <a:t> </a:t>
-            </a:r>
-            <a:r>
-              <a:rPr lang="en-US" dirty="0" smtClean="0"/>
-              <a:t>files?</a:t>
-            </a:r>
-            <a:endParaRPr lang="en-US" dirty="0"/>
-          </a:p>
-        </p:txBody>
-      </p:sp>
-      <p:sp>
-        <p:nvSpPr>
-          <p:cNvPr id="3" name="Content Placeholder 2"/>
-          <p:cNvSpPr>
-            <a:spLocks noGrp="1"/>
-          </p:cNvSpPr>
-          <p:nvPr>
-            <p:ph idx="1"/>
-          </p:nvPr>
-        </p:nvSpPr>
-        <p:spPr/>
-        <p:txBody>
-          <a:bodyPr>
-            <a:normAutofit/>
-          </a:bodyPr>
-          <a:lstStyle/>
-          <a:p>
-            <a:endParaRPr lang="en-US" sz="3600" dirty="0" smtClean="0"/>
-          </a:p>
-          <a:p>
-            <a:r>
-              <a:rPr lang="en-US" sz="3600" dirty="0" smtClean="0"/>
-              <a:t>Separate the structure of a webpage from the logic</a:t>
-            </a:r>
-          </a:p>
-          <a:p>
-            <a:endParaRPr lang="en-US" sz="3600" dirty="0"/>
-          </a:p>
-          <a:p>
-            <a:r>
-              <a:rPr lang="en-US" sz="3600" dirty="0" smtClean="0"/>
-              <a:t>Keep files shorter and easier to read</a:t>
-            </a:r>
-          </a:p>
-          <a:p>
-            <a:endParaRPr lang="en-US" sz="3600" dirty="0"/>
-          </a:p>
-          <a:p>
-            <a:r>
-              <a:rPr lang="en-US" sz="3600" dirty="0" smtClean="0"/>
-              <a:t>Make the code more maintainable</a:t>
-            </a:r>
-            <a:endParaRPr lang="en-US" sz="3600" dirty="0"/>
-          </a:p>
-        </p:txBody>
-      </p:sp>
-    </p:spTree>
-    <p:extLst>
-      <p:ext uri="{BB962C8B-B14F-4D97-AF65-F5344CB8AC3E}">
-        <p14:creationId xmlns:p14="http://schemas.microsoft.com/office/powerpoint/2010/main" val="893150313"/>
-      </p:ext>
-    </p:extLst>
-  </p:cSld>
-  <p:clrMapOvr>
-    <a:masterClrMapping/>
-  </p:clrMapOvr>
-  <p:transition>
-    <p:fade/>
-  </p:transition>
-  <p:timing>
-    <p:tnLst>
-      <p:par>
-        <p:cTn id="1" dur="indefinite" restart="never" nodeType="tmRoot">
-          <p:childTnLst>
-            <p:seq concurrent="1" nextAc="seek">
-              <p:cTn id="2" dur="indefinite" nodeType="mainSeq">
-                <p:childTnLst>
-                  <p:par>
-                    <p:cTn id="3" fill="hold">
-                      <p:stCondLst>
-                        <p:cond delay="indefinite"/>
-                      </p:stCondLst>
-                      <p:childTnLst>
-                        <p:par>
-                          <p:cTn id="4" fill="hold">
-                            <p:stCondLst>
-                              <p:cond delay="0"/>
-                            </p:stCondLst>
-                            <p:childTnLst>
-                              <p:par>
-                                <p:cTn id="5" presetID="10" presetClass="entr" presetSubtype="0" fill="hold" grpId="0" nodeType="clickEffect">
-                                  <p:stCondLst>
-                                    <p:cond delay="0"/>
-                                  </p:stCondLst>
-                                  <p:childTnLst>
-                                    <p:set>
-                                      <p:cBhvr>
-                                        <p:cTn id="6" dur="1" fill="hold">
-                                          <p:stCondLst>
-                                            <p:cond delay="0"/>
-                                          </p:stCondLst>
-                                        </p:cTn>
-                                        <p:tgtEl>
-                                          <p:spTgt spid="3">
-                                            <p:txEl>
-                                              <p:pRg st="1" end="1"/>
-                                            </p:txEl>
-                                          </p:spTgt>
-                                        </p:tgtEl>
-                                        <p:attrNameLst>
-                                          <p:attrName>style.visibility</p:attrName>
-                                        </p:attrNameLst>
-                                      </p:cBhvr>
-                                      <p:to>
-                                        <p:strVal val="visible"/>
-                                      </p:to>
-                                    </p:set>
-                                    <p:animEffect transition="in" filter="fade">
-                                      <p:cBhvr>
-                                        <p:cTn id="7" dur="500"/>
-                                        <p:tgtEl>
-                                          <p:spTgt spid="3">
-                                            <p:txEl>
-                                              <p:pRg st="1" end="1"/>
-                                            </p:txEl>
-                                          </p:spTgt>
-                                        </p:tgtEl>
-                                      </p:cBhvr>
-                                    </p:animEffect>
-                                  </p:childTnLst>
-                                </p:cTn>
-                              </p:par>
-                            </p:childTnLst>
-                          </p:cTn>
-                        </p:par>
-                      </p:childTnLst>
-                    </p:cTn>
-                  </p:par>
-                  <p:par>
-                    <p:cTn id="8" fill="hold">
-                      <p:stCondLst>
-                        <p:cond delay="indefinite"/>
-                      </p:stCondLst>
-                      <p:childTnLst>
-                        <p:par>
-                          <p:cTn id="9" fill="hold">
-                            <p:stCondLst>
-                              <p:cond delay="0"/>
-                            </p:stCondLst>
-                            <p:childTnLst>
-                              <p:par>
-                                <p:cTn id="10" presetID="10" presetClass="entr" presetSubtype="0" fill="hold" grpId="0" nodeType="clickEffect">
-                                  <p:stCondLst>
-                                    <p:cond delay="0"/>
-                                  </p:stCondLst>
-                                  <p:childTnLst>
-                                    <p:set>
-                                      <p:cBhvr>
-                                        <p:cTn id="11" dur="1" fill="hold">
-                                          <p:stCondLst>
-                                            <p:cond delay="0"/>
-                                          </p:stCondLst>
-                                        </p:cTn>
-                                        <p:tgtEl>
-                                          <p:spTgt spid="3">
-                                            <p:txEl>
-                                              <p:pRg st="3" end="3"/>
-                                            </p:txEl>
-                                          </p:spTgt>
-                                        </p:tgtEl>
-                                        <p:attrNameLst>
-                                          <p:attrName>style.visibility</p:attrName>
-                                        </p:attrNameLst>
-                                      </p:cBhvr>
-                                      <p:to>
-                                        <p:strVal val="visible"/>
-                                      </p:to>
-                                    </p:set>
-                                    <p:animEffect transition="in" filter="fade">
-                                      <p:cBhvr>
-                                        <p:cTn id="12" dur="500"/>
-                                        <p:tgtEl>
-                                          <p:spTgt spid="3">
-                                            <p:txEl>
-                                              <p:pRg st="3" end="3"/>
-                                            </p:txEl>
-                                          </p:spTgt>
-                                        </p:tgtEl>
-                                      </p:cBhvr>
-                                    </p:animEffect>
-                                  </p:childTnLst>
-                                </p:cTn>
-                              </p:par>
-                            </p:childTnLst>
-                          </p:cTn>
-                        </p:par>
-                      </p:childTnLst>
-                    </p:cTn>
-                  </p:par>
-                  <p:par>
-                    <p:cTn id="13" fill="hold">
-                      <p:stCondLst>
-                        <p:cond delay="indefinite"/>
-                      </p:stCondLst>
-                      <p:childTnLst>
-                        <p:par>
-                          <p:cTn id="14" fill="hold">
-                            <p:stCondLst>
-                              <p:cond delay="0"/>
-                            </p:stCondLst>
-                            <p:childTnLst>
-                              <p:par>
-                                <p:cTn id="15" presetID="10" presetClass="entr" presetSubtype="0" fill="hold" grpId="0" nodeType="clickEffect">
-                                  <p:stCondLst>
-                                    <p:cond delay="0"/>
-                                  </p:stCondLst>
-                                  <p:childTnLst>
-                                    <p:set>
-                                      <p:cBhvr>
-                                        <p:cTn id="16" dur="1" fill="hold">
-                                          <p:stCondLst>
-                                            <p:cond delay="0"/>
-                                          </p:stCondLst>
-                                        </p:cTn>
-                                        <p:tgtEl>
-                                          <p:spTgt spid="3">
-                                            <p:txEl>
-                                              <p:pRg st="5" end="5"/>
-                                            </p:txEl>
-                                          </p:spTgt>
-                                        </p:tgtEl>
-                                        <p:attrNameLst>
-                                          <p:attrName>style.visibility</p:attrName>
-                                        </p:attrNameLst>
-                                      </p:cBhvr>
-                                      <p:to>
-                                        <p:strVal val="visible"/>
-                                      </p:to>
-                                    </p:set>
-                                    <p:animEffect transition="in" filter="fade">
-                                      <p:cBhvr>
-                                        <p:cTn id="17" dur="500"/>
-                                        <p:tgtEl>
-                                          <p:spTgt spid="3">
-                                            <p:txEl>
-                                              <p:pRg st="5" end="5"/>
-                                            </p:txEl>
-                                          </p:spTgt>
-                                        </p:tgtEl>
-                                      </p:cBhvr>
-                                    </p:animEffect>
-                                  </p:childTnLst>
-                                </p:cTn>
-                              </p:par>
-                            </p:childTnLst>
-                          </p:cTn>
-                        </p:par>
-                      </p:childTnLst>
-                    </p:cTn>
-                  </p:par>
-                </p:childTnLst>
-              </p:cTn>
-              <p:prevCondLst>
-                <p:cond evt="onPrev" delay="0">
-                  <p:tgtEl>
-                    <p:sldTgt/>
-                  </p:tgtEl>
-                </p:cond>
-              </p:prevCondLst>
-              <p:nextCondLst>
-                <p:cond evt="onNext" delay="0">
-                  <p:tgtEl>
-                    <p:sldTgt/>
-                  </p:tgtEl>
-                </p:cond>
-              </p:nextCondLst>
-            </p:seq>
-          </p:childTnLst>
-        </p:cTn>
-      </p:par>
-    </p:tnLst>
-    <p:bldLst>
-      <p:bldP spid="3" grpId="0" build="p"/>
-    </p:bldLst>
-  </p:timing>
-</p:sld>
-</file>
-
-<file path=ppt/slides/slide3.xml><?xml version="1.0" encoding="utf-8"?>
-<p:sld xmlns:a="http://schemas.openxmlformats.org/drawingml/2006/main" xmlns:r="http://schemas.openxmlformats.org/officeDocument/2006/relationships" xmlns:p="http://schemas.openxmlformats.org/presentationml/2006/main">
-  <p:cSld>
-    <p:spTree>
-      <p:nvGrpSpPr>
-        <p:cNvPr id="1" name=""/>
-        <p:cNvGrpSpPr/>
-        <p:nvPr/>
-      </p:nvGrpSpPr>
-      <p:grpSpPr>
-        <a:xfrm>
-          <a:off x="0" y="0"/>
-          <a:ext cx="0" cy="0"/>
-          <a:chOff x="0" y="0"/>
-          <a:chExt cx="0" cy="0"/>
-        </a:xfrm>
-      </p:grpSpPr>
-      <p:sp>
-        <p:nvSpPr>
-          <p:cNvPr id="2" name="Title 1"/>
-          <p:cNvSpPr>
-            <a:spLocks noGrp="1"/>
-          </p:cNvSpPr>
-          <p:nvPr>
-            <p:ph type="title"/>
-          </p:nvPr>
-        </p:nvSpPr>
-        <p:spPr/>
-        <p:txBody>
-          <a:bodyPr/>
-          <a:lstStyle/>
-          <a:p>
-            <a:r>
-              <a:rPr lang="en-US" dirty="0" smtClean="0"/>
-              <a:t>How to include a </a:t>
-            </a:r>
-            <a:r>
-              <a:rPr lang="en-US" dirty="0" err="1" smtClean="0"/>
-              <a:t>js</a:t>
-            </a:r>
-            <a:r>
-              <a:rPr lang="en-US" dirty="0" smtClean="0"/>
-              <a:t> file in html</a:t>
-            </a:r>
-            <a:endParaRPr lang="en-US" dirty="0"/>
-          </a:p>
-        </p:txBody>
-      </p:sp>
-      <p:sp>
-        <p:nvSpPr>
-          <p:cNvPr id="3" name="Content Placeholder 2"/>
-          <p:cNvSpPr>
-            <a:spLocks noGrp="1"/>
-          </p:cNvSpPr>
-          <p:nvPr>
-            <p:ph idx="1"/>
-          </p:nvPr>
-        </p:nvSpPr>
-        <p:spPr/>
-        <p:txBody>
-          <a:bodyPr>
-            <a:normAutofit/>
-          </a:bodyPr>
-          <a:lstStyle/>
-          <a:p>
-            <a:pPr marL="0" indent="0">
-              <a:buNone/>
-            </a:pPr>
-            <a:r>
-              <a:rPr lang="en-US" sz="4800" dirty="0">
-                <a:solidFill>
-                  <a:srgbClr val="800000"/>
-                </a:solidFill>
-                <a:latin typeface="Consolas" panose="020B0609020204030204" pitchFamily="49" charset="0"/>
-              </a:rPr>
-              <a:t>&lt;script</a:t>
-            </a:r>
-            <a:r>
-              <a:rPr lang="en-US" sz="4800" dirty="0">
-                <a:solidFill>
-                  <a:srgbClr val="000000"/>
-                </a:solidFill>
-                <a:latin typeface="Consolas" panose="020B0609020204030204" pitchFamily="49" charset="0"/>
-              </a:rPr>
-              <a:t> </a:t>
-            </a:r>
-            <a:r>
-              <a:rPr lang="en-US" sz="4800" dirty="0" err="1">
-                <a:solidFill>
-                  <a:srgbClr val="FF0000"/>
-                </a:solidFill>
-                <a:latin typeface="Consolas" panose="020B0609020204030204" pitchFamily="49" charset="0"/>
-              </a:rPr>
-              <a:t>src</a:t>
-            </a:r>
-            <a:r>
-              <a:rPr lang="en-US" sz="4800" dirty="0" smtClean="0">
-                <a:solidFill>
-                  <a:srgbClr val="000000"/>
-                </a:solidFill>
-                <a:latin typeface="Consolas" panose="020B0609020204030204" pitchFamily="49" charset="0"/>
-              </a:rPr>
-              <a:t>=</a:t>
-            </a:r>
-            <a:r>
-              <a:rPr lang="en-US" sz="4800" dirty="0" smtClean="0">
-                <a:solidFill>
-                  <a:srgbClr val="0000FF"/>
-                </a:solidFill>
-                <a:latin typeface="Consolas" panose="020B0609020204030204" pitchFamily="49" charset="0"/>
-              </a:rPr>
-              <a:t>"Code.js</a:t>
-            </a:r>
-            <a:r>
-              <a:rPr lang="en-US" sz="4800" dirty="0">
-                <a:solidFill>
-                  <a:srgbClr val="0000FF"/>
-                </a:solidFill>
-                <a:latin typeface="Consolas" panose="020B0609020204030204" pitchFamily="49" charset="0"/>
-              </a:rPr>
-              <a:t>"</a:t>
-            </a:r>
-            <a:r>
-              <a:rPr lang="en-US" sz="4800" dirty="0">
-                <a:solidFill>
-                  <a:srgbClr val="800000"/>
-                </a:solidFill>
-                <a:latin typeface="Consolas" panose="020B0609020204030204" pitchFamily="49" charset="0"/>
-              </a:rPr>
-              <a:t>&gt;&lt;/script&gt;</a:t>
-            </a:r>
-          </a:p>
-          <a:p>
-            <a:pPr marL="0" indent="0">
-              <a:buNone/>
-            </a:pPr>
-            <a:endParaRPr lang="en-US" dirty="0">
-              <a:solidFill>
-                <a:srgbClr val="000000"/>
-              </a:solidFill>
-              <a:latin typeface="Consolas" panose="020B0609020204030204" pitchFamily="49" charset="0"/>
-            </a:endParaRPr>
-          </a:p>
-          <a:p>
-            <a:pPr marL="0" indent="0">
-              <a:buNone/>
-            </a:pPr>
-            <a:endParaRPr lang="en-US" dirty="0">
-              <a:solidFill>
-                <a:srgbClr val="000000"/>
-              </a:solidFill>
-              <a:latin typeface="Consolas" panose="020B0609020204030204" pitchFamily="49" charset="0"/>
-            </a:endParaRPr>
-          </a:p>
-          <a:p>
-            <a:r>
-              <a:rPr lang="en-US" sz="4000" dirty="0">
-                <a:solidFill>
-                  <a:srgbClr val="800000"/>
-                </a:solidFill>
-                <a:latin typeface="Consolas" panose="020B0609020204030204" pitchFamily="49" charset="0"/>
-              </a:rPr>
-              <a:t>&lt;script&gt;</a:t>
-            </a:r>
-            <a:r>
-              <a:rPr lang="en-US" sz="4000" dirty="0"/>
-              <a:t> tag</a:t>
-            </a:r>
-          </a:p>
-          <a:p>
-            <a:r>
-              <a:rPr lang="en-US" sz="4000" dirty="0" err="1">
-                <a:solidFill>
-                  <a:srgbClr val="FF0000"/>
-                </a:solidFill>
-                <a:latin typeface="Consolas" panose="020B0609020204030204" pitchFamily="49" charset="0"/>
-              </a:rPr>
-              <a:t>src</a:t>
-            </a:r>
-            <a:r>
-              <a:rPr lang="en-US" sz="4000" dirty="0"/>
-              <a:t> attribute</a:t>
-            </a:r>
-          </a:p>
-          <a:p>
-            <a:r>
-              <a:rPr lang="en-US" sz="4000" dirty="0" smtClean="0">
-                <a:solidFill>
-                  <a:srgbClr val="0000FF"/>
-                </a:solidFill>
-                <a:latin typeface="Consolas" panose="020B0609020204030204" pitchFamily="49" charset="0"/>
-              </a:rPr>
-              <a:t>Code.js</a:t>
-            </a:r>
-            <a:r>
-              <a:rPr lang="en-US" sz="4000" dirty="0" smtClean="0"/>
-              <a:t> filename</a:t>
-            </a:r>
-          </a:p>
-          <a:p>
-            <a:pPr lvl="1"/>
-            <a:r>
-              <a:rPr lang="en-US" sz="3600" b="1" dirty="0" smtClean="0"/>
-              <a:t>Code.js</a:t>
-            </a:r>
-            <a:r>
-              <a:rPr lang="en-US" sz="3600" dirty="0" smtClean="0"/>
-              <a:t> must be a file containing JS code! </a:t>
-            </a:r>
-            <a:endParaRPr lang="en-US" sz="3600" dirty="0"/>
-          </a:p>
-          <a:p>
-            <a:pPr marL="57150" indent="0">
-              <a:buNone/>
-            </a:pPr>
-            <a:endParaRPr lang="en-US" dirty="0"/>
-          </a:p>
-        </p:txBody>
-      </p:sp>
-    </p:spTree>
-    <p:extLst>
-      <p:ext uri="{BB962C8B-B14F-4D97-AF65-F5344CB8AC3E}">
-        <p14:creationId xmlns:p14="http://schemas.microsoft.com/office/powerpoint/2010/main" val="4225860685"/>
-      </p:ext>
-    </p:extLst>
-  </p:cSld>
-  <p:clrMapOvr>
-    <a:masterClrMapping/>
-  </p:clrMapOvr>
-  <p:transition>
-    <p:fade/>
-  </p:transition>
-  <p:timing>
-    <p:tnLst>
-      <p:par>
-        <p:cTn id="1" dur="indefinite" restart="never" nodeType="tmRoot">
-          <p:childTnLst>
-            <p:seq concurrent="1" nextAc="seek">
-              <p:cTn id="2" dur="indefinite" nodeType="mainSeq">
-                <p:childTnLst>
-                  <p:par>
-                    <p:cTn id="3" fill="hold">
-                      <p:stCondLst>
-                        <p:cond delay="indefinite"/>
-                      </p:stCondLst>
-                      <p:childTnLst>
-                        <p:par>
-                          <p:cTn id="4" fill="hold">
-                            <p:stCondLst>
-                              <p:cond delay="0"/>
-                            </p:stCondLst>
-                            <p:childTnLst>
-                              <p:par>
-                                <p:cTn id="5" presetID="10" presetClass="entr" presetSubtype="0" fill="hold" grpId="0" nodeType="clickEffect">
-                                  <p:stCondLst>
-                                    <p:cond delay="0"/>
-                                  </p:stCondLst>
-                                  <p:childTnLst>
-                                    <p:set>
-                                      <p:cBhvr>
-                                        <p:cTn id="6" dur="1" fill="hold">
-                                          <p:stCondLst>
-                                            <p:cond delay="0"/>
-                                          </p:stCondLst>
-                                        </p:cTn>
-                                        <p:tgtEl>
-                                          <p:spTgt spid="3">
-                                            <p:txEl>
-                                              <p:pRg st="0" end="0"/>
-                                            </p:txEl>
-                                          </p:spTgt>
-                                        </p:tgtEl>
-                                        <p:attrNameLst>
-                                          <p:attrName>style.visibility</p:attrName>
-                                        </p:attrNameLst>
-                                      </p:cBhvr>
-                                      <p:to>
-                                        <p:strVal val="visible"/>
-                                      </p:to>
-                                    </p:set>
-                                    <p:animEffect transition="in" filter="fade">
-                                      <p:cBhvr>
-                                        <p:cTn id="7" dur="500"/>
-                                        <p:tgtEl>
-                                          <p:spTgt spid="3">
-                                            <p:txEl>
-                                              <p:pRg st="0" end="0"/>
-                                            </p:txEl>
-                                          </p:spTgt>
-                                        </p:tgtEl>
-                                      </p:cBhvr>
-                                    </p:animEffect>
-                                  </p:childTnLst>
-                                </p:cTn>
-                              </p:par>
-                            </p:childTnLst>
-                          </p:cTn>
-                        </p:par>
-                      </p:childTnLst>
-                    </p:cTn>
-                  </p:par>
-                  <p:par>
-                    <p:cTn id="8" fill="hold">
-                      <p:stCondLst>
-                        <p:cond delay="indefinite"/>
-                      </p:stCondLst>
-                      <p:childTnLst>
-                        <p:par>
-                          <p:cTn id="9" fill="hold">
-                            <p:stCondLst>
-                              <p:cond delay="0"/>
-                            </p:stCondLst>
-                            <p:childTnLst>
-                              <p:par>
-                                <p:cTn id="10" presetID="10" presetClass="entr" presetSubtype="0" fill="hold" grpId="0" nodeType="clickEffect">
-                                  <p:stCondLst>
-                                    <p:cond delay="0"/>
-                                  </p:stCondLst>
-                                  <p:childTnLst>
-                                    <p:set>
-                                      <p:cBhvr>
-                                        <p:cTn id="11" dur="1" fill="hold">
-                                          <p:stCondLst>
-                                            <p:cond delay="0"/>
-                                          </p:stCondLst>
-                                        </p:cTn>
-                                        <p:tgtEl>
-                                          <p:spTgt spid="3">
-                                            <p:txEl>
-                                              <p:pRg st="3" end="3"/>
-                                            </p:txEl>
-                                          </p:spTgt>
-                                        </p:tgtEl>
-                                        <p:attrNameLst>
-                                          <p:attrName>style.visibility</p:attrName>
-                                        </p:attrNameLst>
-                                      </p:cBhvr>
-                                      <p:to>
-                                        <p:strVal val="visible"/>
-                                      </p:to>
-                                    </p:set>
-                                    <p:animEffect transition="in" filter="fade">
-                                      <p:cBhvr>
-                                        <p:cTn id="12" dur="500"/>
-                                        <p:tgtEl>
-                                          <p:spTgt spid="3">
-                                            <p:txEl>
-                                              <p:pRg st="3" end="3"/>
-                                            </p:txEl>
-                                          </p:spTgt>
-                                        </p:tgtEl>
-                                      </p:cBhvr>
-                                    </p:animEffect>
-                                  </p:childTnLst>
-                                </p:cTn>
-                              </p:par>
-                            </p:childTnLst>
-                          </p:cTn>
-                        </p:par>
-                      </p:childTnLst>
-                    </p:cTn>
-                  </p:par>
-                  <p:par>
-                    <p:cTn id="13" fill="hold">
-                      <p:stCondLst>
-                        <p:cond delay="indefinite"/>
-                      </p:stCondLst>
-                      <p:childTnLst>
-                        <p:par>
-                          <p:cTn id="14" fill="hold">
-                            <p:stCondLst>
-                              <p:cond delay="0"/>
-                            </p:stCondLst>
-                            <p:childTnLst>
-                              <p:par>
-                                <p:cTn id="15" presetID="10" presetClass="entr" presetSubtype="0" fill="hold" grpId="0" nodeType="clickEffect">
-                                  <p:stCondLst>
-                                    <p:cond delay="0"/>
-                                  </p:stCondLst>
-                                  <p:childTnLst>
-                                    <p:set>
-                                      <p:cBhvr>
-                                        <p:cTn id="16" dur="1" fill="hold">
-                                          <p:stCondLst>
-                                            <p:cond delay="0"/>
-                                          </p:stCondLst>
-                                        </p:cTn>
-                                        <p:tgtEl>
-                                          <p:spTgt spid="3">
-                                            <p:txEl>
-                                              <p:pRg st="4" end="4"/>
-                                            </p:txEl>
-                                          </p:spTgt>
-                                        </p:tgtEl>
-                                        <p:attrNameLst>
-                                          <p:attrName>style.visibility</p:attrName>
-                                        </p:attrNameLst>
-                                      </p:cBhvr>
-                                      <p:to>
-                                        <p:strVal val="visible"/>
-                                      </p:to>
-                                    </p:set>
-                                    <p:animEffect transition="in" filter="fade">
-                                      <p:cBhvr>
-                                        <p:cTn id="17" dur="500"/>
-                                        <p:tgtEl>
-                                          <p:spTgt spid="3">
-                                            <p:txEl>
-                                              <p:pRg st="4" end="4"/>
-                                            </p:txEl>
-                                          </p:spTgt>
-                                        </p:tgtEl>
-                                      </p:cBhvr>
-                                    </p:animEffect>
-                                  </p:childTnLst>
-                                </p:cTn>
-                              </p:par>
-                            </p:childTnLst>
-                          </p:cTn>
-                        </p:par>
-                      </p:childTnLst>
-                    </p:cTn>
-                  </p:par>
-                  <p:par>
-                    <p:cTn id="18" fill="hold">
-                      <p:stCondLst>
-                        <p:cond delay="indefinite"/>
-                      </p:stCondLst>
-                      <p:childTnLst>
-                        <p:par>
-                          <p:cTn id="19" fill="hold">
-                            <p:stCondLst>
-                              <p:cond delay="0"/>
-                            </p:stCondLst>
-                            <p:childTnLst>
-                              <p:par>
-                                <p:cTn id="20" presetID="10" presetClass="entr" presetSubtype="0" fill="hold" grpId="0" nodeType="clickEffect">
-                                  <p:stCondLst>
-                                    <p:cond delay="0"/>
-                                  </p:stCondLst>
-                                  <p:childTnLst>
-                                    <p:set>
-                                      <p:cBhvr>
-                                        <p:cTn id="21" dur="1" fill="hold">
-                                          <p:stCondLst>
-                                            <p:cond delay="0"/>
-                                          </p:stCondLst>
-                                        </p:cTn>
-                                        <p:tgtEl>
-                                          <p:spTgt spid="3">
-                                            <p:txEl>
-                                              <p:pRg st="5" end="5"/>
-                                            </p:txEl>
-                                          </p:spTgt>
-                                        </p:tgtEl>
-                                        <p:attrNameLst>
-                                          <p:attrName>style.visibility</p:attrName>
-                                        </p:attrNameLst>
-                                      </p:cBhvr>
-                                      <p:to>
-                                        <p:strVal val="visible"/>
-                                      </p:to>
-                                    </p:set>
-                                    <p:animEffect transition="in" filter="fade">
-                                      <p:cBhvr>
-                                        <p:cTn id="22" dur="500"/>
-                                        <p:tgtEl>
-                                          <p:spTgt spid="3">
-                                            <p:txEl>
-                                              <p:pRg st="5" end="5"/>
-                                            </p:txEl>
-                                          </p:spTgt>
-                                        </p:tgtEl>
-                                      </p:cBhvr>
-                                    </p:animEffect>
-                                  </p:childTnLst>
-                                </p:cTn>
-                              </p:par>
-                            </p:childTnLst>
-                          </p:cTn>
-                        </p:par>
-                      </p:childTnLst>
-                    </p:cTn>
-                  </p:par>
-                  <p:par>
-                    <p:cTn id="23" fill="hold">
-                      <p:stCondLst>
-                        <p:cond delay="indefinite"/>
-                      </p:stCondLst>
-                      <p:childTnLst>
-                        <p:par>
-                          <p:cTn id="24" fill="hold">
-                            <p:stCondLst>
-                              <p:cond delay="0"/>
-                            </p:stCondLst>
-                            <p:childTnLst>
-                              <p:par>
-                                <p:cTn id="25" presetID="10" presetClass="entr" presetSubtype="0" fill="hold" grpId="0" nodeType="clickEffect">
-                                  <p:stCondLst>
-                                    <p:cond delay="0"/>
-                                  </p:stCondLst>
-                                  <p:childTnLst>
-                                    <p:set>
-                                      <p:cBhvr>
-                                        <p:cTn id="26" dur="1" fill="hold">
-                                          <p:stCondLst>
-                                            <p:cond delay="0"/>
-                                          </p:stCondLst>
-                                        </p:cTn>
-                                        <p:tgtEl>
-                                          <p:spTgt spid="3">
-                                            <p:txEl>
-                                              <p:pRg st="6" end="6"/>
-                                            </p:txEl>
-                                          </p:spTgt>
-                                        </p:tgtEl>
-                                        <p:attrNameLst>
-                                          <p:attrName>style.visibility</p:attrName>
-                                        </p:attrNameLst>
-                                      </p:cBhvr>
-                                      <p:to>
-                                        <p:strVal val="visible"/>
-                                      </p:to>
-                                    </p:set>
-                                    <p:animEffect transition="in" filter="fade">
-                                      <p:cBhvr>
-                                        <p:cTn id="27" dur="500"/>
-                                        <p:tgtEl>
-                                          <p:spTgt spid="3">
-                                            <p:txEl>
-                                              <p:pRg st="6" end="6"/>
-                                            </p:txEl>
-                                          </p:spTgt>
-                                        </p:tgtEl>
-                                      </p:cBhvr>
-                                    </p:animEffect>
-                                  </p:childTnLst>
-                                </p:cTn>
-                              </p:par>
-                            </p:childTnLst>
-                          </p:cTn>
-                        </p:par>
-                      </p:childTnLst>
-                    </p:cTn>
-                  </p:par>
-                </p:childTnLst>
-              </p:cTn>
-              <p:prevCondLst>
-                <p:cond evt="onPrev" delay="0">
-                  <p:tgtEl>
-                    <p:sldTgt/>
-                  </p:tgtEl>
-                </p:cond>
-              </p:prevCondLst>
-              <p:nextCondLst>
-                <p:cond evt="onNext" delay="0">
-                  <p:tgtEl>
-                    <p:sldTgt/>
-                  </p:tgtEl>
-                </p:cond>
-              </p:nextCondLst>
-            </p:seq>
-          </p:childTnLst>
-        </p:cTn>
-      </p:par>
-    </p:tnLst>
-    <p:bldLst>
-      <p:bldP spid="3" grpId="0" uiExpand="1" build="p"/>
-    </p:bldLst>
-  </p:timing>
-</p:sld>
-</file>
-
-<file path=ppt/slides/slide4.xml><?xml version="1.0" encoding="utf-8"?>
-<p:sld xmlns:a="http://schemas.openxmlformats.org/drawingml/2006/main" xmlns:r="http://schemas.openxmlformats.org/officeDocument/2006/relationships" xmlns:p="http://schemas.openxmlformats.org/presentationml/2006/main">
-  <p:cSld>
-    <p:bg>
-      <p:bgPr>
-        <a:solidFill>
-          <a:schemeClr val="tx1">
-            <a:lumMod val="50000"/>
-          </a:schemeClr>
-        </a:solidFill>
-        <a:effectLst/>
-      </p:bgPr>
-    </p:bg>
-    <p:spTree>
-      <p:nvGrpSpPr>
-        <p:cNvPr id="1" name=""/>
-        <p:cNvGrpSpPr/>
-        <p:nvPr/>
-      </p:nvGrpSpPr>
-      <p:grpSpPr>
-        <a:xfrm>
-          <a:off x="0" y="0"/>
-          <a:ext cx="0" cy="0"/>
-          <a:chOff x="0" y="0"/>
-          <a:chExt cx="0" cy="0"/>
-        </a:xfrm>
-      </p:grpSpPr>
-      <p:sp>
-        <p:nvSpPr>
-          <p:cNvPr id="2" name="Title 1"/>
-          <p:cNvSpPr>
-            <a:spLocks noGrp="1"/>
-          </p:cNvSpPr>
-          <p:nvPr>
-            <p:ph type="title"/>
-          </p:nvPr>
-        </p:nvSpPr>
-        <p:spPr/>
-        <p:txBody>
-          <a:bodyPr/>
-          <a:lstStyle/>
-          <a:p>
-            <a:r>
-              <a:rPr lang="en-US" dirty="0" smtClean="0"/>
-              <a:t>Separate JS file example</a:t>
-            </a:r>
-            <a:endParaRPr lang="en-US" dirty="0"/>
-          </a:p>
-        </p:txBody>
-      </p:sp>
-      <p:sp>
-        <p:nvSpPr>
-          <p:cNvPr id="3" name="Content Placeholder 2"/>
-          <p:cNvSpPr>
-            <a:spLocks noGrp="1"/>
-          </p:cNvSpPr>
-          <p:nvPr>
-            <p:ph idx="1"/>
-          </p:nvPr>
-        </p:nvSpPr>
-        <p:spPr/>
-        <p:txBody>
-          <a:bodyPr>
-            <a:noAutofit/>
-          </a:bodyPr>
-          <a:lstStyle/>
-          <a:p>
-            <a:pPr marL="57150" indent="0">
-              <a:buNone/>
-            </a:pPr>
-            <a:r>
-              <a:rPr lang="en-US" sz="11500" dirty="0">
-                <a:hlinkClick r:id="rId3"/>
-              </a:rPr>
-              <a:t>https://repl.it/repls/BackLightWebpages</a:t>
-            </a:r>
-            <a:endParaRPr lang="en-US" sz="13800" dirty="0"/>
-          </a:p>
-        </p:txBody>
-      </p:sp>
-    </p:spTree>
-    <p:extLst>
-      <p:ext uri="{BB962C8B-B14F-4D97-AF65-F5344CB8AC3E}">
-        <p14:creationId xmlns:p14="http://schemas.microsoft.com/office/powerpoint/2010/main" val="4149816632"/>
-      </p:ext>
-    </p:extLst>
-  </p:cSld>
-  <p:clrMapOvr>
-    <a:masterClrMapping/>
-  </p:clrMapOvr>
-  <p:transition>
-    <p:fade/>
-  </p:transition>
-  <p:timing>
-    <p:tnLst>
-      <p:par>
-        <p:cTn id="1" dur="indefinite" restart="never" nodeType="tmRoot"/>
-      </p:par>
-    </p:tnLst>
-  </p:timing>
-</p:sld>
-</file>
-
-<file path=ppt/slides/slide5.xml><?xml version="1.0" encoding="utf-8"?>
-<p:sld xmlns:a="http://schemas.openxmlformats.org/drawingml/2006/main" xmlns:r="http://schemas.openxmlformats.org/officeDocument/2006/relationships" xmlns:p="http://schemas.openxmlformats.org/presentationml/2006/main">
-  <p:cSld>
-    <p:spTree>
-      <p:nvGrpSpPr>
-        <p:cNvPr id="1" name=""/>
-        <p:cNvGrpSpPr/>
-        <p:nvPr/>
-      </p:nvGrpSpPr>
-      <p:grpSpPr>
-        <a:xfrm>
-          <a:off x="0" y="0"/>
-          <a:ext cx="0" cy="0"/>
-          <a:chOff x="0" y="0"/>
-          <a:chExt cx="0" cy="0"/>
-        </a:xfrm>
-      </p:grpSpPr>
-      <p:sp>
-        <p:nvSpPr>
-          <p:cNvPr id="2" name="Title 1"/>
-          <p:cNvSpPr>
-            <a:spLocks noGrp="1"/>
-          </p:cNvSpPr>
-          <p:nvPr>
-            <p:ph type="title"/>
-          </p:nvPr>
-        </p:nvSpPr>
-        <p:spPr/>
-        <p:txBody>
-          <a:bodyPr/>
-          <a:lstStyle/>
-          <a:p>
             <a:pPr algn="r"/>
             <a:r>
-              <a:rPr lang="en-US" dirty="0" smtClean="0"/>
+              <a:rPr lang="en-US" dirty="0"/>
               <a:t>Buttons</a:t>
             </a:r>
-            <a:endParaRPr lang="en-US" dirty="0"/>
           </a:p>
         </p:txBody>
       </p:sp>
@@ -38835,17 +36837,10 @@
   <p:transition>
     <p:fade/>
   </p:transition>
-  <p:timing>
-    <p:tnLst>
-      <p:par>
-        <p:cTn id="1" dur="indefinite" restart="never" nodeType="tmRoot"/>
-      </p:par>
-    </p:tnLst>
-  </p:timing>
 </p:sld>
 </file>
 
-<file path=ppt/slides/slide6.xml><?xml version="1.0" encoding="utf-8"?>
+<file path=ppt/slides/slide3.xml><?xml version="1.0" encoding="utf-8"?>
 <p:sld xmlns:a="http://schemas.openxmlformats.org/drawingml/2006/main" xmlns:r="http://schemas.openxmlformats.org/officeDocument/2006/relationships" xmlns:p="http://schemas.openxmlformats.org/presentationml/2006/main">
   <p:cSld>
     <p:spTree>
@@ -38878,10 +36873,9 @@
           <a:lstStyle/>
           <a:p>
             <a:r>
-              <a:rPr lang="en-US" dirty="0" smtClean="0"/>
+              <a:rPr lang="en-US" dirty="0"/>
               <a:t>What can a button do on a webpage?</a:t>
             </a:r>
-            <a:endParaRPr lang="en-US" dirty="0"/>
           </a:p>
         </p:txBody>
       </p:sp>
@@ -38908,7 +36902,7 @@
           <a:lstStyle/>
           <a:p>
             <a:r>
-              <a:rPr lang="en-US" dirty="0" smtClean="0"/>
+              <a:rPr lang="en-US" dirty="0"/>
               <a:t>Buttons can execute JavaScript code when the user clicks them</a:t>
             </a:r>
           </a:p>
@@ -38916,11 +36910,11 @@
             <a:pPr marL="57150" indent="0">
               <a:buNone/>
             </a:pPr>
-            <a:endParaRPr lang="en-US" dirty="0" smtClean="0"/>
+            <a:endParaRPr lang="en-US" dirty="0"/>
           </a:p>
           <a:p>
             <a:r>
-              <a:rPr lang="en-US" dirty="0" smtClean="0"/>
+              <a:rPr lang="en-US" dirty="0"/>
               <a:t>This makes webpages more interactive</a:t>
             </a:r>
           </a:p>
@@ -38929,10 +36923,9 @@
           </a:p>
           <a:p>
             <a:r>
-              <a:rPr lang="en-US" dirty="0" smtClean="0"/>
+              <a:rPr lang="en-US" dirty="0"/>
               <a:t>Instead of running all the JavaScript code when the page loads, it can run whenever the user wants it to run!</a:t>
             </a:r>
-            <a:endParaRPr lang="en-US" dirty="0"/>
           </a:p>
         </p:txBody>
       </p:sp>
@@ -39245,9 +37238,17 @@
 </p:sld>
 </file>
 
-<file path=ppt/slides/slide7.xml><?xml version="1.0" encoding="utf-8"?>
+<file path=ppt/slides/slide4.xml><?xml version="1.0" encoding="utf-8"?>
 <p:sld xmlns:a="http://schemas.openxmlformats.org/drawingml/2006/main" xmlns:r="http://schemas.openxmlformats.org/officeDocument/2006/relationships" xmlns:p="http://schemas.openxmlformats.org/presentationml/2006/main">
   <p:cSld>
+    <p:bg>
+      <p:bgPr>
+        <a:solidFill>
+          <a:srgbClr val="240F33"/>
+        </a:solidFill>
+        <a:effectLst/>
+      </p:bgPr>
+    </p:bg>
     <p:spTree>
       <p:nvGrpSpPr>
         <p:cNvPr id="1" name=""/>
@@ -39278,14 +37279,19 @@
           <a:lstStyle/>
           <a:p>
             <a:r>
-              <a:rPr lang="en-US" dirty="0" smtClean="0"/>
+              <a:rPr lang="en-US" dirty="0">
+                <a:solidFill>
+                  <a:schemeClr val="bg1"/>
+                </a:solidFill>
+              </a:rPr>
               <a:t>How to Add a </a:t>
             </a:r>
             <a:r>
-              <a:rPr lang="en-US" sz="4000" cap="none" dirty="0" smtClean="0">
+              <a:rPr lang="en-US" sz="4000" cap="none" dirty="0">
                 <a:solidFill>
                   <a:schemeClr val="accent1">
-                    <a:lumMod val="50000"/>
+                    <a:lumMod val="60000"/>
+                    <a:lumOff val="40000"/>
                   </a:schemeClr>
                 </a:solidFill>
                 <a:latin typeface="Consolas" panose="020B0609020204030204" pitchFamily="49" charset="0"/>
@@ -39293,10 +37299,13 @@
               <a:t>button</a:t>
             </a:r>
             <a:r>
-              <a:rPr lang="en-US" dirty="0" smtClean="0"/>
+              <a:rPr lang="en-US" dirty="0">
+                <a:solidFill>
+                  <a:schemeClr val="bg1"/>
+                </a:solidFill>
+              </a:rPr>
               <a:t> in html</a:t>
             </a:r>
-            <a:endParaRPr lang="en-US" dirty="0"/>
           </a:p>
         </p:txBody>
       </p:sp>
@@ -39310,18 +37319,26 @@
             <p:ph idx="1"/>
           </p:nvPr>
         </p:nvSpPr>
-        <p:spPr/>
+        <p:spPr>
+          <a:xfrm>
+            <a:off x="381000" y="1143000"/>
+            <a:ext cx="11430000" cy="5257800"/>
+          </a:xfrm>
+          <a:noFill/>
+        </p:spPr>
         <p:txBody>
-          <a:bodyPr/>
+          <a:bodyPr>
+            <a:normAutofit/>
+          </a:bodyPr>
           <a:lstStyle/>
           <a:p>
-            <a:pPr marL="0" indent="0">
+            <a:pPr marL="57150" indent="0" algn="ctr">
               <a:buNone/>
             </a:pPr>
             <a:r>
               <a:rPr lang="en-US" sz="3600" dirty="0">
                 <a:solidFill>
-                  <a:srgbClr val="800000"/>
+                  <a:srgbClr val="46BDFF"/>
                 </a:solidFill>
                 <a:latin typeface="Consolas" panose="020B0609020204030204" pitchFamily="49" charset="0"/>
               </a:rPr>
@@ -39330,16 +37347,16 @@
             <a:r>
               <a:rPr lang="en-US" sz="3600" dirty="0">
                 <a:solidFill>
-                  <a:srgbClr val="000000"/>
+                  <a:srgbClr val="FCFCFC"/>
                 </a:solidFill>
                 <a:latin typeface="Consolas" panose="020B0609020204030204" pitchFamily="49" charset="0"/>
               </a:rPr>
               <a:t> </a:t>
             </a:r>
             <a:r>
-              <a:rPr lang="en-US" sz="3600" dirty="0" err="1">
+              <a:rPr lang="en-US" sz="3600" dirty="0">
                 <a:solidFill>
-                  <a:srgbClr val="FF0000"/>
+                  <a:srgbClr val="96A1FF"/>
                 </a:solidFill>
                 <a:latin typeface="Consolas" panose="020B0609020204030204" pitchFamily="49" charset="0"/>
               </a:rPr>
@@ -39348,7 +37365,7 @@
             <a:r>
               <a:rPr lang="en-US" sz="3600" dirty="0">
                 <a:solidFill>
-                  <a:srgbClr val="000000"/>
+                  <a:srgbClr val="FF16B0"/>
                 </a:solidFill>
                 <a:latin typeface="Consolas" panose="020B0609020204030204" pitchFamily="49" charset="0"/>
               </a:rPr>
@@ -39357,7 +37374,7 @@
             <a:r>
               <a:rPr lang="en-US" sz="3600" dirty="0">
                 <a:solidFill>
-                  <a:srgbClr val="0000FF"/>
+                  <a:srgbClr val="DF81FC"/>
                 </a:solidFill>
                 <a:latin typeface="Consolas" panose="020B0609020204030204" pitchFamily="49" charset="0"/>
               </a:rPr>
@@ -39366,7 +37383,7 @@
             <a:r>
               <a:rPr lang="en-US" sz="3600" dirty="0" err="1">
                 <a:solidFill>
-                  <a:srgbClr val="0000FF"/>
+                  <a:srgbClr val="FCFCFC"/>
                 </a:solidFill>
                 <a:latin typeface="Consolas" panose="020B0609020204030204" pitchFamily="49" charset="0"/>
               </a:rPr>
@@ -39375,7 +37392,7 @@
             <a:r>
               <a:rPr lang="en-US" sz="3600" dirty="0">
                 <a:solidFill>
-                  <a:srgbClr val="0000FF"/>
+                  <a:srgbClr val="DF81FC"/>
                 </a:solidFill>
                 <a:latin typeface="Consolas" panose="020B0609020204030204" pitchFamily="49" charset="0"/>
               </a:rPr>
@@ -39384,7 +37401,7 @@
             <a:r>
               <a:rPr lang="en-US" sz="3600" dirty="0">
                 <a:solidFill>
-                  <a:srgbClr val="800000"/>
+                  <a:srgbClr val="46BDFF"/>
                 </a:solidFill>
                 <a:latin typeface="Consolas" panose="020B0609020204030204" pitchFamily="49" charset="0"/>
               </a:rPr>
@@ -39392,6 +37409,9 @@
             </a:r>
             <a:r>
               <a:rPr lang="en-US" sz="3600" dirty="0">
+                <a:solidFill>
+                  <a:srgbClr val="FCFCFC"/>
+                </a:solidFill>
                 <a:latin typeface="Consolas" panose="020B0609020204030204" pitchFamily="49" charset="0"/>
               </a:rPr>
               <a:t>Send</a:t>
@@ -39399,7 +37419,7 @@
             <a:r>
               <a:rPr lang="en-US" sz="3600" dirty="0">
                 <a:solidFill>
-                  <a:srgbClr val="800000"/>
+                  <a:srgbClr val="46BDFF"/>
                 </a:solidFill>
                 <a:latin typeface="Consolas" panose="020B0609020204030204" pitchFamily="49" charset="0"/>
               </a:rPr>
@@ -39421,37 +37441,65 @@
             <a:r>
               <a:rPr lang="en-US" sz="3600" dirty="0">
                 <a:solidFill>
-                  <a:srgbClr val="800000"/>
+                  <a:srgbClr val="46BDFF"/>
                 </a:solidFill>
                 <a:latin typeface="Consolas" panose="020B0609020204030204" pitchFamily="49" charset="0"/>
               </a:rPr>
               <a:t>&lt;button&gt;</a:t>
             </a:r>
             <a:r>
-              <a:rPr lang="en-US" sz="3600" dirty="0"/>
-              <a:t> tag</a:t>
+              <a:rPr lang="en-US" sz="3600" i="1" dirty="0">
+                <a:solidFill>
+                  <a:schemeClr val="bg1"/>
+                </a:solidFill>
+              </a:rPr>
+              <a:t> </a:t>
             </a:r>
-          </a:p>
-          <a:p>
             <a:r>
-              <a:rPr lang="en-US" sz="3600" dirty="0" err="1">
+              <a:rPr lang="en-US" sz="3600" i="1" dirty="0">
                 <a:solidFill>
-                  <a:srgbClr val="FF0000"/>
+                  <a:schemeClr val="bg2">
+                    <a:lumMod val="75000"/>
+                  </a:schemeClr>
+                </a:solidFill>
+              </a:rPr>
+              <a:t>opening tag</a:t>
+            </a:r>
+          </a:p>
+          <a:p>
+            <a:r>
+              <a:rPr lang="en-US" sz="3600" dirty="0">
+                <a:solidFill>
+                  <a:srgbClr val="96A1FF"/>
                 </a:solidFill>
                 <a:latin typeface="Consolas" panose="020B0609020204030204" pitchFamily="49" charset="0"/>
               </a:rPr>
               <a:t>onclick</a:t>
             </a:r>
             <a:r>
-              <a:rPr lang="en-US" sz="3600" dirty="0"/>
-              <a:t> attribute</a:t>
+              <a:rPr lang="en-US" sz="3600" dirty="0">
+                <a:solidFill>
+                  <a:schemeClr val="bg1"/>
+                </a:solidFill>
+              </a:rPr>
+              <a:t> </a:t>
+            </a:r>
+            <a:r>
+              <a:rPr lang="en-US" sz="3600" i="1" dirty="0">
+                <a:solidFill>
+                  <a:schemeClr val="bg2">
+                    <a:lumMod val="75000"/>
+                  </a:schemeClr>
+                </a:solidFill>
+              </a:rPr>
+              <a:t>attribute</a:t>
             </a:r>
           </a:p>
           <a:p>
             <a:r>
               <a:rPr lang="en-US" sz="3600" dirty="0" err="1">
                 <a:solidFill>
-                  <a:srgbClr val="0000FF"/>
+                  <a:srgbClr val="FCFCFC"/>
                 </a:solidFill>
                 <a:latin typeface="Consolas" panose="020B0609020204030204" pitchFamily="49" charset="0"/>
               </a:rPr>
@@ -39460,45 +37508,112 @@
             <a:r>
               <a:rPr lang="en-US" sz="3600" dirty="0">
                 <a:solidFill>
-                  <a:srgbClr val="0000FF"/>
+                  <a:srgbClr val="DF81FC"/>
                 </a:solidFill>
                 <a:latin typeface="Consolas" panose="020B0609020204030204" pitchFamily="49" charset="0"/>
               </a:rPr>
               <a:t>()</a:t>
             </a:r>
             <a:r>
+              <a:rPr lang="en-US" sz="3600" i="1" dirty="0">
+                <a:solidFill>
+                  <a:schemeClr val="bg1"/>
+                </a:solidFill>
+              </a:rPr>
+              <a:t> </a:t>
+            </a:r>
+            <a:r>
+              <a:rPr lang="en-US" sz="3600" i="1" dirty="0">
+                <a:solidFill>
+                  <a:schemeClr val="bg2">
+                    <a:lumMod val="75000"/>
+                  </a:schemeClr>
+                </a:solidFill>
+              </a:rPr>
+              <a:t>function call</a:t>
+            </a:r>
+          </a:p>
+          <a:p>
+            <a:pPr lvl="1"/>
+            <a:r>
+              <a:rPr lang="en-US" sz="3067" i="1" dirty="0">
+                <a:solidFill>
+                  <a:schemeClr val="bg2">
+                    <a:lumMod val="75000"/>
+                  </a:schemeClr>
+                </a:solidFill>
+              </a:rPr>
+              <a:t>More on this later</a:t>
+            </a:r>
+          </a:p>
+          <a:p>
+            <a:r>
+              <a:rPr lang="en-US" sz="3600" dirty="0">
+                <a:solidFill>
+                  <a:srgbClr val="FCFCFC"/>
+                </a:solidFill>
+                <a:latin typeface="Consolas" panose="020B0609020204030204" pitchFamily="49" charset="0"/>
+              </a:rPr>
+              <a:t>Send</a:t>
+            </a:r>
+            <a:r>
+              <a:rPr lang="en-US" sz="3200" i="1" dirty="0"/>
+              <a:t> </a:t>
+            </a:r>
+            <a:r>
+              <a:rPr lang="en-US" sz="3600" i="1" dirty="0">
+                <a:solidFill>
+                  <a:schemeClr val="bg2">
+                    <a:lumMod val="75000"/>
+                  </a:schemeClr>
+                </a:solidFill>
+              </a:rPr>
+              <a:t>button text</a:t>
+            </a:r>
+          </a:p>
+          <a:p>
+            <a:r>
+              <a:rPr lang="en-US" sz="3600" dirty="0">
+                <a:solidFill>
+                  <a:srgbClr val="46BDFF"/>
+                </a:solidFill>
+                <a:latin typeface="Consolas" panose="020B0609020204030204" pitchFamily="49" charset="0"/>
+              </a:rPr>
+              <a:t>&lt;/button&gt;</a:t>
+            </a:r>
+            <a:r>
               <a:rPr lang="en-US" sz="3600" dirty="0"/>
               <a:t> </a:t>
             </a:r>
             <a:r>
-              <a:rPr lang="en-US" sz="3600" dirty="0" smtClean="0"/>
-              <a:t>function call</a:t>
+              <a:rPr lang="en-US" sz="3600" i="1" dirty="0">
+                <a:solidFill>
+                  <a:schemeClr val="bg2">
+                    <a:lumMod val="75000"/>
+                  </a:schemeClr>
+                </a:solidFill>
+              </a:rPr>
+              <a:t>closing tag</a:t>
             </a:r>
-            <a:endParaRPr lang="en-US" sz="3600" dirty="0"/>
-          </a:p>
-          <a:p>
-            <a:pPr lvl="1"/>
-            <a:r>
-              <a:rPr lang="en-US" sz="3067" dirty="0"/>
-              <a:t>More on this </a:t>
-            </a:r>
-            <a:r>
-              <a:rPr lang="en-US" sz="3067" dirty="0" smtClean="0"/>
-              <a:t>later</a:t>
-            </a:r>
-          </a:p>
-          <a:p>
-            <a:r>
-              <a:rPr lang="en-US" sz="3467" dirty="0" smtClean="0"/>
-              <a:t>Button text</a:t>
-            </a:r>
-            <a:endParaRPr lang="en-US" sz="3467" dirty="0"/>
+            <a:endParaRPr lang="en-US" sz="3200" i="1" dirty="0">
+              <a:solidFill>
+                <a:schemeClr val="bg2">
+                  <a:lumMod val="75000"/>
+                </a:schemeClr>
+              </a:solidFill>
+            </a:endParaRPr>
           </a:p>
         </p:txBody>
       </p:sp>
       <p:pic>
         <p:nvPicPr>
-          <p:cNvPr id="4" name="Picture 3"/>
+          <p:cNvPr id="7" name="Picture 6">
+            <a:extLst>
+              <a:ext uri="{FF2B5EF4-FFF2-40B4-BE49-F238E27FC236}">
+                <a16:creationId xmlns:a16="http://schemas.microsoft.com/office/drawing/2014/main" id="{85419A06-B683-414A-B6F4-B8A67E443034}"/>
+              </a:ext>
+            </a:extLst>
+          </p:cNvPr>
           <p:cNvPicPr>
             <a:picLocks noChangeAspect="1"/>
           </p:cNvPicPr>
@@ -39512,8 +37627,8 @@
         </p:blipFill>
         <p:spPr>
           <a:xfrm>
-            <a:off x="8039100" y="3166978"/>
-            <a:ext cx="2476846" cy="1209844"/>
+            <a:off x="7924800" y="3086100"/>
+            <a:ext cx="3124636" cy="1638529"/>
           </a:xfrm>
           <a:prstGeom prst="rect">
             <a:avLst/>
@@ -39554,7 +37669,7 @@
                             </p:stCondLst>
                             <p:childTnLst>
                               <p:par>
-                                <p:cTn id="5" presetID="10" presetClass="entr" presetSubtype="0" fill="hold" grpId="0" nodeType="clickEffect">
+                                <p:cTn id="5" presetID="10" presetClass="entr" presetSubtype="0" fill="hold" nodeType="clickEffect">
                                   <p:stCondLst>
                                     <p:cond delay="0"/>
                                   </p:stCondLst>
@@ -39902,7 +38017,7 @@
                             </p:stCondLst>
                             <p:childTnLst>
                               <p:par>
-                                <p:cTn id="33" presetID="10" presetClass="entr" presetSubtype="0" fill="hold" nodeType="clickEffect">
+                                <p:cTn id="33" presetID="10" presetClass="entr" presetSubtype="0" fill="hold" grpId="0" nodeType="clickEffect">
                                   <p:stCondLst>
                                     <p:cond delay="0"/>
                                   </p:stCondLst>
@@ -39915,7 +38030,11 @@
                                           </p:stCondLst>
                                         </p:cTn>
                                         <p:tgtEl>
-                                          <p:spTgt spid="4"/>
+                                          <p:spTgt spid="3">
+                                            <p:txEl>
+                                              <p:pRg st="7" end="7"/>
+                                            </p:txEl>
+                                          </p:spTgt>
                                         </p:tgtEl>
                                         <p:attrNameLst>
                                           <p:attrName>style.visibility</p:attrName>
@@ -39929,7 +38048,64 @@
                                       <p:cBhvr>
                                         <p:cTn id="35" dur="500"/>
                                         <p:tgtEl>
-                                          <p:spTgt spid="4"/>
+                                          <p:spTgt spid="3">
+                                            <p:txEl>
+                                              <p:pRg st="7" end="7"/>
+                                            </p:txEl>
+                                          </p:spTgt>
+                                        </p:tgtEl>
+                                      </p:cBhvr>
+                                    </p:animEffect>
+                                  </p:childTnLst>
+                                </p:cTn>
+                              </p:par>
+                            </p:childTnLst>
+                          </p:cTn>
+                        </p:par>
+                      </p:childTnLst>
+                    </p:cTn>
+                  </p:par>
+                  <p:par>
+                    <p:cTn id="36" fill="hold">
+                      <p:stCondLst>
+                        <p:cond delay="indefinite"/>
+                      </p:stCondLst>
+                      <p:childTnLst>
+                        <p:par>
+                          <p:cTn id="37" fill="hold">
+                            <p:stCondLst>
+                              <p:cond delay="0"/>
+                            </p:stCondLst>
+                            <p:childTnLst>
+                              <p:par>
+                                <p:cTn id="38" presetID="10" presetClass="entr" presetSubtype="0" fill="hold" nodeType="clickEffect">
+                                  <p:stCondLst>
+                                    <p:cond delay="0"/>
+                                  </p:stCondLst>
+                                  <p:childTnLst>
+                                    <p:set>
+                                      <p:cBhvr>
+                                        <p:cTn id="39" dur="1" fill="hold">
+                                          <p:stCondLst>
+                                            <p:cond delay="0"/>
+                                          </p:stCondLst>
+                                        </p:cTn>
+                                        <p:tgtEl>
+                                          <p:spTgt spid="7"/>
+                                        </p:tgtEl>
+                                        <p:attrNameLst>
+                                          <p:attrName>style.visibility</p:attrName>
+                                        </p:attrNameLst>
+                                      </p:cBhvr>
+                                      <p:to>
+                                        <p:strVal val="visible"/>
+                                      </p:to>
+                                    </p:set>
+                                    <p:animEffect transition="in" filter="fade">
+                                      <p:cBhvr>
+                                        <p:cTn id="40" dur="500"/>
+                                        <p:tgtEl>
+                                          <p:spTgt spid="7"/>
                                         </p:tgtEl>
                                       </p:cBhvr>
                                     </p:animEffect>
@@ -39964,13 +38140,13 @@
       </p:par>
     </p:tnLst>
     <p:bldLst>
-      <p:bldP spid="3" grpId="0" build="p"/>
+      <p:bldP spid="3" grpId="0" uiExpand="1" build="p"/>
     </p:bldLst>
   </p:timing>
 </p:sld>
 </file>
 
-<file path=ppt/slides/slide8.xml><?xml version="1.0" encoding="utf-8"?>
+<file path=ppt/slides/slide5.xml><?xml version="1.0" encoding="utf-8"?>
 <p:sld xmlns:a="http://schemas.openxmlformats.org/drawingml/2006/main" xmlns:r="http://schemas.openxmlformats.org/officeDocument/2006/relationships" xmlns:p="http://schemas.openxmlformats.org/presentationml/2006/main">
   <p:cSld>
     <p:spTree>
@@ -40002,11 +38178,113 @@
           <a:bodyPr/>
           <a:lstStyle/>
           <a:p>
+            <a:pPr algn="r"/>
             <a:r>
-              <a:rPr lang="en-US" dirty="0" smtClean="0"/>
+              <a:rPr lang="en-US" dirty="0"/>
+              <a:t>Functions</a:t>
+            </a:r>
+          </a:p>
+        </p:txBody>
+      </p:sp>
+      <p:pic>
+        <p:nvPicPr>
+          <p:cNvPr id="3" name="Picture 2" descr="Examples and non-exmaples of functions. | Download Scientific Diagram">
+            <a:extLst>
+              <a:ext uri="{FF2B5EF4-FFF2-40B4-BE49-F238E27FC236}">
+                <a16:creationId xmlns:a16="http://schemas.microsoft.com/office/drawing/2014/main" id="{9BC5FF57-CF51-43EF-922C-66C302042B05}"/>
+              </a:ext>
+            </a:extLst>
+          </p:cNvPr>
+          <p:cNvPicPr>
+            <a:picLocks noChangeAspect="1" noChangeArrowheads="1"/>
+          </p:cNvPicPr>
+          <p:nvPr/>
+        </p:nvPicPr>
+        <p:blipFill>
+          <a:blip r:embed="rId3">
+            <a:extLst>
+              <a:ext uri="{28A0092B-C50C-407E-A947-70E740481C1C}">
+                <a14:useLocalDpi xmlns:a14="http://schemas.microsoft.com/office/drawing/2010/main" val="0"/>
+              </a:ext>
+            </a:extLst>
+          </a:blip>
+          <a:srcRect/>
+          <a:stretch>
+            <a:fillRect/>
+          </a:stretch>
+        </p:blipFill>
+        <p:spPr bwMode="auto">
+          <a:xfrm>
+            <a:off x="6553200" y="1485900"/>
+            <a:ext cx="4410075" cy="4410075"/>
+          </a:xfrm>
+          <a:prstGeom prst="rect">
+            <a:avLst/>
+          </a:prstGeom>
+          <a:noFill/>
+          <a:extLst>
+            <a:ext uri="{909E8E84-426E-40DD-AFC4-6F175D3DCCD1}">
+              <a14:hiddenFill xmlns:a14="http://schemas.microsoft.com/office/drawing/2010/main">
+                <a:solidFill>
+                  <a:srgbClr val="FFFFFF"/>
+                </a:solidFill>
+              </a14:hiddenFill>
+            </a:ext>
+          </a:extLst>
+        </p:spPr>
+      </p:pic>
+    </p:spTree>
+    <p:extLst>
+      <p:ext uri="{BB962C8B-B14F-4D97-AF65-F5344CB8AC3E}">
+        <p14:creationId xmlns:p14="http://schemas.microsoft.com/office/powerpoint/2010/main" val="2056622053"/>
+      </p:ext>
+    </p:extLst>
+  </p:cSld>
+  <p:clrMapOvr>
+    <a:masterClrMapping/>
+  </p:clrMapOvr>
+  <p:transition>
+    <p:fade/>
+  </p:transition>
+</p:sld>
+</file>
+
+<file path=ppt/slides/slide6.xml><?xml version="1.0" encoding="utf-8"?>
+<p:sld xmlns:a="http://schemas.openxmlformats.org/drawingml/2006/main" xmlns:r="http://schemas.openxmlformats.org/officeDocument/2006/relationships" xmlns:p="http://schemas.openxmlformats.org/presentationml/2006/main">
+  <p:cSld>
+    <p:spTree>
+      <p:nvGrpSpPr>
+        <p:cNvPr id="1" name=""/>
+        <p:cNvGrpSpPr/>
+        <p:nvPr/>
+      </p:nvGrpSpPr>
+      <p:grpSpPr>
+        <a:xfrm>
+          <a:off x="0" y="0"/>
+          <a:ext cx="0" cy="0"/>
+          <a:chOff x="0" y="0"/>
+          <a:chExt cx="0" cy="0"/>
+        </a:xfrm>
+      </p:grpSpPr>
+      <p:sp>
+        <p:nvSpPr>
+          <p:cNvPr id="2" name="Title 1"/>
+          <p:cNvSpPr>
+            <a:spLocks noGrp="1"/>
+          </p:cNvSpPr>
+          <p:nvPr>
+            <p:ph type="title"/>
+          </p:nvPr>
+        </p:nvSpPr>
+        <p:spPr/>
+        <p:txBody>
+          <a:bodyPr/>
+          <a:lstStyle/>
+          <a:p>
+            <a:r>
+              <a:rPr lang="en-US" dirty="0"/>
               <a:t>How to tell a button what to do</a:t>
             </a:r>
-            <a:endParaRPr lang="en-US" dirty="0"/>
           </a:p>
         </p:txBody>
       </p:sp>
@@ -40029,19 +38307,15 @@
               <a:buNone/>
             </a:pPr>
             <a:r>
-              <a:rPr lang="en-US" dirty="0" smtClean="0"/>
+              <a:rPr lang="en-US" dirty="0"/>
               <a:t>In the </a:t>
             </a:r>
             <a:r>
-              <a:rPr lang="en-US" b="1" dirty="0" smtClean="0"/>
-              <a:t>.</a:t>
+              <a:rPr lang="en-US" b="1" dirty="0"/>
+              <a:t>script.js</a:t>
             </a:r>
             <a:r>
-              <a:rPr lang="en-US" b="1" dirty="0" err="1" smtClean="0"/>
-              <a:t>js</a:t>
-            </a:r>
-            <a:r>
-              <a:rPr lang="en-US" dirty="0" smtClean="0"/>
+              <a:rPr lang="en-US" dirty="0"/>
               <a:t> file:</a:t>
             </a:r>
           </a:p>
@@ -40148,23 +38422,19 @@
               <a:buNone/>
             </a:pPr>
             <a:r>
-              <a:rPr lang="en-US" sz="3200" i="1" dirty="0" smtClean="0"/>
+              <a:rPr lang="en-US" sz="3200" i="1" dirty="0"/>
               <a:t>Must</a:t>
             </a:r>
             <a:r>
               <a:rPr lang="en-US" sz="3200" dirty="0"/>
-              <a:t> </a:t>
+              <a:t> match the function call in the HTML button </a:t>
             </a:r>
             <a:r>
-              <a:rPr lang="en-US" sz="3200" dirty="0" smtClean="0"/>
-              <a:t>match the function call in the HTML button </a:t>
-            </a:r>
-            <a:r>
-              <a:rPr lang="en-US" sz="3200" b="1" dirty="0" err="1" smtClean="0"/>
+              <a:rPr lang="en-US" sz="3200" b="1" dirty="0" err="1"/>
               <a:t>onclick</a:t>
             </a:r>
             <a:r>
-              <a:rPr lang="en-US" sz="3200" dirty="0" smtClean="0"/>
+              <a:rPr lang="en-US" sz="3200" dirty="0"/>
               <a:t>:</a:t>
             </a:r>
           </a:p>
@@ -40273,7 +38543,7 @@
             <a:pPr marL="57150" indent="0">
               <a:buNone/>
             </a:pPr>
-            <a:endParaRPr lang="en-US" sz="3200" dirty="0" smtClean="0"/>
+            <a:endParaRPr lang="en-US" sz="3200" dirty="0"/>
           </a:p>
           <a:p>
             <a:pPr marL="57150" indent="0">
@@ -40357,7 +38627,7 @@
                 <a:spcPct val="0"/>
               </a:spcAft>
             </a:pPr>
-            <a:endParaRPr lang="en-US" sz="2400" dirty="0" err="1" smtClean="0">
+            <a:endParaRPr lang="en-US" sz="2400" dirty="0" err="1">
               <a:gradFill>
                 <a:gsLst>
                   <a:gs pos="0">
@@ -40438,7 +38708,7 @@
                 <a:spcPct val="0"/>
               </a:spcAft>
             </a:pPr>
-            <a:endParaRPr lang="en-US" sz="2400" dirty="0" err="1" smtClean="0">
+            <a:endParaRPr lang="en-US" sz="2400" dirty="0" err="1">
               <a:gradFill>
                 <a:gsLst>
                   <a:gs pos="0">
@@ -40450,6 +38720,188 @@
                 </a:gsLst>
                 <a:lin ang="5400000" scaled="0"/>
               </a:gradFill>
+              <a:ea typeface="Segoe UI" pitchFamily="34" charset="0"/>
+              <a:cs typeface="Segoe UI" pitchFamily="34" charset="0"/>
+            </a:endParaRPr>
+          </a:p>
+        </p:txBody>
+      </p:sp>
+      <p:sp>
+        <p:nvSpPr>
+          <p:cNvPr id="4" name="Rectangle 3">
+            <a:extLst>
+              <a:ext uri="{FF2B5EF4-FFF2-40B4-BE49-F238E27FC236}">
+                <a16:creationId xmlns:a16="http://schemas.microsoft.com/office/drawing/2014/main" id="{C42CAD3E-159F-48F1-A6C4-BBEE15EB8AE0}"/>
+              </a:ext>
+            </a:extLst>
+          </p:cNvPr>
+          <p:cNvSpPr/>
+          <p:nvPr/>
+        </p:nvSpPr>
+        <p:spPr bwMode="auto">
+          <a:xfrm>
+            <a:off x="6553200" y="1257300"/>
+            <a:ext cx="5257800" cy="2514600"/>
+          </a:xfrm>
+          <a:prstGeom prst="rect">
+            <a:avLst/>
+          </a:prstGeom>
+          <a:solidFill>
+            <a:schemeClr val="accent1">
+              <a:lumMod val="60000"/>
+              <a:lumOff val="40000"/>
+            </a:schemeClr>
+          </a:solidFill>
+          <a:ln w="12700">
+            <a:solidFill>
+              <a:schemeClr val="tx2"/>
+            </a:solidFill>
+            <a:miter lim="800000"/>
+            <a:headEnd type="none" w="med" len="med"/>
+            <a:tailEnd type="none" w="med" len="med"/>
+          </a:ln>
+          <a:effectLst/>
+        </p:spPr>
+        <p:style>
+          <a:lnRef idx="1">
+            <a:schemeClr val="accent2"/>
+          </a:lnRef>
+          <a:fillRef idx="3">
+            <a:schemeClr val="accent2"/>
+          </a:fillRef>
+          <a:effectRef idx="2">
+            <a:schemeClr val="accent2"/>
+          </a:effectRef>
+          <a:fontRef idx="minor">
+            <a:schemeClr val="lt1"/>
+          </a:fontRef>
+        </p:style>
+        <p:txBody>
+          <a:bodyPr rot="0" spcFirstLastPara="0" vertOverflow="overflow" horzOverflow="overflow" vert="horz" wrap="square" lIns="182880" tIns="146304" rIns="182880" bIns="146304" numCol="1" spcCol="0" rtlCol="0" fromWordArt="0" anchor="t" anchorCtr="0" forceAA="0" compatLnSpc="1">
+            <a:prstTxWarp prst="textNoShape">
+              <a:avLst/>
+            </a:prstTxWarp>
+            <a:noAutofit/>
+          </a:bodyPr>
+          <a:lstStyle/>
+          <a:p>
+            <a:pPr algn="ctr" defTabSz="932472" fontAlgn="base">
+              <a:lnSpc>
+                <a:spcPct val="90000"/>
+              </a:lnSpc>
+              <a:spcBef>
+                <a:spcPct val="0"/>
+              </a:spcBef>
+              <a:spcAft>
+                <a:spcPct val="0"/>
+              </a:spcAft>
+            </a:pPr>
+            <a:r>
+              <a:rPr lang="en-US" sz="3200" dirty="0">
+                <a:solidFill>
+                  <a:schemeClr val="bg2">
+                    <a:lumMod val="25000"/>
+                  </a:schemeClr>
+                </a:solidFill>
+                <a:ea typeface="Segoe UI" pitchFamily="34" charset="0"/>
+                <a:cs typeface="Segoe UI" pitchFamily="34" charset="0"/>
+              </a:rPr>
+              <a:t>When the button is clicked, the code in the </a:t>
+            </a:r>
+            <a:r>
+              <a:rPr lang="en-US" sz="3200" b="1" i="1" dirty="0">
+                <a:solidFill>
+                  <a:srgbClr val="00B0F0"/>
+                </a:solidFill>
+                <a:ea typeface="Segoe UI" pitchFamily="34" charset="0"/>
+                <a:cs typeface="Segoe UI" pitchFamily="34" charset="0"/>
+              </a:rPr>
+              <a:t>body</a:t>
+            </a:r>
+            <a:r>
+              <a:rPr lang="en-US" sz="3200" dirty="0">
+                <a:solidFill>
+                  <a:schemeClr val="bg2">
+                    <a:lumMod val="25000"/>
+                  </a:schemeClr>
+                </a:solidFill>
+                <a:ea typeface="Segoe UI" pitchFamily="34" charset="0"/>
+                <a:cs typeface="Segoe UI" pitchFamily="34" charset="0"/>
+              </a:rPr>
+              <a:t> of the function (e.g., the </a:t>
+            </a:r>
+            <a:r>
+              <a:rPr lang="en-US" sz="3200" b="1" dirty="0">
+                <a:solidFill>
+                  <a:schemeClr val="bg2">
+                    <a:lumMod val="25000"/>
+                  </a:schemeClr>
+                </a:solidFill>
+                <a:latin typeface="Consolas" panose="020B0609020204030204" pitchFamily="49" charset="0"/>
+              </a:rPr>
+              <a:t>alert</a:t>
+            </a:r>
+            <a:r>
+              <a:rPr lang="en-US" sz="3200" dirty="0">
+                <a:solidFill>
+                  <a:schemeClr val="bg2">
+                    <a:lumMod val="25000"/>
+                  </a:schemeClr>
+                </a:solidFill>
+                <a:ea typeface="Segoe UI" pitchFamily="34" charset="0"/>
+                <a:cs typeface="Segoe UI" pitchFamily="34" charset="0"/>
+              </a:rPr>
+              <a:t>) will </a:t>
+            </a:r>
+            <a:r>
+              <a:rPr lang="en-US" sz="3200" b="1" i="1" dirty="0">
+                <a:solidFill>
+                  <a:srgbClr val="C00000"/>
+                </a:solidFill>
+                <a:ea typeface="Segoe UI" pitchFamily="34" charset="0"/>
+                <a:cs typeface="Segoe UI" pitchFamily="34" charset="0"/>
+              </a:rPr>
+              <a:t>execute</a:t>
+            </a:r>
+            <a:r>
+              <a:rPr lang="en-US" sz="3200" dirty="0">
+                <a:solidFill>
+                  <a:schemeClr val="bg2">
+                    <a:lumMod val="25000"/>
+                  </a:schemeClr>
+                </a:solidFill>
+                <a:ea typeface="Segoe UI" pitchFamily="34" charset="0"/>
+                <a:cs typeface="Segoe UI" pitchFamily="34" charset="0"/>
+              </a:rPr>
+              <a:t> – that means it will run and do its thing!</a:t>
+            </a:r>
+            <a:endParaRPr lang="en-US" sz="3200" dirty="0">
+              <a:solidFill>
+                <a:schemeClr val="bg2">
+                  <a:lumMod val="25000"/>
+                </a:schemeClr>
+              </a:solidFill>
+              <a:latin typeface="Consolas" panose="020B0609020204030204" pitchFamily="49" charset="0"/>
+            </a:endParaRPr>
+          </a:p>
+          <a:p>
+            <a:pPr algn="ctr" defTabSz="932472" fontAlgn="base">
+              <a:lnSpc>
+                <a:spcPct val="90000"/>
+              </a:lnSpc>
+              <a:spcBef>
+                <a:spcPct val="0"/>
+              </a:spcBef>
+              <a:spcAft>
+                <a:spcPct val="0"/>
+              </a:spcAft>
+            </a:pPr>
+            <a:endParaRPr lang="en-US" sz="2400" dirty="0">
+              <a:solidFill>
+                <a:schemeClr val="bg2">
+                  <a:lumMod val="25000"/>
+                </a:schemeClr>
+              </a:solidFill>
               <a:ea typeface="Segoe UI" pitchFamily="34" charset="0"/>
               <a:cs typeface="Segoe UI" pitchFamily="34" charset="0"/>
             </a:endParaRPr>
@@ -40859,6 +39311,59 @@
                       </p:childTnLst>
                     </p:cTn>
                   </p:par>
+                  <p:par>
+                    <p:cTn id="33" fill="hold">
+                      <p:stCondLst>
+                        <p:cond delay="indefinite"/>
+                      </p:stCondLst>
+                      <p:childTnLst>
+                        <p:par>
+                          <p:cTn id="34" fill="hold">
+                            <p:stCondLst>
+                              <p:cond delay="0"/>
+                            </p:stCondLst>
+                            <p:childTnLst>
+                              <p:par>
+                                <p:cTn id="35" presetID="10" presetClass="entr" presetSubtype="0" fill="hold" grpId="0" nodeType="clickEffect">
+                                  <p:stCondLst>
+                                    <p:cond delay="0"/>
+                                  </p:stCondLst>
+                                  <p:childTnLst>
+                                    <p:set>
+                                      <p:cBhvr>
+                                        <p:cTn id="36" dur="1" fill="hold">
+                                          <p:stCondLst>
+                                            <p:cond delay="0"/>
+                                          </p:stCondLst>
+                                        </p:cTn>
+                                        <p:tgtEl>
+                                          <p:spTgt spid="4"/>
+                                        </p:tgtEl>
+                                        <p:attrNameLst>
+                                          <p:attrName>style.visibility</p:attrName>
+                                        </p:attrNameLst>
+                                      </p:cBhvr>
+                                      <p:to>
+                                        <p:strVal val="visible"/>
+                                      </p:to>
+                                    </p:set>
+                                    <p:animEffect transition="in" filter="fade">
+                                      <p:cBhvr>
+                                        <p:cTn id="37" dur="500"/>
+                                        <p:tgtEl>
+                                          <p:spTgt spid="4"/>
+                                        </p:tgtEl>
+                                      </p:cBhvr>
+                                    </p:animEffect>
+                                  </p:childTnLst>
+                                </p:cTn>
+                              </p:par>
+                            </p:childTnLst>
+                          </p:cTn>
+                        </p:par>
+                      </p:childTnLst>
+                    </p:cTn>
+                  </p:par>
                 </p:childTnLst>
               </p:cTn>
               <p:prevCondLst>
@@ -40884,12 +39389,13 @@
       <p:bldP spid="3" grpId="0" uiExpand="1" build="p"/>
       <p:bldP spid="5" grpId="0" animBg="1"/>
       <p:bldP spid="6" grpId="0" animBg="1"/>
+      <p:bldP spid="4" grpId="0" animBg="1"/>
     </p:bldLst>
   </p:timing>
 </p:sld>
 </file>
 
-<file path=ppt/slides/slide9.xml><?xml version="1.0" encoding="utf-8"?>
+<file path=ppt/slides/slide7.xml><?xml version="1.0" encoding="utf-8"?>
 <p:sld xmlns:a="http://schemas.openxmlformats.org/drawingml/2006/main" xmlns:r="http://schemas.openxmlformats.org/officeDocument/2006/relationships" xmlns:p="http://schemas.openxmlformats.org/presentationml/2006/main">
   <p:cSld>
     <p:spTree>
@@ -40922,10 +39428,9 @@
           <a:lstStyle/>
           <a:p>
             <a:r>
-              <a:rPr lang="en-US" dirty="0" smtClean="0"/>
+              <a:rPr lang="en-US" dirty="0"/>
               <a:t>Defining a function</a:t>
             </a:r>
-            <a:endParaRPr lang="en-US" dirty="0"/>
           </a:p>
         </p:txBody>
       </p:sp>
@@ -40965,7 +39470,7 @@
               <a:t> </a:t>
             </a:r>
             <a:r>
-              <a:rPr lang="en-US" sz="3600" dirty="0" err="1" smtClean="0">
+              <a:rPr lang="en-US" sz="3600" dirty="0" err="1">
                 <a:solidFill>
                   <a:srgbClr val="00B050"/>
                 </a:solidFill>
@@ -40974,7 +39479,7 @@
               <a:t>buttonClick</a:t>
             </a:r>
             <a:r>
-              <a:rPr lang="en-US" sz="3600" dirty="0" smtClean="0">
+              <a:rPr lang="en-US" sz="3600" dirty="0">
                 <a:solidFill>
                   <a:srgbClr val="7030A0"/>
                 </a:solidFill>
@@ -40983,7 +39488,7 @@
               <a:t>()</a:t>
             </a:r>
             <a:r>
-              <a:rPr lang="en-US" sz="3600" dirty="0" smtClean="0">
+              <a:rPr lang="en-US" sz="3600" dirty="0">
                 <a:latin typeface="Consolas" panose="020B0609020204030204" pitchFamily="49" charset="0"/>
               </a:rPr>
               <a:t> </a:t>
@@ -41009,7 +39514,7 @@
               <a:t>	</a:t>
             </a:r>
             <a:r>
-              <a:rPr lang="en-US" sz="3600" dirty="0" smtClean="0">
+              <a:rPr lang="en-US" sz="3600" dirty="0">
                 <a:solidFill>
                   <a:srgbClr val="0070C0"/>
                 </a:solidFill>
@@ -41029,30 +39534,15 @@
                 </a:solidFill>
                 <a:latin typeface="Consolas" panose="020B0609020204030204" pitchFamily="49" charset="0"/>
               </a:rPr>
-              <a:t>	</a:t>
+              <a:t>	alert("hello again");</a:t>
             </a:r>
-            <a:r>
-              <a:rPr lang="en-US" sz="3600" dirty="0" smtClean="0">
-                <a:solidFill>
-                  <a:srgbClr val="0070C0"/>
-                </a:solidFill>
-                <a:latin typeface="Consolas" panose="020B0609020204030204" pitchFamily="49" charset="0"/>
-              </a:rPr>
-              <a:t>alert("hello again");</a:t>
-            </a:r>
-            <a:endParaRPr lang="en-US" sz="3600" dirty="0">
-              <a:solidFill>
-                <a:srgbClr val="0070C0"/>
-              </a:solidFill>
-              <a:latin typeface="Consolas" panose="020B0609020204030204" pitchFamily="49" charset="0"/>
-            </a:endParaRPr>
           </a:p>
           <a:p>
             <a:pPr marL="0" indent="0">
               <a:buNone/>
             </a:pPr>
             <a:r>
-              <a:rPr lang="en-US" sz="3600" dirty="0" smtClean="0">
+              <a:rPr lang="en-US" sz="3600" dirty="0">
                 <a:solidFill>
                   <a:srgbClr val="FFC000"/>
                 </a:solidFill>
@@ -41060,12 +39550,6 @@
               </a:rPr>
               <a:t>}</a:t>
             </a:r>
-            <a:endParaRPr lang="en-US" sz="3600" dirty="0">
-              <a:solidFill>
-                <a:srgbClr val="FFC000"/>
-              </a:solidFill>
-              <a:latin typeface="Consolas" panose="020B0609020204030204" pitchFamily="49" charset="0"/>
-            </a:endParaRPr>
           </a:p>
         </p:txBody>
       </p:sp>
@@ -41077,8 +39561,8 @@
         </p:nvSpPr>
         <p:spPr>
           <a:xfrm>
-            <a:off x="952500" y="3746351"/>
-            <a:ext cx="5486400" cy="2246769"/>
+            <a:off x="609599" y="3886200"/>
+            <a:ext cx="6172201" cy="2246769"/>
           </a:xfrm>
           <a:prstGeom prst="rect">
             <a:avLst/>
@@ -41096,14 +39580,22 @@
               <a:buChar char="•"/>
             </a:pPr>
             <a:r>
-              <a:rPr lang="en-US" sz="2800" dirty="0" smtClean="0">
+              <a:rPr lang="en-US" sz="2800" dirty="0">
                 <a:solidFill>
                   <a:srgbClr val="FF0000"/>
                 </a:solidFill>
               </a:rPr>
-              <a:t>function (keyword)</a:t>
+              <a:t>function </a:t>
             </a:r>
-            <a:endParaRPr lang="en-US" sz="2800" dirty="0" smtClean="0">
+            <a:r>
+              <a:rPr lang="en-US" sz="2400" dirty="0">
+                <a:solidFill>
+                  <a:srgbClr val="FF0000"/>
+                </a:solidFill>
+              </a:rPr>
+              <a:t>(keyword)</a:t>
+            </a:r>
+            <a:endParaRPr lang="en-US" sz="2400" dirty="0">
               <a:solidFill>
                 <a:srgbClr val="00B050"/>
               </a:solidFill>
@@ -41115,7 +39607,7 @@
               <a:buChar char="•"/>
             </a:pPr>
             <a:r>
-              <a:rPr lang="en-US" sz="2800" dirty="0" smtClean="0">
+              <a:rPr lang="en-US" sz="2800" dirty="0">
                 <a:solidFill>
                   <a:srgbClr val="00B050"/>
                 </a:solidFill>
@@ -41129,14 +39621,22 @@
               <a:buChar char="•"/>
             </a:pPr>
             <a:r>
-              <a:rPr lang="en-US" sz="2800" dirty="0" smtClean="0">
+              <a:rPr lang="en-US" sz="2800" dirty="0">
                 <a:solidFill>
                   <a:srgbClr val="7030A0"/>
                 </a:solidFill>
               </a:rPr>
-              <a:t>Parentheses</a:t>
+              <a:t>Parentheses </a:t>
             </a:r>
-            <a:endParaRPr lang="en-US" sz="2800" dirty="0">
+            <a:r>
+              <a:rPr lang="en-US" sz="2400" dirty="0">
+                <a:solidFill>
+                  <a:srgbClr val="7030A0"/>
+                </a:solidFill>
+              </a:rPr>
+              <a:t>(left/right | open/close)</a:t>
+            </a:r>
+            <a:endParaRPr lang="en-US" sz="2400" dirty="0">
               <a:solidFill>
                 <a:srgbClr val="FFC000"/>
               </a:solidFill>
@@ -41153,21 +39653,16 @@
                   <a:srgbClr val="FFC000"/>
                 </a:solidFill>
               </a:rPr>
-              <a:t>Curly </a:t>
+              <a:t>Curly brackets </a:t>
             </a:r>
             <a:r>
-              <a:rPr lang="en-US" sz="2800" dirty="0" smtClean="0">
+              <a:rPr lang="en-US" sz="2400" dirty="0">
                 <a:solidFill>
                   <a:srgbClr val="FFC000"/>
                 </a:solidFill>
               </a:rPr>
-              <a:t>brackets</a:t>
+              <a:t>(left/right | open/close)</a:t>
             </a:r>
-            <a:endParaRPr lang="en-US" sz="2800" dirty="0">
-              <a:solidFill>
-                <a:srgbClr val="FFC000"/>
-              </a:solidFill>
-            </a:endParaRPr>
           </a:p>
           <a:p>
             <a:pPr marL="457200" indent="-457200">
@@ -41180,23 +39675,15 @@
                   <a:srgbClr val="0070C0"/>
                 </a:solidFill>
               </a:rPr>
-              <a:t>JavaScript </a:t>
+              <a:t>Body </a:t>
             </a:r>
             <a:r>
-              <a:rPr lang="en-US" sz="2800" dirty="0" smtClean="0">
+              <a:rPr lang="en-US" sz="2400" dirty="0">
                 <a:solidFill>
                   <a:srgbClr val="0070C0"/>
                 </a:solidFill>
               </a:rPr>
-              <a:t>code (statements</a:t>
-            </a:r>
-            <a:r>
-              <a:rPr lang="en-US" sz="2800" dirty="0" smtClean="0">
-                <a:solidFill>
-                  <a:srgbClr val="0070C0"/>
-                </a:solidFill>
-              </a:rPr>
-              <a:t>)</a:t>
+              <a:t>(JavaScript code)</a:t>
             </a:r>
             <a:endParaRPr lang="en-US" sz="2800" dirty="0">
               <a:solidFill>
@@ -41214,7 +39701,7 @@
           </p:cNvPicPr>
           <p:nvPr/>
         </p:nvPicPr>
-        <p:blipFill>
+        <p:blipFill rotWithShape="1">
           <a:blip r:embed="rId3">
             <a:extLst>
               <a:ext uri="{28A0092B-C50C-407E-A947-70E740481C1C}">
@@ -41222,15 +39709,13 @@
               </a:ext>
             </a:extLst>
           </a:blip>
-          <a:srcRect/>
-          <a:stretch>
-            <a:fillRect/>
-          </a:stretch>
+          <a:srcRect l="23049" r="10685"/>
+          <a:stretch/>
         </p:blipFill>
         <p:spPr bwMode="auto">
           <a:xfrm>
-            <a:off x="4953000" y="914400"/>
-            <a:ext cx="7934325" cy="5295900"/>
+            <a:off x="6781801" y="914400"/>
+            <a:ext cx="5257800" cy="5295900"/>
           </a:xfrm>
           <a:prstGeom prst="rect">
             <a:avLst/>
@@ -41647,6 +40132,1180 @@
         </p:cTn>
       </p:par>
     </p:tnLst>
+  </p:timing>
+</p:sld>
+</file>
+
+<file path=ppt/slides/slide8.xml><?xml version="1.0" encoding="utf-8"?>
+<p:sld xmlns:a="http://schemas.openxmlformats.org/drawingml/2006/main" xmlns:r="http://schemas.openxmlformats.org/officeDocument/2006/relationships" xmlns:p="http://schemas.openxmlformats.org/presentationml/2006/main">
+  <p:cSld>
+    <p:spTree>
+      <p:nvGrpSpPr>
+        <p:cNvPr id="1" name=""/>
+        <p:cNvGrpSpPr/>
+        <p:nvPr/>
+      </p:nvGrpSpPr>
+      <p:grpSpPr>
+        <a:xfrm>
+          <a:off x="0" y="0"/>
+          <a:ext cx="0" cy="0"/>
+          <a:chOff x="0" y="0"/>
+          <a:chExt cx="0" cy="0"/>
+        </a:xfrm>
+      </p:grpSpPr>
+      <p:sp>
+        <p:nvSpPr>
+          <p:cNvPr id="2" name="Title 1"/>
+          <p:cNvSpPr>
+            <a:spLocks noGrp="1"/>
+          </p:cNvSpPr>
+          <p:nvPr>
+            <p:ph type="title"/>
+          </p:nvPr>
+        </p:nvSpPr>
+        <p:spPr/>
+        <p:txBody>
+          <a:bodyPr/>
+          <a:lstStyle/>
+          <a:p>
+            <a:r>
+              <a:rPr lang="en-US" dirty="0"/>
+              <a:t>Calling a function</a:t>
+            </a:r>
+          </a:p>
+        </p:txBody>
+      </p:sp>
+      <p:sp>
+        <p:nvSpPr>
+          <p:cNvPr id="3" name="Content Placeholder 2"/>
+          <p:cNvSpPr>
+            <a:spLocks noGrp="1"/>
+          </p:cNvSpPr>
+          <p:nvPr>
+            <p:ph idx="1"/>
+          </p:nvPr>
+        </p:nvSpPr>
+        <p:spPr/>
+        <p:txBody>
+          <a:bodyPr>
+            <a:normAutofit/>
+          </a:bodyPr>
+          <a:lstStyle/>
+          <a:p>
+            <a:pPr marL="0" indent="0">
+              <a:buNone/>
+            </a:pPr>
+            <a:r>
+              <a:rPr lang="en-US" sz="6600" dirty="0" err="1">
+                <a:solidFill>
+                  <a:srgbClr val="00B050"/>
+                </a:solidFill>
+                <a:latin typeface="Consolas" panose="020B0609020204030204" pitchFamily="49" charset="0"/>
+              </a:rPr>
+              <a:t>buttonClick</a:t>
+            </a:r>
+            <a:r>
+              <a:rPr lang="en-US" sz="6600" dirty="0">
+                <a:solidFill>
+                  <a:srgbClr val="7030A0"/>
+                </a:solidFill>
+                <a:latin typeface="Consolas" panose="020B0609020204030204" pitchFamily="49" charset="0"/>
+              </a:rPr>
+              <a:t>()</a:t>
+            </a:r>
+            <a:endParaRPr lang="en-US" sz="6600" dirty="0">
+              <a:solidFill>
+                <a:srgbClr val="FFC000"/>
+              </a:solidFill>
+              <a:latin typeface="Consolas" panose="020B0609020204030204" pitchFamily="49" charset="0"/>
+            </a:endParaRPr>
+          </a:p>
+        </p:txBody>
+      </p:sp>
+      <p:sp>
+        <p:nvSpPr>
+          <p:cNvPr id="4" name="TextBox 3"/>
+          <p:cNvSpPr txBox="1"/>
+          <p:nvPr/>
+        </p:nvSpPr>
+        <p:spPr>
+          <a:xfrm>
+            <a:off x="380999" y="3331677"/>
+            <a:ext cx="6972301" cy="1200329"/>
+          </a:xfrm>
+          <a:prstGeom prst="rect">
+            <a:avLst/>
+          </a:prstGeom>
+          <a:noFill/>
+        </p:spPr>
+        <p:txBody>
+          <a:bodyPr wrap="square" rtlCol="0">
+            <a:spAutoFit/>
+          </a:bodyPr>
+          <a:lstStyle/>
+          <a:p>
+            <a:pPr marL="457200" indent="-457200">
+              <a:buFont typeface="Arial" panose="020B0604020202020204" pitchFamily="34" charset="0"/>
+              <a:buChar char="•"/>
+            </a:pPr>
+            <a:r>
+              <a:rPr lang="en-US" sz="3600" dirty="0">
+                <a:solidFill>
+                  <a:srgbClr val="00B050"/>
+                </a:solidFill>
+              </a:rPr>
+              <a:t>Function name</a:t>
+            </a:r>
+          </a:p>
+          <a:p>
+            <a:pPr marL="457200" indent="-457200">
+              <a:buFont typeface="Arial" panose="020B0604020202020204" pitchFamily="34" charset="0"/>
+              <a:buChar char="•"/>
+            </a:pPr>
+            <a:r>
+              <a:rPr lang="en-US" sz="3600" dirty="0">
+                <a:solidFill>
+                  <a:srgbClr val="7030A0"/>
+                </a:solidFill>
+              </a:rPr>
+              <a:t>Parentheses </a:t>
+            </a:r>
+            <a:r>
+              <a:rPr lang="en-US" sz="2800" dirty="0">
+                <a:solidFill>
+                  <a:srgbClr val="7030A0"/>
+                </a:solidFill>
+              </a:rPr>
+              <a:t>(left/right | open/close)</a:t>
+            </a:r>
+            <a:endParaRPr lang="en-US" sz="3600" dirty="0">
+              <a:solidFill>
+                <a:srgbClr val="FFC000"/>
+              </a:solidFill>
+            </a:endParaRPr>
+          </a:p>
+        </p:txBody>
+      </p:sp>
+      <p:pic>
+        <p:nvPicPr>
+          <p:cNvPr id="2050" name="Picture 2" descr="Image result for dog training"/>
+          <p:cNvPicPr>
+            <a:picLocks noChangeAspect="1" noChangeArrowheads="1"/>
+          </p:cNvPicPr>
+          <p:nvPr/>
+        </p:nvPicPr>
+        <p:blipFill rotWithShape="1">
+          <a:blip r:embed="rId3">
+            <a:extLst>
+              <a:ext uri="{28A0092B-C50C-407E-A947-70E740481C1C}">
+                <a14:useLocalDpi xmlns:a14="http://schemas.microsoft.com/office/drawing/2010/main" val="0"/>
+              </a:ext>
+            </a:extLst>
+          </a:blip>
+          <a:srcRect l="23049" r="10685"/>
+          <a:stretch/>
+        </p:blipFill>
+        <p:spPr bwMode="auto">
+          <a:xfrm>
+            <a:off x="6781801" y="914400"/>
+            <a:ext cx="5257800" cy="5295900"/>
+          </a:xfrm>
+          <a:prstGeom prst="rect">
+            <a:avLst/>
+          </a:prstGeom>
+          <a:noFill/>
+          <a:extLst>
+            <a:ext uri="{909E8E84-426E-40DD-AFC4-6F175D3DCCD1}">
+              <a14:hiddenFill xmlns:a14="http://schemas.microsoft.com/office/drawing/2010/main">
+                <a:solidFill>
+                  <a:srgbClr val="FFFFFF"/>
+                </a:solidFill>
+              </a14:hiddenFill>
+            </a:ext>
+          </a:extLst>
+        </p:spPr>
+      </p:pic>
+      <p:sp>
+        <p:nvSpPr>
+          <p:cNvPr id="7" name="Rectangle 6">
+            <a:extLst>
+              <a:ext uri="{FF2B5EF4-FFF2-40B4-BE49-F238E27FC236}">
+                <a16:creationId xmlns:a16="http://schemas.microsoft.com/office/drawing/2014/main" id="{C5449897-802A-46AB-85C5-4AF73AF9CCF6}"/>
+              </a:ext>
+            </a:extLst>
+          </p:cNvPr>
+          <p:cNvSpPr/>
+          <p:nvPr/>
+        </p:nvSpPr>
+        <p:spPr bwMode="auto">
+          <a:xfrm>
+            <a:off x="8039100" y="2971800"/>
+            <a:ext cx="342900" cy="457200"/>
+          </a:xfrm>
+          <a:prstGeom prst="rect">
+            <a:avLst/>
+          </a:prstGeom>
+          <a:solidFill>
+            <a:schemeClr val="bg1"/>
+          </a:solidFill>
+          <a:ln w="12700">
+            <a:noFill/>
+            <a:miter lim="800000"/>
+            <a:headEnd type="none" w="med" len="med"/>
+            <a:tailEnd type="none" w="med" len="med"/>
+          </a:ln>
+          <a:effectLst/>
+        </p:spPr>
+        <p:style>
+          <a:lnRef idx="1">
+            <a:schemeClr val="accent2"/>
+          </a:lnRef>
+          <a:fillRef idx="3">
+            <a:schemeClr val="accent2"/>
+          </a:fillRef>
+          <a:effectRef idx="2">
+            <a:schemeClr val="accent2"/>
+          </a:effectRef>
+          <a:fontRef idx="minor">
+            <a:schemeClr val="lt1"/>
+          </a:fontRef>
+        </p:style>
+        <p:txBody>
+          <a:bodyPr rot="0" spcFirstLastPara="0" vertOverflow="overflow" horzOverflow="overflow" vert="horz" wrap="square" lIns="182880" tIns="146304" rIns="182880" bIns="146304" numCol="1" spcCol="0" rtlCol="0" fromWordArt="0" anchor="t" anchorCtr="0" forceAA="0" compatLnSpc="1">
+            <a:prstTxWarp prst="textNoShape">
+              <a:avLst/>
+            </a:prstTxWarp>
+            <a:noAutofit/>
+          </a:bodyPr>
+          <a:lstStyle/>
+          <a:p>
+            <a:pPr algn="ctr" defTabSz="932472" fontAlgn="base">
+              <a:lnSpc>
+                <a:spcPct val="90000"/>
+              </a:lnSpc>
+              <a:spcBef>
+                <a:spcPct val="0"/>
+              </a:spcBef>
+              <a:spcAft>
+                <a:spcPct val="0"/>
+              </a:spcAft>
+            </a:pPr>
+            <a:endParaRPr lang="en-US" sz="2400" dirty="0" err="1">
+              <a:gradFill>
+                <a:gsLst>
+                  <a:gs pos="0">
+                    <a:srgbClr val="FFFFFF"/>
+                  </a:gs>
+                  <a:gs pos="100000">
+                    <a:srgbClr val="FFFFFF"/>
+                  </a:gs>
+                </a:gsLst>
+                <a:lin ang="5400000" scaled="0"/>
+              </a:gradFill>
+              <a:ea typeface="Segoe UI" pitchFamily="34" charset="0"/>
+              <a:cs typeface="Segoe UI" pitchFamily="34" charset="0"/>
+            </a:endParaRPr>
+          </a:p>
+        </p:txBody>
+      </p:sp>
+      <p:pic>
+        <p:nvPicPr>
+          <p:cNvPr id="6" name="Picture 5">
+            <a:extLst>
+              <a:ext uri="{FF2B5EF4-FFF2-40B4-BE49-F238E27FC236}">
+                <a16:creationId xmlns:a16="http://schemas.microsoft.com/office/drawing/2014/main" id="{DDA39F40-1C96-451C-8D8F-0F50160D83E3}"/>
+              </a:ext>
+            </a:extLst>
+          </p:cNvPr>
+          <p:cNvPicPr>
+            <a:picLocks noChangeAspect="1"/>
+          </p:cNvPicPr>
+          <p:nvPr/>
+        </p:nvPicPr>
+        <p:blipFill>
+          <a:blip r:embed="rId4"/>
+          <a:stretch>
+            <a:fillRect/>
+          </a:stretch>
+        </p:blipFill>
+        <p:spPr>
+          <a:xfrm rot="4320000">
+            <a:off x="8196262" y="3131781"/>
+            <a:ext cx="371475" cy="504825"/>
+          </a:xfrm>
+          <a:prstGeom prst="rect">
+            <a:avLst/>
+          </a:prstGeom>
+        </p:spPr>
+      </p:pic>
+      <p:sp>
+        <p:nvSpPr>
+          <p:cNvPr id="9" name="Speech Bubble: Rectangle 8">
+            <a:extLst>
+              <a:ext uri="{FF2B5EF4-FFF2-40B4-BE49-F238E27FC236}">
+                <a16:creationId xmlns:a16="http://schemas.microsoft.com/office/drawing/2014/main" id="{E2F5CD67-17AD-4954-97BE-62D573BE9986}"/>
+              </a:ext>
+            </a:extLst>
+          </p:cNvPr>
+          <p:cNvSpPr/>
+          <p:nvPr/>
+        </p:nvSpPr>
+        <p:spPr bwMode="auto">
+          <a:xfrm>
+            <a:off x="9639300" y="2171700"/>
+            <a:ext cx="1028700" cy="685800"/>
+          </a:xfrm>
+          <a:prstGeom prst="wedgeRectCallout">
+            <a:avLst>
+              <a:gd name="adj1" fmla="val -25906"/>
+              <a:gd name="adj2" fmla="val 122715"/>
+            </a:avLst>
+          </a:prstGeom>
+          <a:solidFill>
+            <a:schemeClr val="tx1"/>
+          </a:solidFill>
+          <a:ln w="12700">
+            <a:solidFill>
+              <a:schemeClr val="tx2"/>
+            </a:solidFill>
+            <a:miter lim="800000"/>
+            <a:headEnd type="none" w="med" len="med"/>
+            <a:tailEnd type="none" w="med" len="med"/>
+          </a:ln>
+          <a:effectLst/>
+        </p:spPr>
+        <p:style>
+          <a:lnRef idx="1">
+            <a:schemeClr val="accent2"/>
+          </a:lnRef>
+          <a:fillRef idx="3">
+            <a:schemeClr val="accent2"/>
+          </a:fillRef>
+          <a:effectRef idx="2">
+            <a:schemeClr val="accent2"/>
+          </a:effectRef>
+          <a:fontRef idx="minor">
+            <a:schemeClr val="lt1"/>
+          </a:fontRef>
+        </p:style>
+        <p:txBody>
+          <a:bodyPr rot="0" spcFirstLastPara="0" vertOverflow="overflow" horzOverflow="overflow" vert="horz" wrap="square" lIns="182880" tIns="146304" rIns="182880" bIns="146304" numCol="1" spcCol="0" rtlCol="0" fromWordArt="0" anchor="t" anchorCtr="0" forceAA="0" compatLnSpc="1">
+            <a:prstTxWarp prst="textNoShape">
+              <a:avLst/>
+            </a:prstTxWarp>
+            <a:noAutofit/>
+          </a:bodyPr>
+          <a:lstStyle/>
+          <a:p>
+            <a:pPr algn="ctr" defTabSz="932472" fontAlgn="base">
+              <a:lnSpc>
+                <a:spcPct val="90000"/>
+              </a:lnSpc>
+              <a:spcBef>
+                <a:spcPct val="0"/>
+              </a:spcBef>
+              <a:spcAft>
+                <a:spcPct val="0"/>
+              </a:spcAft>
+            </a:pPr>
+            <a:r>
+              <a:rPr lang="en-US" sz="2400" dirty="0">
+                <a:gradFill>
+                  <a:gsLst>
+                    <a:gs pos="0">
+                      <a:srgbClr val="FFFFFF"/>
+                    </a:gs>
+                    <a:gs pos="100000">
+                      <a:srgbClr val="FFFFFF"/>
+                    </a:gs>
+                  </a:gsLst>
+                  <a:lin ang="5400000" scaled="0"/>
+                </a:gradFill>
+                <a:ea typeface="Segoe UI" pitchFamily="34" charset="0"/>
+                <a:cs typeface="Segoe UI" pitchFamily="34" charset="0"/>
+              </a:rPr>
+              <a:t>hello</a:t>
+            </a:r>
+          </a:p>
+        </p:txBody>
+      </p:sp>
+    </p:spTree>
+    <p:extLst>
+      <p:ext uri="{BB962C8B-B14F-4D97-AF65-F5344CB8AC3E}">
+        <p14:creationId xmlns:p14="http://schemas.microsoft.com/office/powerpoint/2010/main" val="3705045342"/>
+      </p:ext>
+    </p:extLst>
+  </p:cSld>
+  <p:clrMapOvr>
+    <a:masterClrMapping/>
+  </p:clrMapOvr>
+  <p:transition>
+    <p:fade/>
+  </p:transition>
+  <p:timing>
+    <p:tnLst>
+      <p:par>
+        <p:cTn id="1" dur="indefinite" restart="never" nodeType="tmRoot">
+          <p:childTnLst>
+            <p:seq concurrent="1" nextAc="seek">
+              <p:cTn id="2" dur="indefinite" nodeType="mainSeq">
+                <p:childTnLst>
+                  <p:par>
+                    <p:cTn id="3" fill="hold">
+                      <p:stCondLst>
+                        <p:cond delay="indefinite"/>
+                      </p:stCondLst>
+                      <p:childTnLst>
+                        <p:par>
+                          <p:cTn id="4" fill="hold">
+                            <p:stCondLst>
+                              <p:cond delay="0"/>
+                            </p:stCondLst>
+                            <p:childTnLst>
+                              <p:par>
+                                <p:cTn id="5" presetID="10" presetClass="entr" presetSubtype="0" fill="hold" nodeType="clickEffect">
+                                  <p:stCondLst>
+                                    <p:cond delay="0"/>
+                                  </p:stCondLst>
+                                  <p:childTnLst>
+                                    <p:set>
+                                      <p:cBhvr>
+                                        <p:cTn id="6" dur="1" fill="hold">
+                                          <p:stCondLst>
+                                            <p:cond delay="0"/>
+                                          </p:stCondLst>
+                                        </p:cTn>
+                                        <p:tgtEl>
+                                          <p:spTgt spid="4">
+                                            <p:txEl>
+                                              <p:pRg st="0" end="0"/>
+                                            </p:txEl>
+                                          </p:spTgt>
+                                        </p:tgtEl>
+                                        <p:attrNameLst>
+                                          <p:attrName>style.visibility</p:attrName>
+                                        </p:attrNameLst>
+                                      </p:cBhvr>
+                                      <p:to>
+                                        <p:strVal val="visible"/>
+                                      </p:to>
+                                    </p:set>
+                                    <p:animEffect transition="in" filter="fade">
+                                      <p:cBhvr>
+                                        <p:cTn id="7" dur="500"/>
+                                        <p:tgtEl>
+                                          <p:spTgt spid="4">
+                                            <p:txEl>
+                                              <p:pRg st="0" end="0"/>
+                                            </p:txEl>
+                                          </p:spTgt>
+                                        </p:tgtEl>
+                                      </p:cBhvr>
+                                    </p:animEffect>
+                                  </p:childTnLst>
+                                </p:cTn>
+                              </p:par>
+                            </p:childTnLst>
+                          </p:cTn>
+                        </p:par>
+                      </p:childTnLst>
+                    </p:cTn>
+                  </p:par>
+                  <p:par>
+                    <p:cTn id="8" fill="hold">
+                      <p:stCondLst>
+                        <p:cond delay="indefinite"/>
+                      </p:stCondLst>
+                      <p:childTnLst>
+                        <p:par>
+                          <p:cTn id="9" fill="hold">
+                            <p:stCondLst>
+                              <p:cond delay="0"/>
+                            </p:stCondLst>
+                            <p:childTnLst>
+                              <p:par>
+                                <p:cTn id="10" presetID="10" presetClass="entr" presetSubtype="0" fill="hold" nodeType="clickEffect">
+                                  <p:stCondLst>
+                                    <p:cond delay="0"/>
+                                  </p:stCondLst>
+                                  <p:childTnLst>
+                                    <p:set>
+                                      <p:cBhvr>
+                                        <p:cTn id="11" dur="1" fill="hold">
+                                          <p:stCondLst>
+                                            <p:cond delay="0"/>
+                                          </p:stCondLst>
+                                        </p:cTn>
+                                        <p:tgtEl>
+                                          <p:spTgt spid="4">
+                                            <p:txEl>
+                                              <p:pRg st="1" end="1"/>
+                                            </p:txEl>
+                                          </p:spTgt>
+                                        </p:tgtEl>
+                                        <p:attrNameLst>
+                                          <p:attrName>style.visibility</p:attrName>
+                                        </p:attrNameLst>
+                                      </p:cBhvr>
+                                      <p:to>
+                                        <p:strVal val="visible"/>
+                                      </p:to>
+                                    </p:set>
+                                    <p:animEffect transition="in" filter="fade">
+                                      <p:cBhvr>
+                                        <p:cTn id="12" dur="500"/>
+                                        <p:tgtEl>
+                                          <p:spTgt spid="4">
+                                            <p:txEl>
+                                              <p:pRg st="1" end="1"/>
+                                            </p:txEl>
+                                          </p:spTgt>
+                                        </p:tgtEl>
+                                      </p:cBhvr>
+                                    </p:animEffect>
+                                  </p:childTnLst>
+                                </p:cTn>
+                              </p:par>
+                            </p:childTnLst>
+                          </p:cTn>
+                        </p:par>
+                      </p:childTnLst>
+                    </p:cTn>
+                  </p:par>
+                  <p:par>
+                    <p:cTn id="13" fill="hold">
+                      <p:stCondLst>
+                        <p:cond delay="indefinite"/>
+                      </p:stCondLst>
+                      <p:childTnLst>
+                        <p:par>
+                          <p:cTn id="14" fill="hold">
+                            <p:stCondLst>
+                              <p:cond delay="0"/>
+                            </p:stCondLst>
+                            <p:childTnLst>
+                              <p:par>
+                                <p:cTn id="15" presetID="10" presetClass="entr" presetSubtype="0" fill="hold" grpId="0" nodeType="clickEffect">
+                                  <p:stCondLst>
+                                    <p:cond delay="0"/>
+                                  </p:stCondLst>
+                                  <p:childTnLst>
+                                    <p:set>
+                                      <p:cBhvr>
+                                        <p:cTn id="16" dur="1" fill="hold">
+                                          <p:stCondLst>
+                                            <p:cond delay="0"/>
+                                          </p:stCondLst>
+                                        </p:cTn>
+                                        <p:tgtEl>
+                                          <p:spTgt spid="7"/>
+                                        </p:tgtEl>
+                                        <p:attrNameLst>
+                                          <p:attrName>style.visibility</p:attrName>
+                                        </p:attrNameLst>
+                                      </p:cBhvr>
+                                      <p:to>
+                                        <p:strVal val="visible"/>
+                                      </p:to>
+                                    </p:set>
+                                    <p:animEffect transition="in" filter="fade">
+                                      <p:cBhvr>
+                                        <p:cTn id="17" dur="500"/>
+                                        <p:tgtEl>
+                                          <p:spTgt spid="7"/>
+                                        </p:tgtEl>
+                                      </p:cBhvr>
+                                    </p:animEffect>
+                                  </p:childTnLst>
+                                </p:cTn>
+                              </p:par>
+                              <p:par>
+                                <p:cTn id="18" presetID="10" presetClass="entr" presetSubtype="0" fill="hold" nodeType="withEffect">
+                                  <p:stCondLst>
+                                    <p:cond delay="0"/>
+                                  </p:stCondLst>
+                                  <p:childTnLst>
+                                    <p:set>
+                                      <p:cBhvr>
+                                        <p:cTn id="19" dur="1" fill="hold">
+                                          <p:stCondLst>
+                                            <p:cond delay="0"/>
+                                          </p:stCondLst>
+                                        </p:cTn>
+                                        <p:tgtEl>
+                                          <p:spTgt spid="6"/>
+                                        </p:tgtEl>
+                                        <p:attrNameLst>
+                                          <p:attrName>style.visibility</p:attrName>
+                                        </p:attrNameLst>
+                                      </p:cBhvr>
+                                      <p:to>
+                                        <p:strVal val="visible"/>
+                                      </p:to>
+                                    </p:set>
+                                    <p:animEffect transition="in" filter="fade">
+                                      <p:cBhvr>
+                                        <p:cTn id="20" dur="500"/>
+                                        <p:tgtEl>
+                                          <p:spTgt spid="6"/>
+                                        </p:tgtEl>
+                                      </p:cBhvr>
+                                    </p:animEffect>
+                                  </p:childTnLst>
+                                </p:cTn>
+                              </p:par>
+                            </p:childTnLst>
+                          </p:cTn>
+                        </p:par>
+                        <p:par>
+                          <p:cTn id="21" fill="hold">
+                            <p:stCondLst>
+                              <p:cond delay="500"/>
+                            </p:stCondLst>
+                            <p:childTnLst>
+                              <p:par>
+                                <p:cTn id="22" presetID="22" presetClass="entr" presetSubtype="4" fill="hold" grpId="0" nodeType="afterEffect">
+                                  <p:stCondLst>
+                                    <p:cond delay="0"/>
+                                  </p:stCondLst>
+                                  <p:childTnLst>
+                                    <p:set>
+                                      <p:cBhvr>
+                                        <p:cTn id="23" dur="1" fill="hold">
+                                          <p:stCondLst>
+                                            <p:cond delay="0"/>
+                                          </p:stCondLst>
+                                        </p:cTn>
+                                        <p:tgtEl>
+                                          <p:spTgt spid="9"/>
+                                        </p:tgtEl>
+                                        <p:attrNameLst>
+                                          <p:attrName>style.visibility</p:attrName>
+                                        </p:attrNameLst>
+                                      </p:cBhvr>
+                                      <p:to>
+                                        <p:strVal val="visible"/>
+                                      </p:to>
+                                    </p:set>
+                                    <p:animEffect transition="in" filter="wipe(down)">
+                                      <p:cBhvr>
+                                        <p:cTn id="24" dur="500"/>
+                                        <p:tgtEl>
+                                          <p:spTgt spid="9"/>
+                                        </p:tgtEl>
+                                      </p:cBhvr>
+                                    </p:animEffect>
+                                  </p:childTnLst>
+                                </p:cTn>
+                              </p:par>
+                            </p:childTnLst>
+                          </p:cTn>
+                        </p:par>
+                      </p:childTnLst>
+                    </p:cTn>
+                  </p:par>
+                </p:childTnLst>
+              </p:cTn>
+              <p:prevCondLst>
+                <p:cond evt="onPrev" delay="0">
+                  <p:tgtEl>
+                    <p:sldTgt/>
+                  </p:tgtEl>
+                </p:cond>
+              </p:prevCondLst>
+              <p:nextCondLst>
+                <p:cond evt="onNext" delay="0">
+                  <p:tgtEl>
+                    <p:sldTgt/>
+                  </p:tgtEl>
+                </p:cond>
+              </p:nextCondLst>
+            </p:seq>
+          </p:childTnLst>
+        </p:cTn>
+      </p:par>
+    </p:tnLst>
+    <p:bldLst>
+      <p:bldP spid="7" grpId="0" animBg="1"/>
+      <p:bldP spid="9" grpId="0" animBg="1"/>
+    </p:bldLst>
+  </p:timing>
+</p:sld>
+</file>
+
+<file path=ppt/slides/slide9.xml><?xml version="1.0" encoding="utf-8"?>
+<p:sld xmlns:a="http://schemas.openxmlformats.org/drawingml/2006/main" xmlns:r="http://schemas.openxmlformats.org/officeDocument/2006/relationships" xmlns:p="http://schemas.openxmlformats.org/presentationml/2006/main">
+  <p:cSld>
+    <p:spTree>
+      <p:nvGrpSpPr>
+        <p:cNvPr id="1" name=""/>
+        <p:cNvGrpSpPr/>
+        <p:nvPr/>
+      </p:nvGrpSpPr>
+      <p:grpSpPr>
+        <a:xfrm>
+          <a:off x="0" y="0"/>
+          <a:ext cx="0" cy="0"/>
+          <a:chOff x="0" y="0"/>
+          <a:chExt cx="0" cy="0"/>
+        </a:xfrm>
+      </p:grpSpPr>
+      <p:sp>
+        <p:nvSpPr>
+          <p:cNvPr id="2" name="Title 1"/>
+          <p:cNvSpPr>
+            <a:spLocks noGrp="1"/>
+          </p:cNvSpPr>
+          <p:nvPr>
+            <p:ph type="title"/>
+          </p:nvPr>
+        </p:nvSpPr>
+        <p:spPr/>
+        <p:txBody>
+          <a:bodyPr/>
+          <a:lstStyle/>
+          <a:p>
+            <a:r>
+              <a:rPr lang="en-US" dirty="0"/>
+              <a:t>Functions recap</a:t>
+            </a:r>
+          </a:p>
+        </p:txBody>
+      </p:sp>
+      <p:sp>
+        <p:nvSpPr>
+          <p:cNvPr id="3" name="Content Placeholder 2"/>
+          <p:cNvSpPr>
+            <a:spLocks noGrp="1"/>
+          </p:cNvSpPr>
+          <p:nvPr>
+            <p:ph idx="1"/>
+          </p:nvPr>
+        </p:nvSpPr>
+        <p:spPr/>
+        <p:txBody>
+          <a:bodyPr/>
+          <a:lstStyle/>
+          <a:p>
+            <a:endParaRPr lang="en-US" dirty="0"/>
+          </a:p>
+          <a:p>
+            <a:r>
+              <a:rPr lang="en-US" dirty="0"/>
+              <a:t>When a button is clicked, it </a:t>
+            </a:r>
+            <a:r>
+              <a:rPr lang="en-US" i="1" dirty="0"/>
+              <a:t>calls</a:t>
+            </a:r>
+            <a:r>
+              <a:rPr lang="en-US" dirty="0"/>
+              <a:t> a </a:t>
+            </a:r>
+            <a:r>
+              <a:rPr lang="en-US" b="1" dirty="0"/>
+              <a:t>function</a:t>
+            </a:r>
+            <a:endParaRPr lang="en-US" dirty="0"/>
+          </a:p>
+          <a:p>
+            <a:r>
+              <a:rPr lang="en-US" dirty="0"/>
+              <a:t>Functions run specific blocks of code when called</a:t>
+            </a:r>
+          </a:p>
+          <a:p>
+            <a:endParaRPr lang="en-US" b="1" dirty="0"/>
+          </a:p>
+          <a:p>
+            <a:r>
+              <a:rPr lang="en-US" dirty="0"/>
+              <a:t>Functions can be </a:t>
+            </a:r>
+            <a:r>
+              <a:rPr lang="en-US" i="1" dirty="0"/>
+              <a:t>defined</a:t>
+            </a:r>
+            <a:r>
+              <a:rPr lang="en-US" dirty="0"/>
+              <a:t> in a </a:t>
+            </a:r>
+            <a:r>
+              <a:rPr lang="en-US" b="1" dirty="0"/>
+              <a:t>script.js</a:t>
+            </a:r>
+            <a:r>
+              <a:rPr lang="en-US" dirty="0"/>
+              <a:t> file</a:t>
+            </a:r>
+          </a:p>
+          <a:p>
+            <a:r>
+              <a:rPr lang="en-US" dirty="0"/>
+              <a:t>The function name in the definition must match the function call</a:t>
+            </a:r>
+          </a:p>
+          <a:p>
+            <a:endParaRPr lang="en-US" dirty="0"/>
+          </a:p>
+          <a:p>
+            <a:r>
+              <a:rPr lang="en-US" dirty="0"/>
+              <a:t>Functions can be difficult to understand – it takes a lot of practice!</a:t>
+            </a:r>
+          </a:p>
+        </p:txBody>
+      </p:sp>
+    </p:spTree>
+    <p:extLst>
+      <p:ext uri="{BB962C8B-B14F-4D97-AF65-F5344CB8AC3E}">
+        <p14:creationId xmlns:p14="http://schemas.microsoft.com/office/powerpoint/2010/main" val="26363434"/>
+      </p:ext>
+    </p:extLst>
+  </p:cSld>
+  <p:clrMapOvr>
+    <a:masterClrMapping/>
+  </p:clrMapOvr>
+  <p:transition>
+    <p:fade/>
+  </p:transition>
+  <p:timing>
+    <p:tnLst>
+      <p:par>
+        <p:cTn id="1" dur="indefinite" restart="never" nodeType="tmRoot">
+          <p:childTnLst>
+            <p:seq concurrent="1" nextAc="seek">
+              <p:cTn id="2" dur="indefinite" nodeType="mainSeq">
+                <p:childTnLst>
+                  <p:par>
+                    <p:cTn id="3" fill="hold">
+                      <p:stCondLst>
+                        <p:cond delay="indefinite"/>
+                      </p:stCondLst>
+                      <p:childTnLst>
+                        <p:par>
+                          <p:cTn id="4" fill="hold">
+                            <p:stCondLst>
+                              <p:cond delay="0"/>
+                            </p:stCondLst>
+                            <p:childTnLst>
+                              <p:par>
+                                <p:cTn id="5" presetID="10" presetClass="entr" presetSubtype="0" fill="hold" grpId="0" nodeType="clickEffect">
+                                  <p:stCondLst>
+                                    <p:cond delay="0"/>
+                                  </p:stCondLst>
+                                  <p:childTnLst>
+                                    <p:set>
+                                      <p:cBhvr>
+                                        <p:cTn id="6" dur="1" fill="hold">
+                                          <p:stCondLst>
+                                            <p:cond delay="0"/>
+                                          </p:stCondLst>
+                                        </p:cTn>
+                                        <p:tgtEl>
+                                          <p:spTgt spid="3">
+                                            <p:txEl>
+                                              <p:pRg st="1" end="1"/>
+                                            </p:txEl>
+                                          </p:spTgt>
+                                        </p:tgtEl>
+                                        <p:attrNameLst>
+                                          <p:attrName>style.visibility</p:attrName>
+                                        </p:attrNameLst>
+                                      </p:cBhvr>
+                                      <p:to>
+                                        <p:strVal val="visible"/>
+                                      </p:to>
+                                    </p:set>
+                                    <p:animEffect transition="in" filter="fade">
+                                      <p:cBhvr>
+                                        <p:cTn id="7" dur="500"/>
+                                        <p:tgtEl>
+                                          <p:spTgt spid="3">
+                                            <p:txEl>
+                                              <p:pRg st="1" end="1"/>
+                                            </p:txEl>
+                                          </p:spTgt>
+                                        </p:tgtEl>
+                                      </p:cBhvr>
+                                    </p:animEffect>
+                                  </p:childTnLst>
+                                </p:cTn>
+                              </p:par>
+                            </p:childTnLst>
+                          </p:cTn>
+                        </p:par>
+                      </p:childTnLst>
+                    </p:cTn>
+                  </p:par>
+                  <p:par>
+                    <p:cTn id="8" fill="hold">
+                      <p:stCondLst>
+                        <p:cond delay="indefinite"/>
+                      </p:stCondLst>
+                      <p:childTnLst>
+                        <p:par>
+                          <p:cTn id="9" fill="hold">
+                            <p:stCondLst>
+                              <p:cond delay="0"/>
+                            </p:stCondLst>
+                            <p:childTnLst>
+                              <p:par>
+                                <p:cTn id="10" presetID="10" presetClass="entr" presetSubtype="0" fill="hold" grpId="0" nodeType="clickEffect">
+                                  <p:stCondLst>
+                                    <p:cond delay="0"/>
+                                  </p:stCondLst>
+                                  <p:childTnLst>
+                                    <p:set>
+                                      <p:cBhvr>
+                                        <p:cTn id="11" dur="1" fill="hold">
+                                          <p:stCondLst>
+                                            <p:cond delay="0"/>
+                                          </p:stCondLst>
+                                        </p:cTn>
+                                        <p:tgtEl>
+                                          <p:spTgt spid="3">
+                                            <p:txEl>
+                                              <p:pRg st="2" end="2"/>
+                                            </p:txEl>
+                                          </p:spTgt>
+                                        </p:tgtEl>
+                                        <p:attrNameLst>
+                                          <p:attrName>style.visibility</p:attrName>
+                                        </p:attrNameLst>
+                                      </p:cBhvr>
+                                      <p:to>
+                                        <p:strVal val="visible"/>
+                                      </p:to>
+                                    </p:set>
+                                    <p:animEffect transition="in" filter="fade">
+                                      <p:cBhvr>
+                                        <p:cTn id="12" dur="500"/>
+                                        <p:tgtEl>
+                                          <p:spTgt spid="3">
+                                            <p:txEl>
+                                              <p:pRg st="2" end="2"/>
+                                            </p:txEl>
+                                          </p:spTgt>
+                                        </p:tgtEl>
+                                      </p:cBhvr>
+                                    </p:animEffect>
+                                  </p:childTnLst>
+                                </p:cTn>
+                              </p:par>
+                            </p:childTnLst>
+                          </p:cTn>
+                        </p:par>
+                      </p:childTnLst>
+                    </p:cTn>
+                  </p:par>
+                  <p:par>
+                    <p:cTn id="13" fill="hold">
+                      <p:stCondLst>
+                        <p:cond delay="indefinite"/>
+                      </p:stCondLst>
+                      <p:childTnLst>
+                        <p:par>
+                          <p:cTn id="14" fill="hold">
+                            <p:stCondLst>
+                              <p:cond delay="0"/>
+                            </p:stCondLst>
+                            <p:childTnLst>
+                              <p:par>
+                                <p:cTn id="15" presetID="10" presetClass="entr" presetSubtype="0" fill="hold" grpId="0" nodeType="clickEffect">
+                                  <p:stCondLst>
+                                    <p:cond delay="0"/>
+                                  </p:stCondLst>
+                                  <p:childTnLst>
+                                    <p:set>
+                                      <p:cBhvr>
+                                        <p:cTn id="16" dur="1" fill="hold">
+                                          <p:stCondLst>
+                                            <p:cond delay="0"/>
+                                          </p:stCondLst>
+                                        </p:cTn>
+                                        <p:tgtEl>
+                                          <p:spTgt spid="3">
+                                            <p:txEl>
+                                              <p:pRg st="4" end="4"/>
+                                            </p:txEl>
+                                          </p:spTgt>
+                                        </p:tgtEl>
+                                        <p:attrNameLst>
+                                          <p:attrName>style.visibility</p:attrName>
+                                        </p:attrNameLst>
+                                      </p:cBhvr>
+                                      <p:to>
+                                        <p:strVal val="visible"/>
+                                      </p:to>
+                                    </p:set>
+                                    <p:animEffect transition="in" filter="fade">
+                                      <p:cBhvr>
+                                        <p:cTn id="17" dur="500"/>
+                                        <p:tgtEl>
+                                          <p:spTgt spid="3">
+                                            <p:txEl>
+                                              <p:pRg st="4" end="4"/>
+                                            </p:txEl>
+                                          </p:spTgt>
+                                        </p:tgtEl>
+                                      </p:cBhvr>
+                                    </p:animEffect>
+                                  </p:childTnLst>
+                                </p:cTn>
+                              </p:par>
+                            </p:childTnLst>
+                          </p:cTn>
+                        </p:par>
+                      </p:childTnLst>
+                    </p:cTn>
+                  </p:par>
+                  <p:par>
+                    <p:cTn id="18" fill="hold">
+                      <p:stCondLst>
+                        <p:cond delay="indefinite"/>
+                      </p:stCondLst>
+                      <p:childTnLst>
+                        <p:par>
+                          <p:cTn id="19" fill="hold">
+                            <p:stCondLst>
+                              <p:cond delay="0"/>
+                            </p:stCondLst>
+                            <p:childTnLst>
+                              <p:par>
+                                <p:cTn id="20" presetID="10" presetClass="entr" presetSubtype="0" fill="hold" grpId="0" nodeType="clickEffect">
+                                  <p:stCondLst>
+                                    <p:cond delay="0"/>
+                                  </p:stCondLst>
+                                  <p:childTnLst>
+                                    <p:set>
+                                      <p:cBhvr>
+                                        <p:cTn id="21" dur="1" fill="hold">
+                                          <p:stCondLst>
+                                            <p:cond delay="0"/>
+                                          </p:stCondLst>
+                                        </p:cTn>
+                                        <p:tgtEl>
+                                          <p:spTgt spid="3">
+                                            <p:txEl>
+                                              <p:pRg st="5" end="5"/>
+                                            </p:txEl>
+                                          </p:spTgt>
+                                        </p:tgtEl>
+                                        <p:attrNameLst>
+                                          <p:attrName>style.visibility</p:attrName>
+                                        </p:attrNameLst>
+                                      </p:cBhvr>
+                                      <p:to>
+                                        <p:strVal val="visible"/>
+                                      </p:to>
+                                    </p:set>
+                                    <p:animEffect transition="in" filter="fade">
+                                      <p:cBhvr>
+                                        <p:cTn id="22" dur="500"/>
+                                        <p:tgtEl>
+                                          <p:spTgt spid="3">
+                                            <p:txEl>
+                                              <p:pRg st="5" end="5"/>
+                                            </p:txEl>
+                                          </p:spTgt>
+                                        </p:tgtEl>
+                                      </p:cBhvr>
+                                    </p:animEffect>
+                                  </p:childTnLst>
+                                </p:cTn>
+                              </p:par>
+                            </p:childTnLst>
+                          </p:cTn>
+                        </p:par>
+                      </p:childTnLst>
+                    </p:cTn>
+                  </p:par>
+                  <p:par>
+                    <p:cTn id="23" fill="hold">
+                      <p:stCondLst>
+                        <p:cond delay="indefinite"/>
+                      </p:stCondLst>
+                      <p:childTnLst>
+                        <p:par>
+                          <p:cTn id="24" fill="hold">
+                            <p:stCondLst>
+                              <p:cond delay="0"/>
+                            </p:stCondLst>
+                            <p:childTnLst>
+                              <p:par>
+                                <p:cTn id="25" presetID="10" presetClass="entr" presetSubtype="0" fill="hold" grpId="0" nodeType="clickEffect">
+                                  <p:stCondLst>
+                                    <p:cond delay="0"/>
+                                  </p:stCondLst>
+                                  <p:childTnLst>
+                                    <p:set>
+                                      <p:cBhvr>
+                                        <p:cTn id="26" dur="1" fill="hold">
+                                          <p:stCondLst>
+                                            <p:cond delay="0"/>
+                                          </p:stCondLst>
+                                        </p:cTn>
+                                        <p:tgtEl>
+                                          <p:spTgt spid="3">
+                                            <p:txEl>
+                                              <p:pRg st="7" end="7"/>
+                                            </p:txEl>
+                                          </p:spTgt>
+                                        </p:tgtEl>
+                                        <p:attrNameLst>
+                                          <p:attrName>style.visibility</p:attrName>
+                                        </p:attrNameLst>
+                                      </p:cBhvr>
+                                      <p:to>
+                                        <p:strVal val="visible"/>
+                                      </p:to>
+                                    </p:set>
+                                    <p:animEffect transition="in" filter="fade">
+                                      <p:cBhvr>
+                                        <p:cTn id="27" dur="500"/>
+                                        <p:tgtEl>
+                                          <p:spTgt spid="3">
+                                            <p:txEl>
+                                              <p:pRg st="7" end="7"/>
+                                            </p:txEl>
+                                          </p:spTgt>
+                                        </p:tgtEl>
+                                      </p:cBhvr>
+                                    </p:animEffect>
+                                  </p:childTnLst>
+                                </p:cTn>
+                              </p:par>
+                            </p:childTnLst>
+                          </p:cTn>
+                        </p:par>
+                      </p:childTnLst>
+                    </p:cTn>
+                  </p:par>
+                </p:childTnLst>
+              </p:cTn>
+              <p:prevCondLst>
+                <p:cond evt="onPrev" delay="0">
+                  <p:tgtEl>
+                    <p:sldTgt/>
+                  </p:tgtEl>
+                </p:cond>
+              </p:prevCondLst>
+              <p:nextCondLst>
+                <p:cond evt="onNext" delay="0">
+                  <p:tgtEl>
+                    <p:sldTgt/>
+                  </p:tgtEl>
+                </p:cond>
+              </p:nextCondLst>
+            </p:seq>
+          </p:childTnLst>
+        </p:cTn>
+      </p:par>
+    </p:tnLst>
+    <p:bldLst>
+      <p:bldP spid="3" grpId="0" build="p"/>
+    </p:bldLst>
   </p:timing>
 </p:sld>
 </file>
